--- a/PowerPoint/Alias_Präsentation.pptx
+++ b/PowerPoint/Alias_Präsentation.pptx
@@ -5,36 +5,41 @@
     <p:sldMasterId id="2147483648" r:id="rId1"/>
   </p:sldMasterIdLst>
   <p:notesMasterIdLst>
-    <p:notesMasterId r:id="rId29"/>
+    <p:notesMasterId r:id="rId34"/>
   </p:notesMasterIdLst>
   <p:sldIdLst>
     <p:sldId id="256" r:id="rId2"/>
     <p:sldId id="257" r:id="rId3"/>
-    <p:sldId id="258" r:id="rId4"/>
-    <p:sldId id="259" r:id="rId5"/>
-    <p:sldId id="260" r:id="rId6"/>
-    <p:sldId id="261" r:id="rId7"/>
-    <p:sldId id="262" r:id="rId8"/>
-    <p:sldId id="263" r:id="rId9"/>
-    <p:sldId id="279" r:id="rId10"/>
-    <p:sldId id="280" r:id="rId11"/>
-    <p:sldId id="281" r:id="rId12"/>
-    <p:sldId id="282" r:id="rId13"/>
-    <p:sldId id="283" r:id="rId14"/>
-    <p:sldId id="264" r:id="rId15"/>
-    <p:sldId id="265" r:id="rId16"/>
-    <p:sldId id="266" r:id="rId17"/>
-    <p:sldId id="267" r:id="rId18"/>
-    <p:sldId id="268" r:id="rId19"/>
-    <p:sldId id="275" r:id="rId20"/>
-    <p:sldId id="269" r:id="rId21"/>
-    <p:sldId id="271" r:id="rId22"/>
-    <p:sldId id="270" r:id="rId23"/>
-    <p:sldId id="272" r:id="rId24"/>
-    <p:sldId id="273" r:id="rId25"/>
-    <p:sldId id="276" r:id="rId26"/>
-    <p:sldId id="277" r:id="rId27"/>
-    <p:sldId id="278" r:id="rId28"/>
+    <p:sldId id="288" r:id="rId4"/>
+    <p:sldId id="284" r:id="rId5"/>
+    <p:sldId id="258" r:id="rId6"/>
+    <p:sldId id="285" r:id="rId7"/>
+    <p:sldId id="259" r:id="rId8"/>
+    <p:sldId id="260" r:id="rId9"/>
+    <p:sldId id="261" r:id="rId10"/>
+    <p:sldId id="262" r:id="rId11"/>
+    <p:sldId id="263" r:id="rId12"/>
+    <p:sldId id="279" r:id="rId13"/>
+    <p:sldId id="280" r:id="rId14"/>
+    <p:sldId id="282" r:id="rId15"/>
+    <p:sldId id="281" r:id="rId16"/>
+    <p:sldId id="283" r:id="rId17"/>
+    <p:sldId id="264" r:id="rId18"/>
+    <p:sldId id="265" r:id="rId19"/>
+    <p:sldId id="266" r:id="rId20"/>
+    <p:sldId id="267" r:id="rId21"/>
+    <p:sldId id="268" r:id="rId22"/>
+    <p:sldId id="275" r:id="rId23"/>
+    <p:sldId id="269" r:id="rId24"/>
+    <p:sldId id="271" r:id="rId25"/>
+    <p:sldId id="270" r:id="rId26"/>
+    <p:sldId id="272" r:id="rId27"/>
+    <p:sldId id="273" r:id="rId28"/>
+    <p:sldId id="276" r:id="rId29"/>
+    <p:sldId id="286" r:id="rId30"/>
+    <p:sldId id="277" r:id="rId31"/>
+    <p:sldId id="287" r:id="rId32"/>
+    <p:sldId id="278" r:id="rId33"/>
   </p:sldIdLst>
   <p:sldSz cx="12192000" cy="6858000"/>
   <p:notesSz cx="6858000" cy="9144000"/>
@@ -143,7 +148,10 @@
           <p14:sldIdLst>
             <p14:sldId id="256"/>
             <p14:sldId id="257"/>
+            <p14:sldId id="288"/>
+            <p14:sldId id="284"/>
             <p14:sldId id="258"/>
+            <p14:sldId id="285"/>
             <p14:sldId id="259"/>
             <p14:sldId id="260"/>
             <p14:sldId id="261"/>
@@ -151,8 +159,8 @@
             <p14:sldId id="263"/>
             <p14:sldId id="279"/>
             <p14:sldId id="280"/>
+            <p14:sldId id="282"/>
             <p14:sldId id="281"/>
-            <p14:sldId id="282"/>
             <p14:sldId id="283"/>
             <p14:sldId id="264"/>
             <p14:sldId id="265"/>
@@ -166,7 +174,9 @@
             <p14:sldId id="272"/>
             <p14:sldId id="273"/>
             <p14:sldId id="276"/>
+            <p14:sldId id="286"/>
             <p14:sldId id="277"/>
+            <p14:sldId id="287"/>
             <p14:sldId id="278"/>
           </p14:sldIdLst>
         </p14:section>
@@ -264,7 +274,7 @@
           <a:p>
             <a:fld id="{66AFD5BD-0B94-4BF8-B6FA-E5D0789A3E6F}" type="datetimeFigureOut">
               <a:rPr lang="de-DE" smtClean="0"/>
-              <a:t>16.10.2020</a:t>
+              <a:t>22.10.2020</a:t>
             </a:fld>
             <a:endParaRPr lang="de-DE"/>
           </a:p>
@@ -714,7 +724,7 @@
           <a:p>
             <a:fld id="{5AA17E33-9CDE-43FA-BB89-F3815FB936F4}" type="datetimeFigureOut">
               <a:rPr lang="de-DE" smtClean="0"/>
-              <a:t>16.10.2020</a:t>
+              <a:t>22.10.2020</a:t>
             </a:fld>
             <a:endParaRPr lang="de-DE"/>
           </a:p>
@@ -912,7 +922,7 @@
           <a:p>
             <a:fld id="{5AA17E33-9CDE-43FA-BB89-F3815FB936F4}" type="datetimeFigureOut">
               <a:rPr lang="de-DE" smtClean="0"/>
-              <a:t>16.10.2020</a:t>
+              <a:t>22.10.2020</a:t>
             </a:fld>
             <a:endParaRPr lang="de-DE"/>
           </a:p>
@@ -1120,7 +1130,7 @@
           <a:p>
             <a:fld id="{5AA17E33-9CDE-43FA-BB89-F3815FB936F4}" type="datetimeFigureOut">
               <a:rPr lang="de-DE" smtClean="0"/>
-              <a:t>16.10.2020</a:t>
+              <a:t>22.10.2020</a:t>
             </a:fld>
             <a:endParaRPr lang="de-DE"/>
           </a:p>
@@ -1318,7 +1328,7 @@
           <a:p>
             <a:fld id="{5AA17E33-9CDE-43FA-BB89-F3815FB936F4}" type="datetimeFigureOut">
               <a:rPr lang="de-DE" smtClean="0"/>
-              <a:t>16.10.2020</a:t>
+              <a:t>22.10.2020</a:t>
             </a:fld>
             <a:endParaRPr lang="de-DE"/>
           </a:p>
@@ -1629,7 +1639,7 @@
           <a:p>
             <a:fld id="{5AA17E33-9CDE-43FA-BB89-F3815FB936F4}" type="datetimeFigureOut">
               <a:rPr lang="de-DE" smtClean="0"/>
-              <a:t>16.10.2020</a:t>
+              <a:t>22.10.2020</a:t>
             </a:fld>
             <a:endParaRPr lang="de-DE"/>
           </a:p>
@@ -1894,7 +1904,7 @@
           <a:p>
             <a:fld id="{5AA17E33-9CDE-43FA-BB89-F3815FB936F4}" type="datetimeFigureOut">
               <a:rPr lang="de-DE" smtClean="0"/>
-              <a:t>16.10.2020</a:t>
+              <a:t>22.10.2020</a:t>
             </a:fld>
             <a:endParaRPr lang="de-DE"/>
           </a:p>
@@ -2306,7 +2316,7 @@
           <a:p>
             <a:fld id="{5AA17E33-9CDE-43FA-BB89-F3815FB936F4}" type="datetimeFigureOut">
               <a:rPr lang="de-DE" smtClean="0"/>
-              <a:t>16.10.2020</a:t>
+              <a:t>22.10.2020</a:t>
             </a:fld>
             <a:endParaRPr lang="de-DE"/>
           </a:p>
@@ -2447,7 +2457,7 @@
           <a:p>
             <a:fld id="{5AA17E33-9CDE-43FA-BB89-F3815FB936F4}" type="datetimeFigureOut">
               <a:rPr lang="de-DE" smtClean="0"/>
-              <a:t>16.10.2020</a:t>
+              <a:t>22.10.2020</a:t>
             </a:fld>
             <a:endParaRPr lang="de-DE"/>
           </a:p>
@@ -2560,7 +2570,7 @@
           <a:p>
             <a:fld id="{5AA17E33-9CDE-43FA-BB89-F3815FB936F4}" type="datetimeFigureOut">
               <a:rPr lang="de-DE" smtClean="0"/>
-              <a:t>16.10.2020</a:t>
+              <a:t>22.10.2020</a:t>
             </a:fld>
             <a:endParaRPr lang="de-DE"/>
           </a:p>
@@ -2871,7 +2881,7 @@
           <a:p>
             <a:fld id="{5AA17E33-9CDE-43FA-BB89-F3815FB936F4}" type="datetimeFigureOut">
               <a:rPr lang="de-DE" smtClean="0"/>
-              <a:t>16.10.2020</a:t>
+              <a:t>22.10.2020</a:t>
             </a:fld>
             <a:endParaRPr lang="de-DE"/>
           </a:p>
@@ -3159,7 +3169,7 @@
           <a:p>
             <a:fld id="{5AA17E33-9CDE-43FA-BB89-F3815FB936F4}" type="datetimeFigureOut">
               <a:rPr lang="de-DE" smtClean="0"/>
-              <a:t>16.10.2020</a:t>
+              <a:t>22.10.2020</a:t>
             </a:fld>
             <a:endParaRPr lang="de-DE"/>
           </a:p>
@@ -3400,7 +3410,7 @@
           <a:p>
             <a:fld id="{5AA17E33-9CDE-43FA-BB89-F3815FB936F4}" type="datetimeFigureOut">
               <a:rPr lang="de-DE" smtClean="0"/>
-              <a:t>16.10.2020</a:t>
+              <a:t>22.10.2020</a:t>
             </a:fld>
             <a:endParaRPr lang="de-DE"/>
           </a:p>
@@ -3888,7 +3898,7 @@
           <p:cNvPr id="2" name="Titel 1">
             <a:extLst>
               <a:ext uri="{FF2B5EF4-FFF2-40B4-BE49-F238E27FC236}">
-                <a16:creationId xmlns:a16="http://schemas.microsoft.com/office/drawing/2014/main" id="{BEA91CBB-9319-46D6-9DC6-17DD22249EEC}"/>
+                <a16:creationId xmlns:a16="http://schemas.microsoft.com/office/drawing/2014/main" id="{1F166CF6-EC45-4ECB-BBF3-C6367B439E84}"/>
               </a:ext>
             </a:extLst>
           </p:cNvPr>
@@ -3906,17 +3916,17 @@
           <a:p>
             <a:r>
               <a:rPr lang="de-DE" dirty="0"/>
-              <a:t>Frontend – Thema</a:t>
+              <a:t>Frontend – Angular Components</a:t>
             </a:r>
           </a:p>
         </p:txBody>
       </p:sp>
       <p:pic>
         <p:nvPicPr>
-          <p:cNvPr id="4" name="Grafik 3">
-            <a:extLst>
-              <a:ext uri="{FF2B5EF4-FFF2-40B4-BE49-F238E27FC236}">
-                <a16:creationId xmlns:a16="http://schemas.microsoft.com/office/drawing/2014/main" id="{299F9B39-93F7-4F13-B49E-FCD5BD62E970}"/>
+          <p:cNvPr id="5" name="Grafik 4">
+            <a:extLst>
+              <a:ext uri="{FF2B5EF4-FFF2-40B4-BE49-F238E27FC236}">
+                <a16:creationId xmlns:a16="http://schemas.microsoft.com/office/drawing/2014/main" id="{9D4D9E27-97E8-43AA-90D5-61921DD40A88}"/>
               </a:ext>
             </a:extLst>
           </p:cNvPr>
@@ -3933,25 +3943,20 @@
         </p:blipFill>
         <p:spPr>
           <a:xfrm>
-            <a:off x="1364906" y="1690688"/>
-            <a:ext cx="1820896" cy="3963988"/>
+            <a:off x="796636" y="2515966"/>
+            <a:ext cx="4175948" cy="1826068"/>
           </a:xfrm>
           <a:prstGeom prst="rect">
             <a:avLst/>
           </a:prstGeom>
-          <a:ln>
-            <a:solidFill>
-              <a:schemeClr val="tx1"/>
-            </a:solidFill>
-          </a:ln>
         </p:spPr>
       </p:pic>
       <p:pic>
         <p:nvPicPr>
-          <p:cNvPr id="5" name="Grafik 4">
-            <a:extLst>
-              <a:ext uri="{FF2B5EF4-FFF2-40B4-BE49-F238E27FC236}">
-                <a16:creationId xmlns:a16="http://schemas.microsoft.com/office/drawing/2014/main" id="{F8F43E14-78D0-484B-81E5-FFEEFF8625A8}"/>
+          <p:cNvPr id="3" name="Grafik 2">
+            <a:extLst>
+              <a:ext uri="{FF2B5EF4-FFF2-40B4-BE49-F238E27FC236}">
+                <a16:creationId xmlns:a16="http://schemas.microsoft.com/office/drawing/2014/main" id="{EB611708-95EE-4A7A-8DA2-8E0ADB991925}"/>
               </a:ext>
             </a:extLst>
           </p:cNvPr>
@@ -3968,95 +3973,103 @@
         </p:blipFill>
         <p:spPr>
           <a:xfrm>
-            <a:off x="5183111" y="1629568"/>
-            <a:ext cx="1825778" cy="3963988"/>
+            <a:off x="838200" y="5414158"/>
+            <a:ext cx="6247269" cy="285998"/>
           </a:xfrm>
           <a:prstGeom prst="rect">
             <a:avLst/>
           </a:prstGeom>
-          <a:ln>
-            <a:solidFill>
-              <a:schemeClr val="tx1"/>
-            </a:solidFill>
-          </a:ln>
         </p:spPr>
       </p:pic>
       <p:sp>
         <p:nvSpPr>
-          <p:cNvPr id="6" name="Rechteck 5">
-            <a:extLst>
-              <a:ext uri="{FF2B5EF4-FFF2-40B4-BE49-F238E27FC236}">
-                <a16:creationId xmlns:a16="http://schemas.microsoft.com/office/drawing/2014/main" id="{26EC99EF-C110-4158-A461-08765AFCD03D}"/>
-              </a:ext>
-            </a:extLst>
-          </p:cNvPr>
-          <p:cNvSpPr/>
+          <p:cNvPr id="8" name="Textfeld 7">
+            <a:extLst>
+              <a:ext uri="{FF2B5EF4-FFF2-40B4-BE49-F238E27FC236}">
+                <a16:creationId xmlns:a16="http://schemas.microsoft.com/office/drawing/2014/main" id="{523DC201-33C1-4B90-B80C-3630CDEF79CD}"/>
+              </a:ext>
+            </a:extLst>
+          </p:cNvPr>
+          <p:cNvSpPr txBox="1"/>
           <p:nvPr/>
         </p:nvSpPr>
         <p:spPr>
           <a:xfrm>
-            <a:off x="1213596" y="5785531"/>
-            <a:ext cx="2184400" cy="307777"/>
+            <a:off x="796636" y="2010222"/>
+            <a:ext cx="3782291" cy="369332"/>
           </a:xfrm>
           <a:prstGeom prst="rect">
             <a:avLst/>
           </a:prstGeom>
-        </p:spPr>
-        <p:txBody>
-          <a:bodyPr wrap="square">
+          <a:noFill/>
+        </p:spPr>
+        <p:txBody>
+          <a:bodyPr wrap="square" rtlCol="0">
             <a:spAutoFit/>
           </a:bodyPr>
           <a:lstStyle/>
           <a:p>
-            <a:pPr algn="ctr"/>
-            <a:r>
-              <a:rPr lang="de-DE" sz="1400" dirty="0"/>
-              <a:t>Themenübersicht</a:t>
-            </a:r>
-          </a:p>
-        </p:txBody>
-      </p:sp>
-      <p:sp>
-        <p:nvSpPr>
-          <p:cNvPr id="7" name="Rechteck 6">
-            <a:extLst>
-              <a:ext uri="{FF2B5EF4-FFF2-40B4-BE49-F238E27FC236}">
-                <a16:creationId xmlns:a16="http://schemas.microsoft.com/office/drawing/2014/main" id="{20B25942-F836-47D2-AFE4-C9661B0648E9}"/>
-              </a:ext>
-            </a:extLst>
-          </p:cNvPr>
-          <p:cNvSpPr/>
+            <a:r>
+              <a:rPr lang="de-DE" dirty="0"/>
+              <a:t>main-</a:t>
+            </a:r>
+            <a:r>
+              <a:rPr lang="de-DE" dirty="0" err="1"/>
+              <a:t>nav</a:t>
+            </a:r>
+            <a:r>
+              <a:rPr lang="de-DE" dirty="0"/>
+              <a:t>-</a:t>
+            </a:r>
+            <a:r>
+              <a:rPr lang="de-DE" dirty="0" err="1"/>
+              <a:t>component.ts</a:t>
+            </a:r>
+            <a:endParaRPr lang="de-DE" dirty="0"/>
+          </a:p>
+        </p:txBody>
+      </p:sp>
+      <p:sp>
+        <p:nvSpPr>
+          <p:cNvPr id="9" name="Textfeld 8">
+            <a:extLst>
+              <a:ext uri="{FF2B5EF4-FFF2-40B4-BE49-F238E27FC236}">
+                <a16:creationId xmlns:a16="http://schemas.microsoft.com/office/drawing/2014/main" id="{881B8E4D-F600-4D9B-856F-57D1A9869642}"/>
+              </a:ext>
+            </a:extLst>
+          </p:cNvPr>
+          <p:cNvSpPr txBox="1"/>
           <p:nvPr/>
         </p:nvSpPr>
         <p:spPr>
           <a:xfrm>
-            <a:off x="5003800" y="5785532"/>
-            <a:ext cx="2184400" cy="307777"/>
+            <a:off x="838200" y="4899885"/>
+            <a:ext cx="3782291" cy="369332"/>
           </a:xfrm>
           <a:prstGeom prst="rect">
             <a:avLst/>
           </a:prstGeom>
-        </p:spPr>
-        <p:txBody>
-          <a:bodyPr wrap="square">
+          <a:noFill/>
+        </p:spPr>
+        <p:txBody>
+          <a:bodyPr wrap="square" rtlCol="0">
             <a:spAutoFit/>
           </a:bodyPr>
           <a:lstStyle/>
           <a:p>
-            <a:pPr algn="ctr"/>
-            <a:r>
-              <a:rPr lang="de-DE" sz="1400" dirty="0"/>
-              <a:t>Themenübersicht</a:t>
+            <a:r>
+              <a:rPr lang="de-DE" dirty="0"/>
+              <a:t>main-nav-component.html</a:t>
             </a:r>
           </a:p>
         </p:txBody>
       </p:sp>
       <p:pic>
         <p:nvPicPr>
-          <p:cNvPr id="8" name="Grafik 7">
-            <a:extLst>
-              <a:ext uri="{FF2B5EF4-FFF2-40B4-BE49-F238E27FC236}">
-                <a16:creationId xmlns:a16="http://schemas.microsoft.com/office/drawing/2014/main" id="{CF8F46FB-F0D3-4597-B2B2-F41587DECA46}"/>
+          <p:cNvPr id="11" name="Grafik 10">
+            <a:extLst>
+              <a:ext uri="{FF2B5EF4-FFF2-40B4-BE49-F238E27FC236}">
+                <a16:creationId xmlns:a16="http://schemas.microsoft.com/office/drawing/2014/main" id="{1D3F36E9-C435-43D7-990E-AD516F423CF6}"/>
               </a:ext>
             </a:extLst>
           </p:cNvPr>
@@ -4073,58 +4086,84 @@
         </p:blipFill>
         <p:spPr>
           <a:xfrm>
-            <a:off x="9006198" y="1690688"/>
-            <a:ext cx="1760013" cy="3841749"/>
+            <a:off x="7342322" y="2208965"/>
+            <a:ext cx="3590925" cy="523875"/>
           </a:xfrm>
           <a:prstGeom prst="rect">
             <a:avLst/>
           </a:prstGeom>
-          <a:ln>
-            <a:solidFill>
-              <a:schemeClr val="tx1"/>
-            </a:solidFill>
-          </a:ln>
         </p:spPr>
       </p:pic>
-      <p:sp>
-        <p:nvSpPr>
-          <p:cNvPr id="9" name="Rechteck 8">
-            <a:extLst>
-              <a:ext uri="{FF2B5EF4-FFF2-40B4-BE49-F238E27FC236}">
-                <a16:creationId xmlns:a16="http://schemas.microsoft.com/office/drawing/2014/main" id="{E7F6859F-1F81-469A-A317-95E6BCF08227}"/>
-              </a:ext>
-            </a:extLst>
-          </p:cNvPr>
-          <p:cNvSpPr/>
+      <p:pic>
+        <p:nvPicPr>
+          <p:cNvPr id="4" name="Grafik 3">
+            <a:extLst>
+              <a:ext uri="{FF2B5EF4-FFF2-40B4-BE49-F238E27FC236}">
+                <a16:creationId xmlns:a16="http://schemas.microsoft.com/office/drawing/2014/main" id="{BE768EE4-5C97-4F43-ABF7-F36FA8102A61}"/>
+              </a:ext>
+            </a:extLst>
+          </p:cNvPr>
+          <p:cNvPicPr>
+            <a:picLocks noChangeAspect="1"/>
+          </p:cNvPicPr>
           <p:nvPr/>
-        </p:nvSpPr>
-        <p:spPr>
-          <a:xfrm>
-            <a:off x="8794004" y="5785531"/>
-            <a:ext cx="2184400" cy="307777"/>
+        </p:nvPicPr>
+        <p:blipFill>
+          <a:blip r:embed="rId5"/>
+          <a:stretch>
+            <a:fillRect/>
+          </a:stretch>
+        </p:blipFill>
+        <p:spPr>
+          <a:xfrm>
+            <a:off x="7342322" y="3251117"/>
+            <a:ext cx="3552825" cy="533400"/>
           </a:xfrm>
           <a:prstGeom prst="rect">
             <a:avLst/>
           </a:prstGeom>
         </p:spPr>
-        <p:txBody>
-          <a:bodyPr wrap="square">
-            <a:spAutoFit/>
-          </a:bodyPr>
-          <a:lstStyle/>
-          <a:p>
-            <a:pPr algn="ctr"/>
-            <a:r>
-              <a:rPr lang="de-DE" sz="1400" dirty="0"/>
-              <a:t>Statistik des Themas</a:t>
-            </a:r>
-          </a:p>
-        </p:txBody>
-      </p:sp>
+      </p:pic>
+      <p:pic>
+        <p:nvPicPr>
+          <p:cNvPr id="10" name="Grafik 9" descr="Ein Bild, das Schild, draußen, Ende, sitzend enthält.&#10;&#10;Automatisch generierte Beschreibung">
+            <a:extLst>
+              <a:ext uri="{FF2B5EF4-FFF2-40B4-BE49-F238E27FC236}">
+                <a16:creationId xmlns:a16="http://schemas.microsoft.com/office/drawing/2014/main" id="{31DB9F84-9D28-4208-85BD-250A7FC715F5}"/>
+              </a:ext>
+            </a:extLst>
+          </p:cNvPr>
+          <p:cNvPicPr>
+            <a:picLocks noChangeAspect="1"/>
+          </p:cNvPicPr>
+          <p:nvPr/>
+        </p:nvPicPr>
+        <p:blipFill>
+          <a:blip r:embed="rId6">
+            <a:extLst>
+              <a:ext uri="{28A0092B-C50C-407E-A947-70E740481C1C}">
+                <a14:useLocalDpi xmlns:a14="http://schemas.microsoft.com/office/drawing/2010/main" val="0"/>
+              </a:ext>
+            </a:extLst>
+          </a:blip>
+          <a:stretch>
+            <a:fillRect/>
+          </a:stretch>
+        </p:blipFill>
+        <p:spPr>
+          <a:xfrm>
+            <a:off x="8313071" y="582892"/>
+            <a:ext cx="890028" cy="890028"/>
+          </a:xfrm>
+          <a:prstGeom prst="rect">
+            <a:avLst/>
+          </a:prstGeom>
+        </p:spPr>
+      </p:pic>
     </p:spTree>
     <p:extLst>
       <p:ext uri="{BB962C8B-B14F-4D97-AF65-F5344CB8AC3E}">
-        <p14:creationId xmlns:p14="http://schemas.microsoft.com/office/powerpoint/2010/main" val="3760859758"/>
+        <p14:creationId xmlns:p14="http://schemas.microsoft.com/office/powerpoint/2010/main" val="1413388448"/>
       </p:ext>
     </p:extLst>
   </p:cSld>
@@ -4156,7 +4195,7 @@
           <p:cNvPr id="2" name="Titel 1">
             <a:extLst>
               <a:ext uri="{FF2B5EF4-FFF2-40B4-BE49-F238E27FC236}">
-                <a16:creationId xmlns:a16="http://schemas.microsoft.com/office/drawing/2014/main" id="{3EDCD6DC-9FA5-4500-AEA1-83789870B162}"/>
+                <a16:creationId xmlns:a16="http://schemas.microsoft.com/office/drawing/2014/main" id="{C36AD07D-267C-422E-A0C9-39BB0C41C52D}"/>
               </a:ext>
             </a:extLst>
           </p:cNvPr>
@@ -4174,26 +4213,24 @@
           <a:p>
             <a:r>
               <a:rPr lang="de-DE" dirty="0"/>
-              <a:t>Frontend – Fragen erstellen</a:t>
+              <a:t>Frontend – Startseite</a:t>
             </a:r>
           </a:p>
         </p:txBody>
       </p:sp>
       <p:pic>
         <p:nvPicPr>
-          <p:cNvPr id="4" name="Inhaltsplatzhalter 3">
-            <a:extLst>
-              <a:ext uri="{FF2B5EF4-FFF2-40B4-BE49-F238E27FC236}">
-                <a16:creationId xmlns:a16="http://schemas.microsoft.com/office/drawing/2014/main" id="{98FB2E74-B4AE-4AB8-B3B9-08C893A6F226}"/>
+          <p:cNvPr id="8" name="Grafik 7">
+            <a:extLst>
+              <a:ext uri="{FF2B5EF4-FFF2-40B4-BE49-F238E27FC236}">
+                <a16:creationId xmlns:a16="http://schemas.microsoft.com/office/drawing/2014/main" id="{21247113-59AE-4D6C-BDDE-AE2DA2200037}"/>
               </a:ext>
             </a:extLst>
           </p:cNvPr>
           <p:cNvPicPr>
-            <a:picLocks noGrp="1" noChangeAspect="1"/>
+            <a:picLocks noChangeAspect="1"/>
           </p:cNvPicPr>
-          <p:nvPr>
-            <p:ph idx="1"/>
-          </p:nvPr>
+          <p:nvPr/>
         </p:nvPicPr>
         <p:blipFill>
           <a:blip r:embed="rId2"/>
@@ -4203,8 +4240,8 @@
         </p:blipFill>
         <p:spPr>
           <a:xfrm>
-            <a:off x="5095569" y="1690688"/>
-            <a:ext cx="2000862" cy="4351338"/>
+            <a:off x="1735255" y="1690686"/>
+            <a:ext cx="1846934" cy="4020671"/>
           </a:xfrm>
           <a:prstGeom prst="rect">
             <a:avLst/>
@@ -4216,29 +4253,100 @@
           </a:ln>
         </p:spPr>
       </p:pic>
-      <p:sp>
-        <p:nvSpPr>
-          <p:cNvPr id="5" name="Rechteck 4">
-            <a:extLst>
-              <a:ext uri="{FF2B5EF4-FFF2-40B4-BE49-F238E27FC236}">
-                <a16:creationId xmlns:a16="http://schemas.microsoft.com/office/drawing/2014/main" id="{AEEE164A-D55E-4D6B-BDB7-C865587E13DA}"/>
-              </a:ext>
-            </a:extLst>
-          </p:cNvPr>
-          <p:cNvSpPr/>
+      <p:pic>
+        <p:nvPicPr>
+          <p:cNvPr id="9" name="Grafik 8">
+            <a:extLst>
+              <a:ext uri="{FF2B5EF4-FFF2-40B4-BE49-F238E27FC236}">
+                <a16:creationId xmlns:a16="http://schemas.microsoft.com/office/drawing/2014/main" id="{DF58674F-91E2-4169-B12C-CA3EAA5D349C}"/>
+              </a:ext>
+            </a:extLst>
+          </p:cNvPr>
+          <p:cNvPicPr>
+            <a:picLocks noChangeAspect="1"/>
+          </p:cNvPicPr>
           <p:nvPr/>
-        </p:nvSpPr>
-        <p:spPr>
-          <a:xfrm>
-            <a:off x="5003800" y="6090335"/>
-            <a:ext cx="2184400" cy="307777"/>
+        </p:nvPicPr>
+        <p:blipFill>
+          <a:blip r:embed="rId3"/>
+          <a:stretch>
+            <a:fillRect/>
+          </a:stretch>
+        </p:blipFill>
+        <p:spPr>
+          <a:xfrm>
+            <a:off x="5171394" y="1633536"/>
+            <a:ext cx="1849212" cy="4020671"/>
           </a:xfrm>
           <a:prstGeom prst="rect">
             <a:avLst/>
           </a:prstGeom>
-        </p:spPr>
-        <p:txBody>
-          <a:bodyPr wrap="square">
+          <a:ln>
+            <a:solidFill>
+              <a:schemeClr val="tx1"/>
+            </a:solidFill>
+          </a:ln>
+        </p:spPr>
+      </p:pic>
+      <p:pic>
+        <p:nvPicPr>
+          <p:cNvPr id="10" name="Grafik 9">
+            <a:extLst>
+              <a:ext uri="{FF2B5EF4-FFF2-40B4-BE49-F238E27FC236}">
+                <a16:creationId xmlns:a16="http://schemas.microsoft.com/office/drawing/2014/main" id="{DF66F1C1-6D73-4607-ACBE-05ED34D9219C}"/>
+              </a:ext>
+            </a:extLst>
+          </p:cNvPr>
+          <p:cNvPicPr>
+            <a:picLocks noChangeAspect="1"/>
+          </p:cNvPicPr>
+          <p:nvPr/>
+        </p:nvPicPr>
+        <p:blipFill>
+          <a:blip r:embed="rId4"/>
+          <a:stretch>
+            <a:fillRect/>
+          </a:stretch>
+        </p:blipFill>
+        <p:spPr>
+          <a:xfrm>
+            <a:off x="8609811" y="1690686"/>
+            <a:ext cx="1854169" cy="4020672"/>
+          </a:xfrm>
+          <a:prstGeom prst="rect">
+            <a:avLst/>
+          </a:prstGeom>
+          <a:ln>
+            <a:solidFill>
+              <a:schemeClr val="tx1"/>
+            </a:solidFill>
+          </a:ln>
+        </p:spPr>
+      </p:pic>
+      <p:sp>
+        <p:nvSpPr>
+          <p:cNvPr id="11" name="Textfeld 10">
+            <a:extLst>
+              <a:ext uri="{FF2B5EF4-FFF2-40B4-BE49-F238E27FC236}">
+                <a16:creationId xmlns:a16="http://schemas.microsoft.com/office/drawing/2014/main" id="{45E95F3A-D410-4B3B-846C-B8B27A9F206F}"/>
+              </a:ext>
+            </a:extLst>
+          </p:cNvPr>
+          <p:cNvSpPr txBox="1"/>
+          <p:nvPr/>
+        </p:nvSpPr>
+        <p:spPr>
+          <a:xfrm>
+            <a:off x="1735255" y="5816599"/>
+            <a:ext cx="1846934" cy="307777"/>
+          </a:xfrm>
+          <a:prstGeom prst="rect">
+            <a:avLst/>
+          </a:prstGeom>
+          <a:noFill/>
+        </p:spPr>
+        <p:txBody>
+          <a:bodyPr wrap="square" rtlCol="0">
             <a:spAutoFit/>
           </a:bodyPr>
           <a:lstStyle/>
@@ -4246,7 +4354,79 @@
             <a:pPr algn="ctr"/>
             <a:r>
               <a:rPr lang="de-DE" sz="1400" dirty="0"/>
-              <a:t>Fragen erstellen</a:t>
+              <a:t>Login-Screen</a:t>
+            </a:r>
+          </a:p>
+        </p:txBody>
+      </p:sp>
+      <p:sp>
+        <p:nvSpPr>
+          <p:cNvPr id="13" name="Textfeld 12">
+            <a:extLst>
+              <a:ext uri="{FF2B5EF4-FFF2-40B4-BE49-F238E27FC236}">
+                <a16:creationId xmlns:a16="http://schemas.microsoft.com/office/drawing/2014/main" id="{56EA7790-1727-4DA7-9699-456BB96165DA}"/>
+              </a:ext>
+            </a:extLst>
+          </p:cNvPr>
+          <p:cNvSpPr txBox="1"/>
+          <p:nvPr/>
+        </p:nvSpPr>
+        <p:spPr>
+          <a:xfrm>
+            <a:off x="5173672" y="5816600"/>
+            <a:ext cx="1846934" cy="307777"/>
+          </a:xfrm>
+          <a:prstGeom prst="rect">
+            <a:avLst/>
+          </a:prstGeom>
+          <a:noFill/>
+        </p:spPr>
+        <p:txBody>
+          <a:bodyPr wrap="square" rtlCol="0">
+            <a:spAutoFit/>
+          </a:bodyPr>
+          <a:lstStyle/>
+          <a:p>
+            <a:pPr algn="ctr"/>
+            <a:r>
+              <a:rPr lang="de-DE" sz="1400" dirty="0"/>
+              <a:t>Startseite</a:t>
+            </a:r>
+          </a:p>
+        </p:txBody>
+      </p:sp>
+      <p:sp>
+        <p:nvSpPr>
+          <p:cNvPr id="14" name="Textfeld 13">
+            <a:extLst>
+              <a:ext uri="{FF2B5EF4-FFF2-40B4-BE49-F238E27FC236}">
+                <a16:creationId xmlns:a16="http://schemas.microsoft.com/office/drawing/2014/main" id="{D7D50A3A-E837-4F48-B17A-BFE7D4AEF174}"/>
+              </a:ext>
+            </a:extLst>
+          </p:cNvPr>
+          <p:cNvSpPr txBox="1"/>
+          <p:nvPr/>
+        </p:nvSpPr>
+        <p:spPr>
+          <a:xfrm>
+            <a:off x="8609811" y="5822950"/>
+            <a:ext cx="1846934" cy="307777"/>
+          </a:xfrm>
+          <a:prstGeom prst="rect">
+            <a:avLst/>
+          </a:prstGeom>
+          <a:noFill/>
+        </p:spPr>
+        <p:txBody>
+          <a:bodyPr wrap="square" rtlCol="0">
+            <a:spAutoFit/>
+          </a:bodyPr>
+          <a:lstStyle/>
+          <a:p>
+            <a:pPr algn="ctr"/>
+            <a:r>
+              <a:rPr lang="de-DE" sz="1400" dirty="0"/>
+              <a:t>Navigation</a:t>
             </a:r>
           </a:p>
         </p:txBody>
@@ -4254,7 +4434,7 @@
     </p:spTree>
     <p:extLst>
       <p:ext uri="{BB962C8B-B14F-4D97-AF65-F5344CB8AC3E}">
-        <p14:creationId xmlns:p14="http://schemas.microsoft.com/office/powerpoint/2010/main" val="2825121051"/>
+        <p14:creationId xmlns:p14="http://schemas.microsoft.com/office/powerpoint/2010/main" val="1289780146"/>
       </p:ext>
     </p:extLst>
   </p:cSld>
@@ -4286,7 +4466,7 @@
           <p:cNvPr id="2" name="Titel 1">
             <a:extLst>
               <a:ext uri="{FF2B5EF4-FFF2-40B4-BE49-F238E27FC236}">
-                <a16:creationId xmlns:a16="http://schemas.microsoft.com/office/drawing/2014/main" id="{1C836E60-3CF2-4878-B85F-D720BA6C483F}"/>
+                <a16:creationId xmlns:a16="http://schemas.microsoft.com/office/drawing/2014/main" id="{D42DC085-BD93-4F05-8C26-8C9ADCF6F668}"/>
               </a:ext>
             </a:extLst>
           </p:cNvPr>
@@ -4304,26 +4484,24 @@
           <a:p>
             <a:r>
               <a:rPr lang="de-DE" dirty="0"/>
-              <a:t>Frontend – Lernen </a:t>
+              <a:t>Frontend – Thema hinzufügen</a:t>
             </a:r>
           </a:p>
         </p:txBody>
       </p:sp>
       <p:pic>
         <p:nvPicPr>
-          <p:cNvPr id="4" name="Inhaltsplatzhalter 3">
-            <a:extLst>
-              <a:ext uri="{FF2B5EF4-FFF2-40B4-BE49-F238E27FC236}">
-                <a16:creationId xmlns:a16="http://schemas.microsoft.com/office/drawing/2014/main" id="{BB31382A-B3E7-4DB2-9F71-5D6D5F8C34DD}"/>
+          <p:cNvPr id="4" name="Grafik 3">
+            <a:extLst>
+              <a:ext uri="{FF2B5EF4-FFF2-40B4-BE49-F238E27FC236}">
+                <a16:creationId xmlns:a16="http://schemas.microsoft.com/office/drawing/2014/main" id="{55C2D579-6989-4575-B767-EB2BAC7F23F7}"/>
               </a:ext>
             </a:extLst>
           </p:cNvPr>
           <p:cNvPicPr>
-            <a:picLocks noGrp="1" noChangeAspect="1"/>
+            <a:picLocks noChangeAspect="1"/>
           </p:cNvPicPr>
-          <p:nvPr>
-            <p:ph idx="1"/>
-          </p:nvPr>
+          <p:nvPr/>
         </p:nvPicPr>
         <p:blipFill>
           <a:blip r:embed="rId2"/>
@@ -4333,8 +4511,8 @@
         </p:blipFill>
         <p:spPr>
           <a:xfrm>
-            <a:off x="863160" y="1672831"/>
-            <a:ext cx="1883240" cy="4105667"/>
+            <a:off x="1832984" y="1846015"/>
+            <a:ext cx="1729068" cy="3740150"/>
           </a:xfrm>
           <a:prstGeom prst="rect">
             <a:avLst/>
@@ -4351,7 +4529,7 @@
           <p:cNvPr id="5" name="Grafik 4">
             <a:extLst>
               <a:ext uri="{FF2B5EF4-FFF2-40B4-BE49-F238E27FC236}">
-                <a16:creationId xmlns:a16="http://schemas.microsoft.com/office/drawing/2014/main" id="{9C7D18DE-DAE6-4DA3-8886-CC86DFF860A9}"/>
+                <a16:creationId xmlns:a16="http://schemas.microsoft.com/office/drawing/2014/main" id="{BB1B702B-07BF-4EEA-B47C-08AF5F6BE032}"/>
               </a:ext>
             </a:extLst>
           </p:cNvPr>
@@ -4368,8 +4546,8 @@
         </p:blipFill>
         <p:spPr>
           <a:xfrm>
-            <a:off x="3805914" y="1672832"/>
-            <a:ext cx="1892972" cy="4105667"/>
+            <a:off x="5231466" y="1846015"/>
+            <a:ext cx="1729068" cy="3775054"/>
           </a:xfrm>
           <a:prstGeom prst="rect">
             <a:avLst/>
@@ -4386,7 +4564,7 @@
           <p:cNvPr id="6" name="Grafik 5">
             <a:extLst>
               <a:ext uri="{FF2B5EF4-FFF2-40B4-BE49-F238E27FC236}">
-                <a16:creationId xmlns:a16="http://schemas.microsoft.com/office/drawing/2014/main" id="{687DE299-A909-4B92-AD7E-E8E0512AFBB8}"/>
+                <a16:creationId xmlns:a16="http://schemas.microsoft.com/office/drawing/2014/main" id="{85CD59B6-ACD2-44DB-9B2C-F501E7087302}"/>
               </a:ext>
             </a:extLst>
           </p:cNvPr>
@@ -4403,8 +4581,8 @@
         </p:blipFill>
         <p:spPr>
           <a:xfrm>
-            <a:off x="6493115" y="1672832"/>
-            <a:ext cx="1900772" cy="4105667"/>
+            <a:off x="8519009" y="1846015"/>
+            <a:ext cx="1721950" cy="3740150"/>
           </a:xfrm>
           <a:prstGeom prst="rect">
             <a:avLst/>
@@ -4416,61 +4594,105 @@
           </a:ln>
         </p:spPr>
       </p:pic>
-      <p:pic>
-        <p:nvPicPr>
-          <p:cNvPr id="7" name="Grafik 6">
-            <a:extLst>
-              <a:ext uri="{FF2B5EF4-FFF2-40B4-BE49-F238E27FC236}">
-                <a16:creationId xmlns:a16="http://schemas.microsoft.com/office/drawing/2014/main" id="{77C9C5F2-35AB-4CF3-90C7-E83BE91E433B}"/>
-              </a:ext>
-            </a:extLst>
-          </p:cNvPr>
-          <p:cNvPicPr>
-            <a:picLocks noChangeAspect="1"/>
-          </p:cNvPicPr>
+      <p:sp>
+        <p:nvSpPr>
+          <p:cNvPr id="7" name="Textfeld 6">
+            <a:extLst>
+              <a:ext uri="{FF2B5EF4-FFF2-40B4-BE49-F238E27FC236}">
+                <a16:creationId xmlns:a16="http://schemas.microsoft.com/office/drawing/2014/main" id="{4068A874-4990-433C-A56E-4F2F47FB4324}"/>
+              </a:ext>
+            </a:extLst>
+          </p:cNvPr>
+          <p:cNvSpPr txBox="1"/>
           <p:nvPr/>
-        </p:nvPicPr>
-        <p:blipFill>
-          <a:blip r:embed="rId5"/>
-          <a:stretch>
-            <a:fillRect/>
-          </a:stretch>
-        </p:blipFill>
-        <p:spPr>
-          <a:xfrm>
-            <a:off x="9423000" y="1690688"/>
-            <a:ext cx="1905840" cy="4105667"/>
+        </p:nvSpPr>
+        <p:spPr>
+          <a:xfrm>
+            <a:off x="1832984" y="5695950"/>
+            <a:ext cx="1729068" cy="307777"/>
           </a:xfrm>
           <a:prstGeom prst="rect">
             <a:avLst/>
           </a:prstGeom>
-          <a:ln>
-            <a:solidFill>
-              <a:schemeClr val="tx1"/>
-            </a:solidFill>
-          </a:ln>
-        </p:spPr>
-      </p:pic>
-      <p:sp>
-        <p:nvSpPr>
-          <p:cNvPr id="8" name="Rechteck 7">
-            <a:extLst>
-              <a:ext uri="{FF2B5EF4-FFF2-40B4-BE49-F238E27FC236}">
-                <a16:creationId xmlns:a16="http://schemas.microsoft.com/office/drawing/2014/main" id="{F611A5E3-DE01-42AB-92CF-5B67629D0613}"/>
-              </a:ext>
-            </a:extLst>
-          </p:cNvPr>
-          <p:cNvSpPr/>
+          <a:noFill/>
+        </p:spPr>
+        <p:txBody>
+          <a:bodyPr wrap="square" rtlCol="0">
+            <a:spAutoFit/>
+          </a:bodyPr>
+          <a:lstStyle/>
+          <a:p>
+            <a:pPr algn="ctr"/>
+            <a:r>
+              <a:rPr lang="de-DE" sz="1400" dirty="0"/>
+              <a:t>Thema hinzufügen</a:t>
+            </a:r>
+          </a:p>
+        </p:txBody>
+      </p:sp>
+      <p:sp>
+        <p:nvSpPr>
+          <p:cNvPr id="8" name="Textfeld 7">
+            <a:extLst>
+              <a:ext uri="{FF2B5EF4-FFF2-40B4-BE49-F238E27FC236}">
+                <a16:creationId xmlns:a16="http://schemas.microsoft.com/office/drawing/2014/main" id="{1AC267F5-69B9-4F0C-A414-29F3FAD2E285}"/>
+              </a:ext>
+            </a:extLst>
+          </p:cNvPr>
+          <p:cNvSpPr txBox="1"/>
           <p:nvPr/>
         </p:nvSpPr>
         <p:spPr>
           <a:xfrm>
-            <a:off x="712580" y="5809053"/>
-            <a:ext cx="2184400" cy="738664"/>
+            <a:off x="5158316" y="5695950"/>
+            <a:ext cx="1875367" cy="738664"/>
           </a:xfrm>
           <a:prstGeom prst="rect">
             <a:avLst/>
           </a:prstGeom>
+          <a:noFill/>
+        </p:spPr>
+        <p:txBody>
+          <a:bodyPr wrap="square" rtlCol="0">
+            <a:spAutoFit/>
+          </a:bodyPr>
+          <a:lstStyle/>
+          <a:p>
+            <a:pPr algn="ctr"/>
+            <a:r>
+              <a:rPr lang="de-DE" sz="1400" dirty="0"/>
+              <a:t>Kombination mehrerer Tags</a:t>
+            </a:r>
+          </a:p>
+          <a:p>
+            <a:pPr algn="ctr"/>
+            <a:r>
+              <a:rPr lang="de-DE" sz="1400" dirty="0"/>
+              <a:t>(z.B. Fach und Prof)</a:t>
+            </a:r>
+          </a:p>
+        </p:txBody>
+      </p:sp>
+      <p:sp>
+        <p:nvSpPr>
+          <p:cNvPr id="9" name="Rechteck 8">
+            <a:extLst>
+              <a:ext uri="{FF2B5EF4-FFF2-40B4-BE49-F238E27FC236}">
+                <a16:creationId xmlns:a16="http://schemas.microsoft.com/office/drawing/2014/main" id="{849976D0-42FC-4C88-BF8E-3D3D400C1FD6}"/>
+              </a:ext>
+            </a:extLst>
+          </p:cNvPr>
+          <p:cNvSpPr/>
+          <p:nvPr/>
+        </p:nvSpPr>
+        <p:spPr>
+          <a:xfrm>
+            <a:off x="8124911" y="5742117"/>
+            <a:ext cx="2510146" cy="523220"/>
+          </a:xfrm>
+          <a:prstGeom prst="rect">
+            <a:avLst/>
+          </a:prstGeom>
         </p:spPr>
         <p:txBody>
           <a:bodyPr wrap="square">
@@ -4481,112 +4703,15 @@
             <a:pPr algn="ctr"/>
             <a:r>
               <a:rPr lang="de-DE" sz="1400" dirty="0"/>
-              <a:t>Default-Frage, falls es für ein Thema keine Fragen gibt</a:t>
-            </a:r>
-          </a:p>
-        </p:txBody>
-      </p:sp>
-      <p:sp>
-        <p:nvSpPr>
-          <p:cNvPr id="9" name="Rechteck 8">
-            <a:extLst>
-              <a:ext uri="{FF2B5EF4-FFF2-40B4-BE49-F238E27FC236}">
-                <a16:creationId xmlns:a16="http://schemas.microsoft.com/office/drawing/2014/main" id="{F67116F0-092F-45B3-8143-73F45CD0EADA}"/>
-              </a:ext>
-            </a:extLst>
-          </p:cNvPr>
-          <p:cNvSpPr/>
-          <p:nvPr/>
-        </p:nvSpPr>
-        <p:spPr>
-          <a:xfrm>
-            <a:off x="3607315" y="5838110"/>
-            <a:ext cx="2184400" cy="307777"/>
-          </a:xfrm>
-          <a:prstGeom prst="rect">
-            <a:avLst/>
-          </a:prstGeom>
-        </p:spPr>
-        <p:txBody>
-          <a:bodyPr wrap="square">
-            <a:spAutoFit/>
-          </a:bodyPr>
-          <a:lstStyle/>
-          <a:p>
-            <a:pPr algn="ctr"/>
+              <a:t>Auto-</a:t>
+            </a:r>
+            <a:r>
+              <a:rPr lang="de-DE" sz="1400" dirty="0" err="1"/>
+              <a:t>Completion</a:t>
+            </a:r>
             <a:r>
               <a:rPr lang="de-DE" sz="1400" dirty="0"/>
-              <a:t>Normale Frage</a:t>
-            </a:r>
-          </a:p>
-        </p:txBody>
-      </p:sp>
-      <p:sp>
-        <p:nvSpPr>
-          <p:cNvPr id="10" name="Rechteck 9">
-            <a:extLst>
-              <a:ext uri="{FF2B5EF4-FFF2-40B4-BE49-F238E27FC236}">
-                <a16:creationId xmlns:a16="http://schemas.microsoft.com/office/drawing/2014/main" id="{00166AD1-1E2F-46E3-AB3B-1872413156C5}"/>
-              </a:ext>
-            </a:extLst>
-          </p:cNvPr>
-          <p:cNvSpPr/>
-          <p:nvPr/>
-        </p:nvSpPr>
-        <p:spPr>
-          <a:xfrm>
-            <a:off x="6351301" y="5800432"/>
-            <a:ext cx="2184400" cy="307777"/>
-          </a:xfrm>
-          <a:prstGeom prst="rect">
-            <a:avLst/>
-          </a:prstGeom>
-        </p:spPr>
-        <p:txBody>
-          <a:bodyPr wrap="square">
-            <a:spAutoFit/>
-          </a:bodyPr>
-          <a:lstStyle/>
-          <a:p>
-            <a:pPr algn="ctr"/>
-            <a:r>
-              <a:rPr lang="de-DE" sz="1400" dirty="0"/>
-              <a:t>Antwort anzeigen</a:t>
-            </a:r>
-          </a:p>
-        </p:txBody>
-      </p:sp>
-      <p:sp>
-        <p:nvSpPr>
-          <p:cNvPr id="11" name="Rechteck 10">
-            <a:extLst>
-              <a:ext uri="{FF2B5EF4-FFF2-40B4-BE49-F238E27FC236}">
-                <a16:creationId xmlns:a16="http://schemas.microsoft.com/office/drawing/2014/main" id="{05BCE14A-5870-41DB-B002-2FF291C533DF}"/>
-              </a:ext>
-            </a:extLst>
-          </p:cNvPr>
-          <p:cNvSpPr/>
-          <p:nvPr/>
-        </p:nvSpPr>
-        <p:spPr>
-          <a:xfrm>
-            <a:off x="9283720" y="5838110"/>
-            <a:ext cx="2184400" cy="523220"/>
-          </a:xfrm>
-          <a:prstGeom prst="rect">
-            <a:avLst/>
-          </a:prstGeom>
-        </p:spPr>
-        <p:txBody>
-          <a:bodyPr wrap="square">
-            <a:spAutoFit/>
-          </a:bodyPr>
-          <a:lstStyle/>
-          <a:p>
-            <a:pPr algn="ctr"/>
-            <a:r>
-              <a:rPr lang="de-DE" sz="1400" dirty="0"/>
-              <a:t>Selbstevaluation nach Beantworten der Frage</a:t>
+              <a:t> mit bereit bestehenden Tags</a:t>
             </a:r>
           </a:p>
         </p:txBody>
@@ -4594,7 +4719,7 @@
     </p:spTree>
     <p:extLst>
       <p:ext uri="{BB962C8B-B14F-4D97-AF65-F5344CB8AC3E}">
-        <p14:creationId xmlns:p14="http://schemas.microsoft.com/office/powerpoint/2010/main" val="1086944799"/>
+        <p14:creationId xmlns:p14="http://schemas.microsoft.com/office/powerpoint/2010/main" val="2649982653"/>
       </p:ext>
     </p:extLst>
   </p:cSld>
@@ -4626,7 +4751,7 @@
           <p:cNvPr id="2" name="Titel 1">
             <a:extLst>
               <a:ext uri="{FF2B5EF4-FFF2-40B4-BE49-F238E27FC236}">
-                <a16:creationId xmlns:a16="http://schemas.microsoft.com/office/drawing/2014/main" id="{C15E222A-7D02-4CA5-9913-B6BCC917D3B4}"/>
+                <a16:creationId xmlns:a16="http://schemas.microsoft.com/office/drawing/2014/main" id="{BEA91CBB-9319-46D6-9DC6-17DD22249EEC}"/>
               </a:ext>
             </a:extLst>
           </p:cNvPr>
@@ -4644,7 +4769,7 @@
           <a:p>
             <a:r>
               <a:rPr lang="de-DE" dirty="0"/>
-              <a:t>Frontend – Antworten evaluieren</a:t>
+              <a:t>Frontend – Thema</a:t>
             </a:r>
           </a:p>
         </p:txBody>
@@ -4654,7 +4779,7 @@
           <p:cNvPr id="4" name="Grafik 3">
             <a:extLst>
               <a:ext uri="{FF2B5EF4-FFF2-40B4-BE49-F238E27FC236}">
-                <a16:creationId xmlns:a16="http://schemas.microsoft.com/office/drawing/2014/main" id="{52A54C1C-25E0-4F56-B730-F7BB582E1AA9}"/>
+                <a16:creationId xmlns:a16="http://schemas.microsoft.com/office/drawing/2014/main" id="{299F9B39-93F7-4F13-B49E-FCD5BD62E970}"/>
               </a:ext>
             </a:extLst>
           </p:cNvPr>
@@ -4671,8 +4796,8 @@
         </p:blipFill>
         <p:spPr>
           <a:xfrm>
-            <a:off x="5126389" y="1468438"/>
-            <a:ext cx="1939221" cy="4232924"/>
+            <a:off x="1364906" y="1690688"/>
+            <a:ext cx="1820896" cy="3963988"/>
           </a:xfrm>
           <a:prstGeom prst="rect">
             <a:avLst/>
@@ -4684,26 +4809,61 @@
           </a:ln>
         </p:spPr>
       </p:pic>
-      <p:sp>
-        <p:nvSpPr>
-          <p:cNvPr id="5" name="Rechteck 4">
-            <a:extLst>
-              <a:ext uri="{FF2B5EF4-FFF2-40B4-BE49-F238E27FC236}">
-                <a16:creationId xmlns:a16="http://schemas.microsoft.com/office/drawing/2014/main" id="{D24E1BDB-6DAA-419B-8CCE-9445A6DAF01E}"/>
-              </a:ext>
-            </a:extLst>
-          </p:cNvPr>
-          <p:cNvSpPr/>
+      <p:pic>
+        <p:nvPicPr>
+          <p:cNvPr id="5" name="Grafik 4">
+            <a:extLst>
+              <a:ext uri="{FF2B5EF4-FFF2-40B4-BE49-F238E27FC236}">
+                <a16:creationId xmlns:a16="http://schemas.microsoft.com/office/drawing/2014/main" id="{F8F43E14-78D0-484B-81E5-FFEEFF8625A8}"/>
+              </a:ext>
+            </a:extLst>
+          </p:cNvPr>
+          <p:cNvPicPr>
+            <a:picLocks noChangeAspect="1"/>
+          </p:cNvPicPr>
           <p:nvPr/>
-        </p:nvSpPr>
-        <p:spPr>
-          <a:xfrm>
-            <a:off x="5003799" y="5852755"/>
-            <a:ext cx="2184400" cy="738664"/>
+        </p:nvPicPr>
+        <p:blipFill>
+          <a:blip r:embed="rId3"/>
+          <a:stretch>
+            <a:fillRect/>
+          </a:stretch>
+        </p:blipFill>
+        <p:spPr>
+          <a:xfrm>
+            <a:off x="5183111" y="1629568"/>
+            <a:ext cx="1825778" cy="3963988"/>
           </a:xfrm>
           <a:prstGeom prst="rect">
             <a:avLst/>
           </a:prstGeom>
+          <a:ln>
+            <a:solidFill>
+              <a:schemeClr val="tx1"/>
+            </a:solidFill>
+          </a:ln>
+        </p:spPr>
+      </p:pic>
+      <p:sp>
+        <p:nvSpPr>
+          <p:cNvPr id="6" name="Rechteck 5">
+            <a:extLst>
+              <a:ext uri="{FF2B5EF4-FFF2-40B4-BE49-F238E27FC236}">
+                <a16:creationId xmlns:a16="http://schemas.microsoft.com/office/drawing/2014/main" id="{26EC99EF-C110-4158-A461-08765AFCD03D}"/>
+              </a:ext>
+            </a:extLst>
+          </p:cNvPr>
+          <p:cNvSpPr/>
+          <p:nvPr/>
+        </p:nvSpPr>
+        <p:spPr>
+          <a:xfrm>
+            <a:off x="1213596" y="5785531"/>
+            <a:ext cx="2184400" cy="307777"/>
+          </a:xfrm>
+          <a:prstGeom prst="rect">
+            <a:avLst/>
+          </a:prstGeom>
         </p:spPr>
         <p:txBody>
           <a:bodyPr wrap="square">
@@ -4714,14 +4874,112 @@
             <a:pPr algn="ctr"/>
             <a:r>
               <a:rPr lang="de-DE" sz="1400" dirty="0"/>
-              <a:t>Antworten evaluieren</a:t>
-            </a:r>
-          </a:p>
+              <a:t>Themenübersicht</a:t>
+            </a:r>
+          </a:p>
+        </p:txBody>
+      </p:sp>
+      <p:sp>
+        <p:nvSpPr>
+          <p:cNvPr id="7" name="Rechteck 6">
+            <a:extLst>
+              <a:ext uri="{FF2B5EF4-FFF2-40B4-BE49-F238E27FC236}">
+                <a16:creationId xmlns:a16="http://schemas.microsoft.com/office/drawing/2014/main" id="{20B25942-F836-47D2-AFE4-C9661B0648E9}"/>
+              </a:ext>
+            </a:extLst>
+          </p:cNvPr>
+          <p:cNvSpPr/>
+          <p:nvPr/>
+        </p:nvSpPr>
+        <p:spPr>
+          <a:xfrm>
+            <a:off x="5003800" y="5785532"/>
+            <a:ext cx="2184400" cy="307777"/>
+          </a:xfrm>
+          <a:prstGeom prst="rect">
+            <a:avLst/>
+          </a:prstGeom>
+        </p:spPr>
+        <p:txBody>
+          <a:bodyPr wrap="square">
+            <a:spAutoFit/>
+          </a:bodyPr>
+          <a:lstStyle/>
           <a:p>
             <a:pPr algn="ctr"/>
             <a:r>
               <a:rPr lang="de-DE" sz="1400" dirty="0"/>
-              <a:t>(eigene Antworten ausgeschlossen)</a:t>
+              <a:t>Themenübersicht</a:t>
+            </a:r>
+          </a:p>
+        </p:txBody>
+      </p:sp>
+      <p:pic>
+        <p:nvPicPr>
+          <p:cNvPr id="8" name="Grafik 7">
+            <a:extLst>
+              <a:ext uri="{FF2B5EF4-FFF2-40B4-BE49-F238E27FC236}">
+                <a16:creationId xmlns:a16="http://schemas.microsoft.com/office/drawing/2014/main" id="{CF8F46FB-F0D3-4597-B2B2-F41587DECA46}"/>
+              </a:ext>
+            </a:extLst>
+          </p:cNvPr>
+          <p:cNvPicPr>
+            <a:picLocks noChangeAspect="1"/>
+          </p:cNvPicPr>
+          <p:nvPr/>
+        </p:nvPicPr>
+        <p:blipFill>
+          <a:blip r:embed="rId4"/>
+          <a:stretch>
+            <a:fillRect/>
+          </a:stretch>
+        </p:blipFill>
+        <p:spPr>
+          <a:xfrm>
+            <a:off x="9006197" y="1629568"/>
+            <a:ext cx="1760013" cy="3841749"/>
+          </a:xfrm>
+          <a:prstGeom prst="rect">
+            <a:avLst/>
+          </a:prstGeom>
+          <a:ln>
+            <a:solidFill>
+              <a:schemeClr val="tx1"/>
+            </a:solidFill>
+          </a:ln>
+        </p:spPr>
+      </p:pic>
+      <p:sp>
+        <p:nvSpPr>
+          <p:cNvPr id="9" name="Rechteck 8">
+            <a:extLst>
+              <a:ext uri="{FF2B5EF4-FFF2-40B4-BE49-F238E27FC236}">
+                <a16:creationId xmlns:a16="http://schemas.microsoft.com/office/drawing/2014/main" id="{E7F6859F-1F81-469A-A317-95E6BCF08227}"/>
+              </a:ext>
+            </a:extLst>
+          </p:cNvPr>
+          <p:cNvSpPr/>
+          <p:nvPr/>
+        </p:nvSpPr>
+        <p:spPr>
+          <a:xfrm>
+            <a:off x="8794004" y="5785531"/>
+            <a:ext cx="2184400" cy="307777"/>
+          </a:xfrm>
+          <a:prstGeom prst="rect">
+            <a:avLst/>
+          </a:prstGeom>
+        </p:spPr>
+        <p:txBody>
+          <a:bodyPr wrap="square">
+            <a:spAutoFit/>
+          </a:bodyPr>
+          <a:lstStyle/>
+          <a:p>
+            <a:pPr algn="ctr"/>
+            <a:r>
+              <a:rPr lang="de-DE" sz="1400" dirty="0"/>
+              <a:t>Statistik des Themas</a:t>
             </a:r>
           </a:p>
         </p:txBody>
@@ -4729,7 +4987,7 @@
     </p:spTree>
     <p:extLst>
       <p:ext uri="{BB962C8B-B14F-4D97-AF65-F5344CB8AC3E}">
-        <p14:creationId xmlns:p14="http://schemas.microsoft.com/office/powerpoint/2010/main" val="3314202692"/>
+        <p14:creationId xmlns:p14="http://schemas.microsoft.com/office/powerpoint/2010/main" val="3760859758"/>
       </p:ext>
     </p:extLst>
   </p:cSld>
@@ -4761,7 +5019,7 @@
           <p:cNvPr id="2" name="Titel 1">
             <a:extLst>
               <a:ext uri="{FF2B5EF4-FFF2-40B4-BE49-F238E27FC236}">
-                <a16:creationId xmlns:a16="http://schemas.microsoft.com/office/drawing/2014/main" id="{0BA8622E-27AE-4D54-A8FE-A0A9B3937F21}"/>
+                <a16:creationId xmlns:a16="http://schemas.microsoft.com/office/drawing/2014/main" id="{1C836E60-3CF2-4878-B85F-D720BA6C483F}"/>
               </a:ext>
             </a:extLst>
           </p:cNvPr>
@@ -4779,99 +5037,26 @@
           <a:p>
             <a:r>
               <a:rPr lang="de-DE" dirty="0"/>
-              <a:t>Backend - MongoDB</a:t>
-            </a:r>
-          </a:p>
-        </p:txBody>
-      </p:sp>
-      <p:sp>
-        <p:nvSpPr>
-          <p:cNvPr id="3" name="Inhaltsplatzhalter 2">
-            <a:extLst>
-              <a:ext uri="{FF2B5EF4-FFF2-40B4-BE49-F238E27FC236}">
-                <a16:creationId xmlns:a16="http://schemas.microsoft.com/office/drawing/2014/main" id="{EB6B8633-8CC8-4639-9160-8BCA17E5B7FD}"/>
-              </a:ext>
-            </a:extLst>
-          </p:cNvPr>
-          <p:cNvSpPr>
-            <a:spLocks noGrp="1"/>
-          </p:cNvSpPr>
+              <a:t>Frontend – Lernen </a:t>
+            </a:r>
+          </a:p>
+        </p:txBody>
+      </p:sp>
+      <p:pic>
+        <p:nvPicPr>
+          <p:cNvPr id="4" name="Inhaltsplatzhalter 3">
+            <a:extLst>
+              <a:ext uri="{FF2B5EF4-FFF2-40B4-BE49-F238E27FC236}">
+                <a16:creationId xmlns:a16="http://schemas.microsoft.com/office/drawing/2014/main" id="{BB31382A-B3E7-4DB2-9F71-5D6D5F8C34DD}"/>
+              </a:ext>
+            </a:extLst>
+          </p:cNvPr>
+          <p:cNvPicPr>
+            <a:picLocks noGrp="1" noChangeAspect="1"/>
+          </p:cNvPicPr>
           <p:nvPr>
             <p:ph idx="1"/>
           </p:nvPr>
-        </p:nvSpPr>
-        <p:spPr/>
-        <p:txBody>
-          <a:bodyPr/>
-          <a:lstStyle/>
-          <a:p>
-            <a:r>
-              <a:rPr lang="de-DE" dirty="0" err="1"/>
-              <a:t>documentorientierte</a:t>
-            </a:r>
-            <a:r>
-              <a:rPr lang="de-DE" dirty="0"/>
-              <a:t> NoSQL Datenbank</a:t>
-            </a:r>
-          </a:p>
-          <a:p>
-            <a:pPr lvl="1"/>
-            <a:r>
-              <a:rPr lang="de-DE" dirty="0"/>
-              <a:t>Objekte werden als BSON gespeichert (</a:t>
-            </a:r>
-            <a:r>
-              <a:rPr lang="de-DE" dirty="0" err="1"/>
-              <a:t>binary</a:t>
-            </a:r>
-            <a:r>
-              <a:rPr lang="de-DE" dirty="0"/>
-              <a:t> JSON)</a:t>
-            </a:r>
-          </a:p>
-          <a:p>
-            <a:pPr lvl="1"/>
-            <a:r>
-              <a:rPr lang="de-DE" dirty="0"/>
-              <a:t>Collections symbolisieren Tabellen</a:t>
-            </a:r>
-          </a:p>
-          <a:p>
-            <a:r>
-              <a:rPr lang="de-DE" dirty="0"/>
-              <a:t>Flexibles Datenformat </a:t>
-            </a:r>
-          </a:p>
-          <a:p>
-            <a:pPr lvl="1"/>
-            <a:r>
-              <a:rPr lang="de-DE" dirty="0"/>
-              <a:t>Vorsicht: nicht zwingend einheitlich</a:t>
-            </a:r>
-          </a:p>
-          <a:p>
-            <a:pPr lvl="1"/>
-            <a:endParaRPr lang="de-DE" dirty="0"/>
-          </a:p>
-          <a:p>
-            <a:pPr lvl="1"/>
-            <a:endParaRPr lang="de-DE" dirty="0"/>
-          </a:p>
-        </p:txBody>
-      </p:sp>
-      <p:pic>
-        <p:nvPicPr>
-          <p:cNvPr id="4" name="Grafik 3">
-            <a:extLst>
-              <a:ext uri="{FF2B5EF4-FFF2-40B4-BE49-F238E27FC236}">
-                <a16:creationId xmlns:a16="http://schemas.microsoft.com/office/drawing/2014/main" id="{7747107A-24B7-47E2-A8F7-1C924694D419}"/>
-              </a:ext>
-            </a:extLst>
-          </p:cNvPr>
-          <p:cNvPicPr>
-            <a:picLocks noChangeAspect="1"/>
-          </p:cNvPicPr>
-          <p:nvPr/>
         </p:nvPicPr>
         <p:blipFill>
           <a:blip r:embed="rId2"/>
@@ -4881,20 +5066,25 @@
         </p:blipFill>
         <p:spPr>
           <a:xfrm>
-            <a:off x="906945" y="5024155"/>
-            <a:ext cx="5189055" cy="733236"/>
+            <a:off x="863160" y="1672831"/>
+            <a:ext cx="1883240" cy="4105667"/>
           </a:xfrm>
           <a:prstGeom prst="rect">
             <a:avLst/>
           </a:prstGeom>
+          <a:ln>
+            <a:solidFill>
+              <a:schemeClr val="tx1"/>
+            </a:solidFill>
+          </a:ln>
         </p:spPr>
       </p:pic>
       <p:pic>
         <p:nvPicPr>
-          <p:cNvPr id="6" name="Grafik 5" descr="Ein Bild, das Schild, Straße enthält.&#10;&#10;Automatisch generierte Beschreibung">
-            <a:extLst>
-              <a:ext uri="{FF2B5EF4-FFF2-40B4-BE49-F238E27FC236}">
-                <a16:creationId xmlns:a16="http://schemas.microsoft.com/office/drawing/2014/main" id="{831E9A4B-F743-4DB8-B40E-35EA3EBF835C}"/>
+          <p:cNvPr id="5" name="Grafik 4">
+            <a:extLst>
+              <a:ext uri="{FF2B5EF4-FFF2-40B4-BE49-F238E27FC236}">
+                <a16:creationId xmlns:a16="http://schemas.microsoft.com/office/drawing/2014/main" id="{9C7D18DE-DAE6-4DA3-8886-CC86DFF860A9}"/>
               </a:ext>
             </a:extLst>
           </p:cNvPr>
@@ -4904,66 +5094,232 @@
           <p:nvPr/>
         </p:nvPicPr>
         <p:blipFill>
-          <a:blip r:embed="rId3">
-            <a:extLst>
-              <a:ext uri="{28A0092B-C50C-407E-A947-70E740481C1C}">
-                <a14:useLocalDpi xmlns:a14="http://schemas.microsoft.com/office/drawing/2010/main" val="0"/>
-              </a:ext>
-            </a:extLst>
-          </a:blip>
+          <a:blip r:embed="rId3"/>
           <a:stretch>
             <a:fillRect/>
           </a:stretch>
         </p:blipFill>
         <p:spPr>
           <a:xfrm>
-            <a:off x="5594568" y="533120"/>
-            <a:ext cx="865374" cy="865374"/>
+            <a:off x="3805914" y="1672832"/>
+            <a:ext cx="1892972" cy="4105667"/>
           </a:xfrm>
           <a:prstGeom prst="rect">
             <a:avLst/>
           </a:prstGeom>
+          <a:ln>
+            <a:solidFill>
+              <a:schemeClr val="tx1"/>
+            </a:solidFill>
+          </a:ln>
         </p:spPr>
       </p:pic>
-      <p:sp>
-        <p:nvSpPr>
-          <p:cNvPr id="8" name="Textfeld 7">
-            <a:extLst>
-              <a:ext uri="{FF2B5EF4-FFF2-40B4-BE49-F238E27FC236}">
-                <a16:creationId xmlns:a16="http://schemas.microsoft.com/office/drawing/2014/main" id="{F187CD9A-90C6-4B60-B5A3-09B7AF410F5B}"/>
-              </a:ext>
-            </a:extLst>
-          </p:cNvPr>
-          <p:cNvSpPr txBox="1"/>
+      <p:pic>
+        <p:nvPicPr>
+          <p:cNvPr id="6" name="Grafik 5">
+            <a:extLst>
+              <a:ext uri="{FF2B5EF4-FFF2-40B4-BE49-F238E27FC236}">
+                <a16:creationId xmlns:a16="http://schemas.microsoft.com/office/drawing/2014/main" id="{687DE299-A909-4B92-AD7E-E8E0512AFBB8}"/>
+              </a:ext>
+            </a:extLst>
+          </p:cNvPr>
+          <p:cNvPicPr>
+            <a:picLocks noChangeAspect="1"/>
+          </p:cNvPicPr>
           <p:nvPr/>
-        </p:nvSpPr>
-        <p:spPr>
-          <a:xfrm>
-            <a:off x="906945" y="4525824"/>
-            <a:ext cx="3277590" cy="369332"/>
+        </p:nvPicPr>
+        <p:blipFill>
+          <a:blip r:embed="rId4"/>
+          <a:stretch>
+            <a:fillRect/>
+          </a:stretch>
+        </p:blipFill>
+        <p:spPr>
+          <a:xfrm>
+            <a:off x="6493115" y="1672832"/>
+            <a:ext cx="1900772" cy="4105667"/>
           </a:xfrm>
           <a:prstGeom prst="rect">
             <a:avLst/>
           </a:prstGeom>
-          <a:noFill/>
-        </p:spPr>
-        <p:txBody>
-          <a:bodyPr wrap="square" rtlCol="0">
+          <a:ln>
+            <a:solidFill>
+              <a:schemeClr val="tx1"/>
+            </a:solidFill>
+          </a:ln>
+        </p:spPr>
+      </p:pic>
+      <p:pic>
+        <p:nvPicPr>
+          <p:cNvPr id="7" name="Grafik 6">
+            <a:extLst>
+              <a:ext uri="{FF2B5EF4-FFF2-40B4-BE49-F238E27FC236}">
+                <a16:creationId xmlns:a16="http://schemas.microsoft.com/office/drawing/2014/main" id="{77C9C5F2-35AB-4CF3-90C7-E83BE91E433B}"/>
+              </a:ext>
+            </a:extLst>
+          </p:cNvPr>
+          <p:cNvPicPr>
+            <a:picLocks noChangeAspect="1"/>
+          </p:cNvPicPr>
+          <p:nvPr/>
+        </p:nvPicPr>
+        <p:blipFill>
+          <a:blip r:embed="rId5"/>
+          <a:stretch>
+            <a:fillRect/>
+          </a:stretch>
+        </p:blipFill>
+        <p:spPr>
+          <a:xfrm>
+            <a:off x="9423000" y="1690688"/>
+            <a:ext cx="1905840" cy="4105667"/>
+          </a:xfrm>
+          <a:prstGeom prst="rect">
+            <a:avLst/>
+          </a:prstGeom>
+          <a:ln>
+            <a:solidFill>
+              <a:schemeClr val="tx1"/>
+            </a:solidFill>
+          </a:ln>
+        </p:spPr>
+      </p:pic>
+      <p:sp>
+        <p:nvSpPr>
+          <p:cNvPr id="8" name="Rechteck 7">
+            <a:extLst>
+              <a:ext uri="{FF2B5EF4-FFF2-40B4-BE49-F238E27FC236}">
+                <a16:creationId xmlns:a16="http://schemas.microsoft.com/office/drawing/2014/main" id="{F611A5E3-DE01-42AB-92CF-5B67629D0613}"/>
+              </a:ext>
+            </a:extLst>
+          </p:cNvPr>
+          <p:cNvSpPr/>
+          <p:nvPr/>
+        </p:nvSpPr>
+        <p:spPr>
+          <a:xfrm>
+            <a:off x="712580" y="5809053"/>
+            <a:ext cx="2184400" cy="738664"/>
+          </a:xfrm>
+          <a:prstGeom prst="rect">
+            <a:avLst/>
+          </a:prstGeom>
+        </p:spPr>
+        <p:txBody>
+          <a:bodyPr wrap="square">
             <a:spAutoFit/>
           </a:bodyPr>
           <a:lstStyle/>
           <a:p>
-            <a:r>
-              <a:rPr lang="de-DE" dirty="0"/>
-              <a:t>Auszug aus Collection „</a:t>
-            </a:r>
-            <a:r>
-              <a:rPr lang="de-DE" dirty="0" err="1"/>
-              <a:t>users</a:t>
-            </a:r>
-            <a:r>
-              <a:rPr lang="de-DE" dirty="0"/>
-              <a:t>“</a:t>
+            <a:pPr algn="ctr"/>
+            <a:r>
+              <a:rPr lang="de-DE" sz="1400" dirty="0"/>
+              <a:t>Default-Frage, falls es für ein Thema keine Fragen gibt</a:t>
+            </a:r>
+          </a:p>
+        </p:txBody>
+      </p:sp>
+      <p:sp>
+        <p:nvSpPr>
+          <p:cNvPr id="9" name="Rechteck 8">
+            <a:extLst>
+              <a:ext uri="{FF2B5EF4-FFF2-40B4-BE49-F238E27FC236}">
+                <a16:creationId xmlns:a16="http://schemas.microsoft.com/office/drawing/2014/main" id="{F67116F0-092F-45B3-8143-73F45CD0EADA}"/>
+              </a:ext>
+            </a:extLst>
+          </p:cNvPr>
+          <p:cNvSpPr/>
+          <p:nvPr/>
+        </p:nvSpPr>
+        <p:spPr>
+          <a:xfrm>
+            <a:off x="3607315" y="5838110"/>
+            <a:ext cx="2184400" cy="307777"/>
+          </a:xfrm>
+          <a:prstGeom prst="rect">
+            <a:avLst/>
+          </a:prstGeom>
+        </p:spPr>
+        <p:txBody>
+          <a:bodyPr wrap="square">
+            <a:spAutoFit/>
+          </a:bodyPr>
+          <a:lstStyle/>
+          <a:p>
+            <a:pPr algn="ctr"/>
+            <a:r>
+              <a:rPr lang="de-DE" sz="1400" dirty="0"/>
+              <a:t>Normale Frage</a:t>
+            </a:r>
+          </a:p>
+        </p:txBody>
+      </p:sp>
+      <p:sp>
+        <p:nvSpPr>
+          <p:cNvPr id="10" name="Rechteck 9">
+            <a:extLst>
+              <a:ext uri="{FF2B5EF4-FFF2-40B4-BE49-F238E27FC236}">
+                <a16:creationId xmlns:a16="http://schemas.microsoft.com/office/drawing/2014/main" id="{00166AD1-1E2F-46E3-AB3B-1872413156C5}"/>
+              </a:ext>
+            </a:extLst>
+          </p:cNvPr>
+          <p:cNvSpPr/>
+          <p:nvPr/>
+        </p:nvSpPr>
+        <p:spPr>
+          <a:xfrm>
+            <a:off x="6351301" y="5800432"/>
+            <a:ext cx="2184400" cy="307777"/>
+          </a:xfrm>
+          <a:prstGeom prst="rect">
+            <a:avLst/>
+          </a:prstGeom>
+        </p:spPr>
+        <p:txBody>
+          <a:bodyPr wrap="square">
+            <a:spAutoFit/>
+          </a:bodyPr>
+          <a:lstStyle/>
+          <a:p>
+            <a:pPr algn="ctr"/>
+            <a:r>
+              <a:rPr lang="de-DE" sz="1400" dirty="0"/>
+              <a:t>Antwort anzeigen</a:t>
+            </a:r>
+          </a:p>
+        </p:txBody>
+      </p:sp>
+      <p:sp>
+        <p:nvSpPr>
+          <p:cNvPr id="11" name="Rechteck 10">
+            <a:extLst>
+              <a:ext uri="{FF2B5EF4-FFF2-40B4-BE49-F238E27FC236}">
+                <a16:creationId xmlns:a16="http://schemas.microsoft.com/office/drawing/2014/main" id="{05BCE14A-5870-41DB-B002-2FF291C533DF}"/>
+              </a:ext>
+            </a:extLst>
+          </p:cNvPr>
+          <p:cNvSpPr/>
+          <p:nvPr/>
+        </p:nvSpPr>
+        <p:spPr>
+          <a:xfrm>
+            <a:off x="9283720" y="5838110"/>
+            <a:ext cx="2184400" cy="523220"/>
+          </a:xfrm>
+          <a:prstGeom prst="rect">
+            <a:avLst/>
+          </a:prstGeom>
+        </p:spPr>
+        <p:txBody>
+          <a:bodyPr wrap="square">
+            <a:spAutoFit/>
+          </a:bodyPr>
+          <a:lstStyle/>
+          <a:p>
+            <a:pPr algn="ctr"/>
+            <a:r>
+              <a:rPr lang="de-DE" sz="1400" dirty="0"/>
+              <a:t>Selbstevaluation nach Beantworten der Frage</a:t>
             </a:r>
           </a:p>
         </p:txBody>
@@ -4971,7 +5327,7 @@
     </p:spTree>
     <p:extLst>
       <p:ext uri="{BB962C8B-B14F-4D97-AF65-F5344CB8AC3E}">
-        <p14:creationId xmlns:p14="http://schemas.microsoft.com/office/powerpoint/2010/main" val="2796600949"/>
+        <p14:creationId xmlns:p14="http://schemas.microsoft.com/office/powerpoint/2010/main" val="1086944799"/>
       </p:ext>
     </p:extLst>
   </p:cSld>
@@ -5003,7 +5359,7 @@
           <p:cNvPr id="2" name="Titel 1">
             <a:extLst>
               <a:ext uri="{FF2B5EF4-FFF2-40B4-BE49-F238E27FC236}">
-                <a16:creationId xmlns:a16="http://schemas.microsoft.com/office/drawing/2014/main" id="{019DD2D8-9BF5-483D-B922-3FB716E26B12}"/>
+                <a16:creationId xmlns:a16="http://schemas.microsoft.com/office/drawing/2014/main" id="{3EDCD6DC-9FA5-4500-AEA1-83789870B162}"/>
               </a:ext>
             </a:extLst>
           </p:cNvPr>
@@ -5021,126 +5377,26 @@
           <a:p>
             <a:r>
               <a:rPr lang="de-DE" dirty="0"/>
-              <a:t>Backend - </a:t>
-            </a:r>
-            <a:r>
-              <a:rPr lang="de-DE" dirty="0" err="1"/>
-              <a:t>PyMongo</a:t>
-            </a:r>
-            <a:endParaRPr lang="de-DE" dirty="0"/>
-          </a:p>
-        </p:txBody>
-      </p:sp>
-      <p:sp>
-        <p:nvSpPr>
-          <p:cNvPr id="3" name="Inhaltsplatzhalter 2">
-            <a:extLst>
-              <a:ext uri="{FF2B5EF4-FFF2-40B4-BE49-F238E27FC236}">
-                <a16:creationId xmlns:a16="http://schemas.microsoft.com/office/drawing/2014/main" id="{FBC4BE34-3E32-42B1-BDD1-69F66AB1071A}"/>
-              </a:ext>
-            </a:extLst>
-          </p:cNvPr>
-          <p:cNvSpPr>
-            <a:spLocks noGrp="1"/>
-          </p:cNvSpPr>
+              <a:t>Frontend – Fragen erstellen</a:t>
+            </a:r>
+          </a:p>
+        </p:txBody>
+      </p:sp>
+      <p:pic>
+        <p:nvPicPr>
+          <p:cNvPr id="4" name="Inhaltsplatzhalter 3">
+            <a:extLst>
+              <a:ext uri="{FF2B5EF4-FFF2-40B4-BE49-F238E27FC236}">
+                <a16:creationId xmlns:a16="http://schemas.microsoft.com/office/drawing/2014/main" id="{98FB2E74-B4AE-4AB8-B3B9-08C893A6F226}"/>
+              </a:ext>
+            </a:extLst>
+          </p:cNvPr>
+          <p:cNvPicPr>
+            <a:picLocks noGrp="1" noChangeAspect="1"/>
+          </p:cNvPicPr>
           <p:nvPr>
             <p:ph idx="1"/>
           </p:nvPr>
-        </p:nvSpPr>
-        <p:spPr/>
-        <p:txBody>
-          <a:bodyPr/>
-          <a:lstStyle/>
-          <a:p>
-            <a:r>
-              <a:rPr lang="de-DE" dirty="0"/>
-              <a:t>Python-Client für MongoDB</a:t>
-            </a:r>
-          </a:p>
-          <a:p>
-            <a:r>
-              <a:rPr lang="de-DE" dirty="0"/>
-              <a:t>Python-</a:t>
-            </a:r>
-            <a:r>
-              <a:rPr lang="de-DE" dirty="0" err="1"/>
-              <a:t>Dict</a:t>
-            </a:r>
-            <a:r>
-              <a:rPr lang="de-DE" dirty="0"/>
-              <a:t> kann meistens 1:1 eingefügt werden</a:t>
-            </a:r>
-          </a:p>
-          <a:p>
-            <a:r>
-              <a:rPr lang="de-DE" dirty="0"/>
-              <a:t>Einfügen mit </a:t>
-            </a:r>
-            <a:r>
-              <a:rPr lang="de-DE" dirty="0" err="1"/>
-              <a:t>collection.insert</a:t>
-            </a:r>
-            <a:r>
-              <a:rPr lang="de-DE" dirty="0"/>
-              <a:t>(</a:t>
-            </a:r>
-            <a:r>
-              <a:rPr lang="de-DE" dirty="0" err="1"/>
-              <a:t>dict</a:t>
-            </a:r>
-            <a:r>
-              <a:rPr lang="de-DE" dirty="0"/>
-              <a:t>)</a:t>
-            </a:r>
-          </a:p>
-          <a:p>
-            <a:endParaRPr lang="de-DE" dirty="0"/>
-          </a:p>
-          <a:p>
-            <a:r>
-              <a:rPr lang="de-DE" dirty="0"/>
-              <a:t>Updaten mit </a:t>
-            </a:r>
-            <a:r>
-              <a:rPr lang="de-DE" dirty="0" err="1"/>
-              <a:t>collection.update</a:t>
-            </a:r>
-            <a:r>
-              <a:rPr lang="de-DE" dirty="0"/>
-              <a:t>({&lt;</a:t>
-            </a:r>
-            <a:r>
-              <a:rPr lang="de-DE" dirty="0" err="1"/>
-              <a:t>filter</a:t>
-            </a:r>
-            <a:r>
-              <a:rPr lang="de-DE" dirty="0"/>
-              <a:t>&gt;},{&lt;</a:t>
-            </a:r>
-            <a:r>
-              <a:rPr lang="de-DE" dirty="0" err="1"/>
-              <a:t>field</a:t>
-            </a:r>
-            <a:r>
-              <a:rPr lang="de-DE" dirty="0"/>
-              <a:t>&gt;})</a:t>
-            </a:r>
-          </a:p>
-        </p:txBody>
-      </p:sp>
-      <p:pic>
-        <p:nvPicPr>
-          <p:cNvPr id="4" name="Grafik 3">
-            <a:extLst>
-              <a:ext uri="{FF2B5EF4-FFF2-40B4-BE49-F238E27FC236}">
-                <a16:creationId xmlns:a16="http://schemas.microsoft.com/office/drawing/2014/main" id="{0D13B2FE-C157-4E0B-A500-CEC9A271B79D}"/>
-              </a:ext>
-            </a:extLst>
-          </p:cNvPr>
-          <p:cNvPicPr>
-            <a:picLocks noChangeAspect="1"/>
-          </p:cNvPicPr>
-          <p:nvPr/>
         </p:nvPicPr>
         <p:blipFill>
           <a:blip r:embed="rId2"/>
@@ -5150,84 +5406,58 @@
         </p:blipFill>
         <p:spPr>
           <a:xfrm>
-            <a:off x="1164462" y="3428999"/>
-            <a:ext cx="3998450" cy="287977"/>
+            <a:off x="5095569" y="1690688"/>
+            <a:ext cx="2000862" cy="4351338"/>
           </a:xfrm>
           <a:prstGeom prst="rect">
             <a:avLst/>
           </a:prstGeom>
+          <a:ln>
+            <a:solidFill>
+              <a:schemeClr val="tx1"/>
+            </a:solidFill>
+          </a:ln>
         </p:spPr>
       </p:pic>
-      <p:pic>
-        <p:nvPicPr>
-          <p:cNvPr id="5" name="Grafik 4">
-            <a:extLst>
-              <a:ext uri="{FF2B5EF4-FFF2-40B4-BE49-F238E27FC236}">
-                <a16:creationId xmlns:a16="http://schemas.microsoft.com/office/drawing/2014/main" id="{E261E24A-3F9E-480F-8F7B-EB528DBA5A83}"/>
-              </a:ext>
-            </a:extLst>
-          </p:cNvPr>
-          <p:cNvPicPr>
-            <a:picLocks noChangeAspect="1"/>
-          </p:cNvPicPr>
+      <p:sp>
+        <p:nvSpPr>
+          <p:cNvPr id="5" name="Rechteck 4">
+            <a:extLst>
+              <a:ext uri="{FF2B5EF4-FFF2-40B4-BE49-F238E27FC236}">
+                <a16:creationId xmlns:a16="http://schemas.microsoft.com/office/drawing/2014/main" id="{AEEE164A-D55E-4D6B-BDB7-C865587E13DA}"/>
+              </a:ext>
+            </a:extLst>
+          </p:cNvPr>
+          <p:cNvSpPr/>
           <p:nvPr/>
-        </p:nvPicPr>
-        <p:blipFill>
-          <a:blip r:embed="rId3"/>
-          <a:stretch>
-            <a:fillRect/>
-          </a:stretch>
-        </p:blipFill>
-        <p:spPr>
-          <a:xfrm>
-            <a:off x="1164462" y="4461194"/>
-            <a:ext cx="7286625" cy="323850"/>
+        </p:nvSpPr>
+        <p:spPr>
+          <a:xfrm>
+            <a:off x="5003800" y="6090335"/>
+            <a:ext cx="2184400" cy="307777"/>
           </a:xfrm>
           <a:prstGeom prst="rect">
             <a:avLst/>
           </a:prstGeom>
         </p:spPr>
-      </p:pic>
-      <p:pic>
-        <p:nvPicPr>
-          <p:cNvPr id="8" name="Grafik 7">
-            <a:extLst>
-              <a:ext uri="{FF2B5EF4-FFF2-40B4-BE49-F238E27FC236}">
-                <a16:creationId xmlns:a16="http://schemas.microsoft.com/office/drawing/2014/main" id="{D4C2DB9E-BFE9-4ED4-8FB7-3DBF61906A8A}"/>
-              </a:ext>
-            </a:extLst>
-          </p:cNvPr>
-          <p:cNvPicPr>
-            <a:picLocks noChangeAspect="1"/>
-          </p:cNvPicPr>
-          <p:nvPr/>
-        </p:nvPicPr>
-        <p:blipFill>
-          <a:blip r:embed="rId4">
-            <a:extLst>
-              <a:ext uri="{28A0092B-C50C-407E-A947-70E740481C1C}">
-                <a14:useLocalDpi xmlns:a14="http://schemas.microsoft.com/office/drawing/2010/main" val="0"/>
-              </a:ext>
-            </a:extLst>
-          </a:blip>
-          <a:stretch>
-            <a:fillRect/>
-          </a:stretch>
-        </p:blipFill>
-        <p:spPr>
-          <a:xfrm>
-            <a:off x="5671457" y="681037"/>
-            <a:ext cx="681037" cy="681037"/>
-          </a:xfrm>
-          <a:prstGeom prst="rect">
-            <a:avLst/>
-          </a:prstGeom>
-        </p:spPr>
-      </p:pic>
+        <p:txBody>
+          <a:bodyPr wrap="square">
+            <a:spAutoFit/>
+          </a:bodyPr>
+          <a:lstStyle/>
+          <a:p>
+            <a:pPr algn="ctr"/>
+            <a:r>
+              <a:rPr lang="de-DE" sz="1400" dirty="0"/>
+              <a:t>Fragen erstellen</a:t>
+            </a:r>
+          </a:p>
+        </p:txBody>
+      </p:sp>
     </p:spTree>
     <p:extLst>
       <p:ext uri="{BB962C8B-B14F-4D97-AF65-F5344CB8AC3E}">
-        <p14:creationId xmlns:p14="http://schemas.microsoft.com/office/powerpoint/2010/main" val="3196319200"/>
+        <p14:creationId xmlns:p14="http://schemas.microsoft.com/office/powerpoint/2010/main" val="2825121051"/>
       </p:ext>
     </p:extLst>
   </p:cSld>
@@ -5259,7 +5489,7 @@
           <p:cNvPr id="2" name="Titel 1">
             <a:extLst>
               <a:ext uri="{FF2B5EF4-FFF2-40B4-BE49-F238E27FC236}">
-                <a16:creationId xmlns:a16="http://schemas.microsoft.com/office/drawing/2014/main" id="{54DD1F22-F9E9-4B87-96E3-705F97D06E1F}"/>
+                <a16:creationId xmlns:a16="http://schemas.microsoft.com/office/drawing/2014/main" id="{C15E222A-7D02-4CA5-9913-B6BCC917D3B4}"/>
               </a:ext>
             </a:extLst>
           </p:cNvPr>
@@ -5277,50 +5507,17 @@
           <a:p>
             <a:r>
               <a:rPr lang="de-DE" dirty="0"/>
-              <a:t>Backend - </a:t>
-            </a:r>
-            <a:r>
-              <a:rPr lang="de-DE" dirty="0" err="1"/>
-              <a:t>PyMongo</a:t>
-            </a:r>
-            <a:endParaRPr lang="de-DE" dirty="0"/>
-          </a:p>
-        </p:txBody>
-      </p:sp>
-      <p:sp>
-        <p:nvSpPr>
-          <p:cNvPr id="3" name="Inhaltsplatzhalter 2">
-            <a:extLst>
-              <a:ext uri="{FF2B5EF4-FFF2-40B4-BE49-F238E27FC236}">
-                <a16:creationId xmlns:a16="http://schemas.microsoft.com/office/drawing/2014/main" id="{20FACC3A-BF5D-48DF-9255-8942F43A3B0F}"/>
-              </a:ext>
-            </a:extLst>
-          </p:cNvPr>
-          <p:cNvSpPr>
-            <a:spLocks noGrp="1"/>
-          </p:cNvSpPr>
-          <p:nvPr>
-            <p:ph idx="1"/>
-          </p:nvPr>
-        </p:nvSpPr>
-        <p:spPr/>
-        <p:txBody>
-          <a:bodyPr/>
-          <a:lstStyle/>
-          <a:p>
-            <a:r>
-              <a:rPr lang="de-DE" dirty="0"/>
-              <a:t>Abfragen mit unterschiedlichen Methoden und Operatoren</a:t>
+              <a:t>Frontend – Antworten evaluieren</a:t>
             </a:r>
           </a:p>
         </p:txBody>
       </p:sp>
       <p:pic>
         <p:nvPicPr>
-          <p:cNvPr id="5" name="Grafik 4">
-            <a:extLst>
-              <a:ext uri="{FF2B5EF4-FFF2-40B4-BE49-F238E27FC236}">
-                <a16:creationId xmlns:a16="http://schemas.microsoft.com/office/drawing/2014/main" id="{DB19E97F-2710-4D3F-A623-1A7799032E72}"/>
+          <p:cNvPr id="4" name="Grafik 3">
+            <a:extLst>
+              <a:ext uri="{FF2B5EF4-FFF2-40B4-BE49-F238E27FC236}">
+                <a16:creationId xmlns:a16="http://schemas.microsoft.com/office/drawing/2014/main" id="{52A54C1C-25E0-4F56-B730-F7BB582E1AA9}"/>
               </a:ext>
             </a:extLst>
           </p:cNvPr>
@@ -5337,390 +5534,65 @@
         </p:blipFill>
         <p:spPr>
           <a:xfrm>
-            <a:off x="838200" y="4307313"/>
-            <a:ext cx="4434444" cy="241565"/>
+            <a:off x="5126389" y="1468438"/>
+            <a:ext cx="1939221" cy="4232924"/>
           </a:xfrm>
           <a:prstGeom prst="rect">
             <a:avLst/>
           </a:prstGeom>
+          <a:ln>
+            <a:solidFill>
+              <a:schemeClr val="tx1"/>
+            </a:solidFill>
+          </a:ln>
         </p:spPr>
       </p:pic>
-      <p:pic>
-        <p:nvPicPr>
-          <p:cNvPr id="6" name="Grafik 5">
-            <a:extLst>
-              <a:ext uri="{FF2B5EF4-FFF2-40B4-BE49-F238E27FC236}">
-                <a16:creationId xmlns:a16="http://schemas.microsoft.com/office/drawing/2014/main" id="{9886A935-B240-470A-A71A-C2DA292B044D}"/>
-              </a:ext>
-            </a:extLst>
-          </p:cNvPr>
-          <p:cNvPicPr>
-            <a:picLocks noChangeAspect="1"/>
-          </p:cNvPicPr>
+      <p:sp>
+        <p:nvSpPr>
+          <p:cNvPr id="5" name="Rechteck 4">
+            <a:extLst>
+              <a:ext uri="{FF2B5EF4-FFF2-40B4-BE49-F238E27FC236}">
+                <a16:creationId xmlns:a16="http://schemas.microsoft.com/office/drawing/2014/main" id="{D24E1BDB-6DAA-419B-8CCE-9445A6DAF01E}"/>
+              </a:ext>
+            </a:extLst>
+          </p:cNvPr>
+          <p:cNvSpPr/>
           <p:nvPr/>
-        </p:nvPicPr>
-        <p:blipFill>
-          <a:blip r:embed="rId3"/>
-          <a:stretch>
-            <a:fillRect/>
-          </a:stretch>
-        </p:blipFill>
-        <p:spPr>
-          <a:xfrm>
-            <a:off x="838200" y="2443771"/>
-            <a:ext cx="3163784" cy="1366179"/>
+        </p:nvSpPr>
+        <p:spPr>
+          <a:xfrm>
+            <a:off x="5003799" y="5852755"/>
+            <a:ext cx="2184400" cy="738664"/>
           </a:xfrm>
           <a:prstGeom prst="rect">
             <a:avLst/>
           </a:prstGeom>
         </p:spPr>
-      </p:pic>
-      <p:pic>
-        <p:nvPicPr>
-          <p:cNvPr id="7" name="Grafik 6">
-            <a:extLst>
-              <a:ext uri="{FF2B5EF4-FFF2-40B4-BE49-F238E27FC236}">
-                <a16:creationId xmlns:a16="http://schemas.microsoft.com/office/drawing/2014/main" id="{A294AC3B-3261-42EB-99C1-B2F346B56FB3}"/>
-              </a:ext>
-            </a:extLst>
-          </p:cNvPr>
-          <p:cNvPicPr>
-            <a:picLocks noChangeAspect="1"/>
-          </p:cNvPicPr>
-          <p:nvPr/>
-        </p:nvPicPr>
-        <p:blipFill>
-          <a:blip r:embed="rId4"/>
-          <a:stretch>
-            <a:fillRect/>
-          </a:stretch>
-        </p:blipFill>
-        <p:spPr>
-          <a:xfrm>
-            <a:off x="838200" y="5290405"/>
-            <a:ext cx="4677888" cy="965278"/>
-          </a:xfrm>
-          <a:prstGeom prst="rect">
-            <a:avLst/>
-          </a:prstGeom>
-        </p:spPr>
-      </p:pic>
-      <p:sp>
-        <p:nvSpPr>
-          <p:cNvPr id="8" name="Pfeil: nach rechts 7">
-            <a:extLst>
-              <a:ext uri="{FF2B5EF4-FFF2-40B4-BE49-F238E27FC236}">
-                <a16:creationId xmlns:a16="http://schemas.microsoft.com/office/drawing/2014/main" id="{21B3A4D5-3566-4BC0-8801-89FF83ABECDB}"/>
-              </a:ext>
-            </a:extLst>
-          </p:cNvPr>
-          <p:cNvSpPr/>
-          <p:nvPr/>
-        </p:nvSpPr>
-        <p:spPr>
-          <a:xfrm>
-            <a:off x="5921335" y="2668312"/>
-            <a:ext cx="1151906" cy="611398"/>
-          </a:xfrm>
-          <a:prstGeom prst="rightArrow">
-            <a:avLst/>
-          </a:prstGeom>
-        </p:spPr>
-        <p:style>
-          <a:lnRef idx="2">
-            <a:schemeClr val="accent4">
-              <a:shade val="50000"/>
-            </a:schemeClr>
-          </a:lnRef>
-          <a:fillRef idx="1">
-            <a:schemeClr val="accent4"/>
-          </a:fillRef>
-          <a:effectRef idx="0">
-            <a:schemeClr val="accent4"/>
-          </a:effectRef>
-          <a:fontRef idx="minor">
-            <a:schemeClr val="lt1"/>
-          </a:fontRef>
-        </p:style>
-        <p:txBody>
-          <a:bodyPr rtlCol="0" anchor="ctr"/>
-          <a:lstStyle/>
-          <a:p>
-            <a:pPr algn="ctr"/>
-            <a:endParaRPr lang="de-DE"/>
-          </a:p>
-        </p:txBody>
-      </p:sp>
-      <p:sp>
-        <p:nvSpPr>
-          <p:cNvPr id="10" name="Pfeil: nach rechts 9">
-            <a:extLst>
-              <a:ext uri="{FF2B5EF4-FFF2-40B4-BE49-F238E27FC236}">
-                <a16:creationId xmlns:a16="http://schemas.microsoft.com/office/drawing/2014/main" id="{2ED63647-9D2D-43DA-8C7F-DE37CF4FE34B}"/>
-              </a:ext>
-            </a:extLst>
-          </p:cNvPr>
-          <p:cNvSpPr/>
-          <p:nvPr/>
-        </p:nvSpPr>
-        <p:spPr>
-          <a:xfrm>
-            <a:off x="5921335" y="4122396"/>
-            <a:ext cx="1151906" cy="611398"/>
-          </a:xfrm>
-          <a:prstGeom prst="rightArrow">
-            <a:avLst/>
-          </a:prstGeom>
-        </p:spPr>
-        <p:style>
-          <a:lnRef idx="2">
-            <a:schemeClr val="accent4">
-              <a:shade val="50000"/>
-            </a:schemeClr>
-          </a:lnRef>
-          <a:fillRef idx="1">
-            <a:schemeClr val="accent4"/>
-          </a:fillRef>
-          <a:effectRef idx="0">
-            <a:schemeClr val="accent4"/>
-          </a:effectRef>
-          <a:fontRef idx="minor">
-            <a:schemeClr val="lt1"/>
-          </a:fontRef>
-        </p:style>
-        <p:txBody>
-          <a:bodyPr rtlCol="0" anchor="ctr"/>
-          <a:lstStyle/>
-          <a:p>
-            <a:pPr algn="ctr"/>
-            <a:endParaRPr lang="de-DE"/>
-          </a:p>
-        </p:txBody>
-      </p:sp>
-      <p:sp>
-        <p:nvSpPr>
-          <p:cNvPr id="11" name="Pfeil: nach rechts 10">
-            <a:extLst>
-              <a:ext uri="{FF2B5EF4-FFF2-40B4-BE49-F238E27FC236}">
-                <a16:creationId xmlns:a16="http://schemas.microsoft.com/office/drawing/2014/main" id="{CB11DA9E-1791-4216-A09B-ABEF506D3F65}"/>
-              </a:ext>
-            </a:extLst>
-          </p:cNvPr>
-          <p:cNvSpPr/>
-          <p:nvPr/>
-        </p:nvSpPr>
-        <p:spPr>
-          <a:xfrm>
-            <a:off x="5921335" y="5467345"/>
-            <a:ext cx="1151906" cy="611398"/>
-          </a:xfrm>
-          <a:prstGeom prst="rightArrow">
-            <a:avLst/>
-          </a:prstGeom>
-        </p:spPr>
-        <p:style>
-          <a:lnRef idx="2">
-            <a:schemeClr val="accent4">
-              <a:shade val="50000"/>
-            </a:schemeClr>
-          </a:lnRef>
-          <a:fillRef idx="1">
-            <a:schemeClr val="accent4"/>
-          </a:fillRef>
-          <a:effectRef idx="0">
-            <a:schemeClr val="accent4"/>
-          </a:effectRef>
-          <a:fontRef idx="minor">
-            <a:schemeClr val="lt1"/>
-          </a:fontRef>
-        </p:style>
-        <p:txBody>
-          <a:bodyPr rtlCol="0" anchor="ctr"/>
-          <a:lstStyle/>
-          <a:p>
-            <a:pPr algn="ctr"/>
-            <a:endParaRPr lang="de-DE"/>
-          </a:p>
-        </p:txBody>
-      </p:sp>
-      <p:sp>
-        <p:nvSpPr>
-          <p:cNvPr id="12" name="Textfeld 11">
-            <a:extLst>
-              <a:ext uri="{FF2B5EF4-FFF2-40B4-BE49-F238E27FC236}">
-                <a16:creationId xmlns:a16="http://schemas.microsoft.com/office/drawing/2014/main" id="{B6AF9169-36AE-475E-94DE-633A68E89F2E}"/>
-              </a:ext>
-            </a:extLst>
-          </p:cNvPr>
-          <p:cNvSpPr txBox="1"/>
-          <p:nvPr/>
-        </p:nvSpPr>
-        <p:spPr>
-          <a:xfrm>
-            <a:off x="7401795" y="2304436"/>
-            <a:ext cx="3544784" cy="4247317"/>
-          </a:xfrm>
-          <a:prstGeom prst="rect">
-            <a:avLst/>
-          </a:prstGeom>
-          <a:noFill/>
-        </p:spPr>
-        <p:txBody>
-          <a:bodyPr wrap="square" rtlCol="0">
+        <p:txBody>
+          <a:bodyPr wrap="square">
             <a:spAutoFit/>
           </a:bodyPr>
           <a:lstStyle/>
           <a:p>
-            <a:r>
-              <a:rPr lang="de-DE" dirty="0" err="1"/>
-              <a:t>collection.find</a:t>
-            </a:r>
-            <a:r>
-              <a:rPr lang="de-DE" dirty="0"/>
-              <a:t>(&lt;</a:t>
-            </a:r>
-            <a:r>
-              <a:rPr lang="de-DE" dirty="0" err="1"/>
-              <a:t>filter</a:t>
-            </a:r>
-            <a:r>
-              <a:rPr lang="de-DE" dirty="0"/>
-              <a:t>&gt;)</a:t>
-            </a:r>
-          </a:p>
-          <a:p>
-            <a:r>
-              <a:rPr lang="de-DE" dirty="0"/>
-              <a:t>-&gt; gibt ALLE </a:t>
-            </a:r>
-            <a:r>
-              <a:rPr lang="de-DE" dirty="0" err="1"/>
-              <a:t>Objecte</a:t>
-            </a:r>
-            <a:r>
-              <a:rPr lang="de-DE" dirty="0"/>
-              <a:t> aus der  Collection aus </a:t>
-            </a:r>
-          </a:p>
-          <a:p>
-            <a:endParaRPr lang="de-DE" dirty="0"/>
-          </a:p>
-          <a:p>
-            <a:endParaRPr lang="de-DE" dirty="0"/>
-          </a:p>
-          <a:p>
-            <a:endParaRPr lang="de-DE" dirty="0"/>
-          </a:p>
-          <a:p>
-            <a:r>
-              <a:rPr lang="de-DE" dirty="0" err="1"/>
-              <a:t>collection.find_one</a:t>
-            </a:r>
-            <a:r>
-              <a:rPr lang="de-DE" dirty="0"/>
-              <a:t>(&lt;</a:t>
-            </a:r>
-            <a:r>
-              <a:rPr lang="de-DE" dirty="0" err="1"/>
-              <a:t>filter</a:t>
-            </a:r>
-            <a:r>
-              <a:rPr lang="de-DE" dirty="0"/>
-              <a:t>&gt;)</a:t>
-            </a:r>
-          </a:p>
-          <a:p>
-            <a:r>
-              <a:rPr lang="de-DE" dirty="0"/>
-              <a:t>-&gt; gibt 1 </a:t>
-            </a:r>
-            <a:r>
-              <a:rPr lang="de-DE" dirty="0" err="1"/>
-              <a:t>Object</a:t>
-            </a:r>
-            <a:r>
-              <a:rPr lang="de-DE" dirty="0"/>
-              <a:t> oder ‘‘None“ aus</a:t>
-            </a:r>
-          </a:p>
-          <a:p>
-            <a:endParaRPr lang="de-DE" dirty="0"/>
-          </a:p>
-          <a:p>
-            <a:endParaRPr lang="de-DE" dirty="0"/>
-          </a:p>
-          <a:p>
-            <a:r>
-              <a:rPr lang="de-DE" dirty="0" err="1"/>
-              <a:t>collection.aggregate</a:t>
-            </a:r>
-            <a:r>
-              <a:rPr lang="de-DE" dirty="0"/>
-              <a:t>() </a:t>
-            </a:r>
-          </a:p>
-          <a:p>
-            <a:r>
-              <a:rPr lang="de-DE" dirty="0"/>
-              <a:t>-&gt; hat speziellere Operatoren</a:t>
-            </a:r>
-          </a:p>
-          <a:p>
-            <a:r>
-              <a:rPr lang="de-DE" dirty="0"/>
-              <a:t>-&gt;{‘‘$sample‘‘:{‘size‘:1}} sorgt dafür das ein zufälliges </a:t>
-            </a:r>
-            <a:r>
-              <a:rPr lang="de-DE" dirty="0" err="1"/>
-              <a:t>Object</a:t>
-            </a:r>
-            <a:r>
-              <a:rPr lang="de-DE" dirty="0"/>
-              <a:t> ausgegeben wird</a:t>
-            </a:r>
-          </a:p>
-        </p:txBody>
-      </p:sp>
-      <p:pic>
-        <p:nvPicPr>
-          <p:cNvPr id="14" name="Grafik 13">
-            <a:extLst>
-              <a:ext uri="{FF2B5EF4-FFF2-40B4-BE49-F238E27FC236}">
-                <a16:creationId xmlns:a16="http://schemas.microsoft.com/office/drawing/2014/main" id="{E6313FDF-7C7F-492A-87AD-FA50B47E039B}"/>
-              </a:ext>
-            </a:extLst>
-          </p:cNvPr>
-          <p:cNvPicPr>
-            <a:picLocks noChangeAspect="1"/>
-          </p:cNvPicPr>
-          <p:nvPr/>
-        </p:nvPicPr>
-        <p:blipFill>
-          <a:blip r:embed="rId5">
-            <a:extLst>
-              <a:ext uri="{28A0092B-C50C-407E-A947-70E740481C1C}">
-                <a14:useLocalDpi xmlns:a14="http://schemas.microsoft.com/office/drawing/2010/main" val="0"/>
-              </a:ext>
-            </a:extLst>
-          </a:blip>
-          <a:stretch>
-            <a:fillRect/>
-          </a:stretch>
-        </p:blipFill>
-        <p:spPr>
-          <a:xfrm>
-            <a:off x="5671457" y="681037"/>
-            <a:ext cx="681037" cy="681037"/>
-          </a:xfrm>
-          <a:prstGeom prst="rect">
-            <a:avLst/>
-          </a:prstGeom>
-        </p:spPr>
-      </p:pic>
+            <a:pPr algn="ctr"/>
+            <a:r>
+              <a:rPr lang="de-DE" sz="1400" dirty="0"/>
+              <a:t>Antworten evaluieren</a:t>
+            </a:r>
+          </a:p>
+          <a:p>
+            <a:pPr algn="ctr"/>
+            <a:r>
+              <a:rPr lang="de-DE" sz="1400" dirty="0"/>
+              <a:t>(eigene Antworten ausgeschlossen)</a:t>
+            </a:r>
+          </a:p>
+        </p:txBody>
+      </p:sp>
     </p:spTree>
     <p:extLst>
       <p:ext uri="{BB962C8B-B14F-4D97-AF65-F5344CB8AC3E}">
-        <p14:creationId xmlns:p14="http://schemas.microsoft.com/office/powerpoint/2010/main" val="4274898465"/>
+        <p14:creationId xmlns:p14="http://schemas.microsoft.com/office/powerpoint/2010/main" val="3314202692"/>
       </p:ext>
     </p:extLst>
   </p:cSld>
@@ -5752,6 +5624,1198 @@
           <p:cNvPr id="2" name="Titel 1">
             <a:extLst>
               <a:ext uri="{FF2B5EF4-FFF2-40B4-BE49-F238E27FC236}">
+                <a16:creationId xmlns:a16="http://schemas.microsoft.com/office/drawing/2014/main" id="{0BA8622E-27AE-4D54-A8FE-A0A9B3937F21}"/>
+              </a:ext>
+            </a:extLst>
+          </p:cNvPr>
+          <p:cNvSpPr>
+            <a:spLocks noGrp="1"/>
+          </p:cNvSpPr>
+          <p:nvPr>
+            <p:ph type="title"/>
+          </p:nvPr>
+        </p:nvSpPr>
+        <p:spPr/>
+        <p:txBody>
+          <a:bodyPr/>
+          <a:lstStyle/>
+          <a:p>
+            <a:r>
+              <a:rPr lang="de-DE" dirty="0"/>
+              <a:t>Backend - MongoDB</a:t>
+            </a:r>
+          </a:p>
+        </p:txBody>
+      </p:sp>
+      <p:sp>
+        <p:nvSpPr>
+          <p:cNvPr id="3" name="Inhaltsplatzhalter 2">
+            <a:extLst>
+              <a:ext uri="{FF2B5EF4-FFF2-40B4-BE49-F238E27FC236}">
+                <a16:creationId xmlns:a16="http://schemas.microsoft.com/office/drawing/2014/main" id="{EB6B8633-8CC8-4639-9160-8BCA17E5B7FD}"/>
+              </a:ext>
+            </a:extLst>
+          </p:cNvPr>
+          <p:cNvSpPr>
+            <a:spLocks noGrp="1"/>
+          </p:cNvSpPr>
+          <p:nvPr>
+            <p:ph idx="1"/>
+          </p:nvPr>
+        </p:nvSpPr>
+        <p:spPr/>
+        <p:txBody>
+          <a:bodyPr/>
+          <a:lstStyle/>
+          <a:p>
+            <a:r>
+              <a:rPr lang="de-DE" dirty="0" err="1"/>
+              <a:t>documentorientierte</a:t>
+            </a:r>
+            <a:r>
+              <a:rPr lang="de-DE" dirty="0"/>
+              <a:t> NoSQL Datenbank</a:t>
+            </a:r>
+          </a:p>
+          <a:p>
+            <a:pPr lvl="1"/>
+            <a:r>
+              <a:rPr lang="de-DE" dirty="0"/>
+              <a:t>Objekte werden als BSON gespeichert (</a:t>
+            </a:r>
+            <a:r>
+              <a:rPr lang="de-DE" dirty="0" err="1"/>
+              <a:t>binary</a:t>
+            </a:r>
+            <a:r>
+              <a:rPr lang="de-DE" dirty="0"/>
+              <a:t> JSON)</a:t>
+            </a:r>
+          </a:p>
+          <a:p>
+            <a:pPr lvl="1"/>
+            <a:r>
+              <a:rPr lang="de-DE" dirty="0"/>
+              <a:t>Collections symbolisieren Tabellen</a:t>
+            </a:r>
+          </a:p>
+          <a:p>
+            <a:r>
+              <a:rPr lang="de-DE" dirty="0"/>
+              <a:t>Flexibles Datenformat </a:t>
+            </a:r>
+          </a:p>
+          <a:p>
+            <a:pPr lvl="1"/>
+            <a:r>
+              <a:rPr lang="de-DE" dirty="0"/>
+              <a:t>Vorsicht: nicht zwingend einheitlich</a:t>
+            </a:r>
+          </a:p>
+          <a:p>
+            <a:pPr lvl="1"/>
+            <a:endParaRPr lang="de-DE" dirty="0"/>
+          </a:p>
+          <a:p>
+            <a:pPr lvl="1"/>
+            <a:endParaRPr lang="de-DE" dirty="0"/>
+          </a:p>
+        </p:txBody>
+      </p:sp>
+      <p:pic>
+        <p:nvPicPr>
+          <p:cNvPr id="4" name="Grafik 3">
+            <a:extLst>
+              <a:ext uri="{FF2B5EF4-FFF2-40B4-BE49-F238E27FC236}">
+                <a16:creationId xmlns:a16="http://schemas.microsoft.com/office/drawing/2014/main" id="{7747107A-24B7-47E2-A8F7-1C924694D419}"/>
+              </a:ext>
+            </a:extLst>
+          </p:cNvPr>
+          <p:cNvPicPr>
+            <a:picLocks noChangeAspect="1"/>
+          </p:cNvPicPr>
+          <p:nvPr/>
+        </p:nvPicPr>
+        <p:blipFill>
+          <a:blip r:embed="rId2"/>
+          <a:stretch>
+            <a:fillRect/>
+          </a:stretch>
+        </p:blipFill>
+        <p:spPr>
+          <a:xfrm>
+            <a:off x="906945" y="5024155"/>
+            <a:ext cx="5189055" cy="733236"/>
+          </a:xfrm>
+          <a:prstGeom prst="rect">
+            <a:avLst/>
+          </a:prstGeom>
+        </p:spPr>
+      </p:pic>
+      <p:pic>
+        <p:nvPicPr>
+          <p:cNvPr id="6" name="Grafik 5" descr="Ein Bild, das Schild, Straße enthält.&#10;&#10;Automatisch generierte Beschreibung">
+            <a:extLst>
+              <a:ext uri="{FF2B5EF4-FFF2-40B4-BE49-F238E27FC236}">
+                <a16:creationId xmlns:a16="http://schemas.microsoft.com/office/drawing/2014/main" id="{831E9A4B-F743-4DB8-B40E-35EA3EBF835C}"/>
+              </a:ext>
+            </a:extLst>
+          </p:cNvPr>
+          <p:cNvPicPr>
+            <a:picLocks noChangeAspect="1"/>
+          </p:cNvPicPr>
+          <p:nvPr/>
+        </p:nvPicPr>
+        <p:blipFill>
+          <a:blip r:embed="rId3">
+            <a:extLst>
+              <a:ext uri="{28A0092B-C50C-407E-A947-70E740481C1C}">
+                <a14:useLocalDpi xmlns:a14="http://schemas.microsoft.com/office/drawing/2010/main" val="0"/>
+              </a:ext>
+            </a:extLst>
+          </a:blip>
+          <a:stretch>
+            <a:fillRect/>
+          </a:stretch>
+        </p:blipFill>
+        <p:spPr>
+          <a:xfrm>
+            <a:off x="5594568" y="533120"/>
+            <a:ext cx="865374" cy="865374"/>
+          </a:xfrm>
+          <a:prstGeom prst="rect">
+            <a:avLst/>
+          </a:prstGeom>
+        </p:spPr>
+      </p:pic>
+      <p:sp>
+        <p:nvSpPr>
+          <p:cNvPr id="8" name="Textfeld 7">
+            <a:extLst>
+              <a:ext uri="{FF2B5EF4-FFF2-40B4-BE49-F238E27FC236}">
+                <a16:creationId xmlns:a16="http://schemas.microsoft.com/office/drawing/2014/main" id="{F187CD9A-90C6-4B60-B5A3-09B7AF410F5B}"/>
+              </a:ext>
+            </a:extLst>
+          </p:cNvPr>
+          <p:cNvSpPr txBox="1"/>
+          <p:nvPr/>
+        </p:nvSpPr>
+        <p:spPr>
+          <a:xfrm>
+            <a:off x="906945" y="4525824"/>
+            <a:ext cx="3277590" cy="369332"/>
+          </a:xfrm>
+          <a:prstGeom prst="rect">
+            <a:avLst/>
+          </a:prstGeom>
+          <a:noFill/>
+        </p:spPr>
+        <p:txBody>
+          <a:bodyPr wrap="square" rtlCol="0">
+            <a:spAutoFit/>
+          </a:bodyPr>
+          <a:lstStyle/>
+          <a:p>
+            <a:r>
+              <a:rPr lang="de-DE" dirty="0"/>
+              <a:t>Auszug aus Collection „</a:t>
+            </a:r>
+            <a:r>
+              <a:rPr lang="de-DE" dirty="0" err="1"/>
+              <a:t>users</a:t>
+            </a:r>
+            <a:r>
+              <a:rPr lang="de-DE" dirty="0"/>
+              <a:t>“</a:t>
+            </a:r>
+          </a:p>
+        </p:txBody>
+      </p:sp>
+    </p:spTree>
+    <p:extLst>
+      <p:ext uri="{BB962C8B-B14F-4D97-AF65-F5344CB8AC3E}">
+        <p14:creationId xmlns:p14="http://schemas.microsoft.com/office/powerpoint/2010/main" val="2796600949"/>
+      </p:ext>
+    </p:extLst>
+  </p:cSld>
+  <p:clrMapOvr>
+    <a:masterClrMapping/>
+  </p:clrMapOvr>
+</p:sld>
+</file>
+
+<file path=ppt/slides/slide18.xml><?xml version="1.0" encoding="utf-8"?>
+<p:sld xmlns:a="http://schemas.openxmlformats.org/drawingml/2006/main" xmlns:r="http://schemas.openxmlformats.org/officeDocument/2006/relationships" xmlns:p="http://schemas.openxmlformats.org/presentationml/2006/main">
+  <p:cSld>
+    <p:spTree>
+      <p:nvGrpSpPr>
+        <p:cNvPr id="1" name=""/>
+        <p:cNvGrpSpPr/>
+        <p:nvPr/>
+      </p:nvGrpSpPr>
+      <p:grpSpPr>
+        <a:xfrm>
+          <a:off x="0" y="0"/>
+          <a:ext cx="0" cy="0"/>
+          <a:chOff x="0" y="0"/>
+          <a:chExt cx="0" cy="0"/>
+        </a:xfrm>
+      </p:grpSpPr>
+      <p:sp>
+        <p:nvSpPr>
+          <p:cNvPr id="2" name="Titel 1">
+            <a:extLst>
+              <a:ext uri="{FF2B5EF4-FFF2-40B4-BE49-F238E27FC236}">
+                <a16:creationId xmlns:a16="http://schemas.microsoft.com/office/drawing/2014/main" id="{019DD2D8-9BF5-483D-B922-3FB716E26B12}"/>
+              </a:ext>
+            </a:extLst>
+          </p:cNvPr>
+          <p:cNvSpPr>
+            <a:spLocks noGrp="1"/>
+          </p:cNvSpPr>
+          <p:nvPr>
+            <p:ph type="title"/>
+          </p:nvPr>
+        </p:nvSpPr>
+        <p:spPr/>
+        <p:txBody>
+          <a:bodyPr/>
+          <a:lstStyle/>
+          <a:p>
+            <a:r>
+              <a:rPr lang="de-DE" dirty="0"/>
+              <a:t>Backend - </a:t>
+            </a:r>
+            <a:r>
+              <a:rPr lang="de-DE" dirty="0" err="1"/>
+              <a:t>PyMongo</a:t>
+            </a:r>
+            <a:endParaRPr lang="de-DE" dirty="0"/>
+          </a:p>
+        </p:txBody>
+      </p:sp>
+      <p:sp>
+        <p:nvSpPr>
+          <p:cNvPr id="3" name="Inhaltsplatzhalter 2">
+            <a:extLst>
+              <a:ext uri="{FF2B5EF4-FFF2-40B4-BE49-F238E27FC236}">
+                <a16:creationId xmlns:a16="http://schemas.microsoft.com/office/drawing/2014/main" id="{FBC4BE34-3E32-42B1-BDD1-69F66AB1071A}"/>
+              </a:ext>
+            </a:extLst>
+          </p:cNvPr>
+          <p:cNvSpPr>
+            <a:spLocks noGrp="1"/>
+          </p:cNvSpPr>
+          <p:nvPr>
+            <p:ph idx="1"/>
+          </p:nvPr>
+        </p:nvSpPr>
+        <p:spPr/>
+        <p:txBody>
+          <a:bodyPr/>
+          <a:lstStyle/>
+          <a:p>
+            <a:r>
+              <a:rPr lang="de-DE" dirty="0"/>
+              <a:t>Python-Client für MongoDB</a:t>
+            </a:r>
+          </a:p>
+          <a:p>
+            <a:r>
+              <a:rPr lang="de-DE" dirty="0"/>
+              <a:t>Python-</a:t>
+            </a:r>
+            <a:r>
+              <a:rPr lang="de-DE" dirty="0" err="1"/>
+              <a:t>Dict</a:t>
+            </a:r>
+            <a:r>
+              <a:rPr lang="de-DE" dirty="0"/>
+              <a:t> kann meistens 1:1 eingefügt werden</a:t>
+            </a:r>
+          </a:p>
+          <a:p>
+            <a:r>
+              <a:rPr lang="de-DE" dirty="0"/>
+              <a:t>Einfügen mit </a:t>
+            </a:r>
+            <a:r>
+              <a:rPr lang="de-DE" dirty="0" err="1"/>
+              <a:t>collection.insert</a:t>
+            </a:r>
+            <a:r>
+              <a:rPr lang="de-DE" dirty="0"/>
+              <a:t>(</a:t>
+            </a:r>
+            <a:r>
+              <a:rPr lang="de-DE" dirty="0" err="1"/>
+              <a:t>dict</a:t>
+            </a:r>
+            <a:r>
+              <a:rPr lang="de-DE" dirty="0"/>
+              <a:t>)</a:t>
+            </a:r>
+          </a:p>
+          <a:p>
+            <a:endParaRPr lang="de-DE" dirty="0"/>
+          </a:p>
+          <a:p>
+            <a:r>
+              <a:rPr lang="de-DE" dirty="0"/>
+              <a:t>Updaten mit </a:t>
+            </a:r>
+            <a:r>
+              <a:rPr lang="de-DE" dirty="0" err="1"/>
+              <a:t>collection.update</a:t>
+            </a:r>
+            <a:r>
+              <a:rPr lang="de-DE" dirty="0"/>
+              <a:t>({&lt;</a:t>
+            </a:r>
+            <a:r>
+              <a:rPr lang="de-DE" dirty="0" err="1"/>
+              <a:t>filter</a:t>
+            </a:r>
+            <a:r>
+              <a:rPr lang="de-DE" dirty="0"/>
+              <a:t>&gt;},{&lt;</a:t>
+            </a:r>
+            <a:r>
+              <a:rPr lang="de-DE" dirty="0" err="1"/>
+              <a:t>field</a:t>
+            </a:r>
+            <a:r>
+              <a:rPr lang="de-DE" dirty="0"/>
+              <a:t>&gt;})</a:t>
+            </a:r>
+          </a:p>
+        </p:txBody>
+      </p:sp>
+      <p:pic>
+        <p:nvPicPr>
+          <p:cNvPr id="4" name="Grafik 3">
+            <a:extLst>
+              <a:ext uri="{FF2B5EF4-FFF2-40B4-BE49-F238E27FC236}">
+                <a16:creationId xmlns:a16="http://schemas.microsoft.com/office/drawing/2014/main" id="{0D13B2FE-C157-4E0B-A500-CEC9A271B79D}"/>
+              </a:ext>
+            </a:extLst>
+          </p:cNvPr>
+          <p:cNvPicPr>
+            <a:picLocks noChangeAspect="1"/>
+          </p:cNvPicPr>
+          <p:nvPr/>
+        </p:nvPicPr>
+        <p:blipFill>
+          <a:blip r:embed="rId2"/>
+          <a:stretch>
+            <a:fillRect/>
+          </a:stretch>
+        </p:blipFill>
+        <p:spPr>
+          <a:xfrm>
+            <a:off x="1164462" y="3428999"/>
+            <a:ext cx="3998450" cy="287977"/>
+          </a:xfrm>
+          <a:prstGeom prst="rect">
+            <a:avLst/>
+          </a:prstGeom>
+        </p:spPr>
+      </p:pic>
+      <p:pic>
+        <p:nvPicPr>
+          <p:cNvPr id="5" name="Grafik 4">
+            <a:extLst>
+              <a:ext uri="{FF2B5EF4-FFF2-40B4-BE49-F238E27FC236}">
+                <a16:creationId xmlns:a16="http://schemas.microsoft.com/office/drawing/2014/main" id="{E261E24A-3F9E-480F-8F7B-EB528DBA5A83}"/>
+              </a:ext>
+            </a:extLst>
+          </p:cNvPr>
+          <p:cNvPicPr>
+            <a:picLocks noChangeAspect="1"/>
+          </p:cNvPicPr>
+          <p:nvPr/>
+        </p:nvPicPr>
+        <p:blipFill>
+          <a:blip r:embed="rId3"/>
+          <a:stretch>
+            <a:fillRect/>
+          </a:stretch>
+        </p:blipFill>
+        <p:spPr>
+          <a:xfrm>
+            <a:off x="1164462" y="4461194"/>
+            <a:ext cx="7286625" cy="323850"/>
+          </a:xfrm>
+          <a:prstGeom prst="rect">
+            <a:avLst/>
+          </a:prstGeom>
+        </p:spPr>
+      </p:pic>
+      <p:pic>
+        <p:nvPicPr>
+          <p:cNvPr id="8" name="Grafik 7">
+            <a:extLst>
+              <a:ext uri="{FF2B5EF4-FFF2-40B4-BE49-F238E27FC236}">
+                <a16:creationId xmlns:a16="http://schemas.microsoft.com/office/drawing/2014/main" id="{D4C2DB9E-BFE9-4ED4-8FB7-3DBF61906A8A}"/>
+              </a:ext>
+            </a:extLst>
+          </p:cNvPr>
+          <p:cNvPicPr>
+            <a:picLocks noChangeAspect="1"/>
+          </p:cNvPicPr>
+          <p:nvPr/>
+        </p:nvPicPr>
+        <p:blipFill>
+          <a:blip r:embed="rId4">
+            <a:extLst>
+              <a:ext uri="{28A0092B-C50C-407E-A947-70E740481C1C}">
+                <a14:useLocalDpi xmlns:a14="http://schemas.microsoft.com/office/drawing/2010/main" val="0"/>
+              </a:ext>
+            </a:extLst>
+          </a:blip>
+          <a:stretch>
+            <a:fillRect/>
+          </a:stretch>
+        </p:blipFill>
+        <p:spPr>
+          <a:xfrm>
+            <a:off x="5671457" y="681037"/>
+            <a:ext cx="681037" cy="681037"/>
+          </a:xfrm>
+          <a:prstGeom prst="rect">
+            <a:avLst/>
+          </a:prstGeom>
+        </p:spPr>
+      </p:pic>
+    </p:spTree>
+    <p:extLst>
+      <p:ext uri="{BB962C8B-B14F-4D97-AF65-F5344CB8AC3E}">
+        <p14:creationId xmlns:p14="http://schemas.microsoft.com/office/powerpoint/2010/main" val="3196319200"/>
+      </p:ext>
+    </p:extLst>
+  </p:cSld>
+  <p:clrMapOvr>
+    <a:masterClrMapping/>
+  </p:clrMapOvr>
+</p:sld>
+</file>
+
+<file path=ppt/slides/slide19.xml><?xml version="1.0" encoding="utf-8"?>
+<p:sld xmlns:a="http://schemas.openxmlformats.org/drawingml/2006/main" xmlns:r="http://schemas.openxmlformats.org/officeDocument/2006/relationships" xmlns:p="http://schemas.openxmlformats.org/presentationml/2006/main">
+  <p:cSld>
+    <p:spTree>
+      <p:nvGrpSpPr>
+        <p:cNvPr id="1" name=""/>
+        <p:cNvGrpSpPr/>
+        <p:nvPr/>
+      </p:nvGrpSpPr>
+      <p:grpSpPr>
+        <a:xfrm>
+          <a:off x="0" y="0"/>
+          <a:ext cx="0" cy="0"/>
+          <a:chOff x="0" y="0"/>
+          <a:chExt cx="0" cy="0"/>
+        </a:xfrm>
+      </p:grpSpPr>
+      <p:sp>
+        <p:nvSpPr>
+          <p:cNvPr id="2" name="Titel 1">
+            <a:extLst>
+              <a:ext uri="{FF2B5EF4-FFF2-40B4-BE49-F238E27FC236}">
+                <a16:creationId xmlns:a16="http://schemas.microsoft.com/office/drawing/2014/main" id="{54DD1F22-F9E9-4B87-96E3-705F97D06E1F}"/>
+              </a:ext>
+            </a:extLst>
+          </p:cNvPr>
+          <p:cNvSpPr>
+            <a:spLocks noGrp="1"/>
+          </p:cNvSpPr>
+          <p:nvPr>
+            <p:ph type="title"/>
+          </p:nvPr>
+        </p:nvSpPr>
+        <p:spPr/>
+        <p:txBody>
+          <a:bodyPr/>
+          <a:lstStyle/>
+          <a:p>
+            <a:r>
+              <a:rPr lang="de-DE" dirty="0"/>
+              <a:t>Backend - </a:t>
+            </a:r>
+            <a:r>
+              <a:rPr lang="de-DE" dirty="0" err="1"/>
+              <a:t>PyMongo</a:t>
+            </a:r>
+            <a:endParaRPr lang="de-DE" dirty="0"/>
+          </a:p>
+        </p:txBody>
+      </p:sp>
+      <p:sp>
+        <p:nvSpPr>
+          <p:cNvPr id="3" name="Inhaltsplatzhalter 2">
+            <a:extLst>
+              <a:ext uri="{FF2B5EF4-FFF2-40B4-BE49-F238E27FC236}">
+                <a16:creationId xmlns:a16="http://schemas.microsoft.com/office/drawing/2014/main" id="{20FACC3A-BF5D-48DF-9255-8942F43A3B0F}"/>
+              </a:ext>
+            </a:extLst>
+          </p:cNvPr>
+          <p:cNvSpPr>
+            <a:spLocks noGrp="1"/>
+          </p:cNvSpPr>
+          <p:nvPr>
+            <p:ph idx="1"/>
+          </p:nvPr>
+        </p:nvSpPr>
+        <p:spPr/>
+        <p:txBody>
+          <a:bodyPr/>
+          <a:lstStyle/>
+          <a:p>
+            <a:r>
+              <a:rPr lang="de-DE" dirty="0"/>
+              <a:t>Abfragen mit unterschiedlichen Methoden und Operatoren</a:t>
+            </a:r>
+          </a:p>
+        </p:txBody>
+      </p:sp>
+      <p:pic>
+        <p:nvPicPr>
+          <p:cNvPr id="5" name="Grafik 4">
+            <a:extLst>
+              <a:ext uri="{FF2B5EF4-FFF2-40B4-BE49-F238E27FC236}">
+                <a16:creationId xmlns:a16="http://schemas.microsoft.com/office/drawing/2014/main" id="{DB19E97F-2710-4D3F-A623-1A7799032E72}"/>
+              </a:ext>
+            </a:extLst>
+          </p:cNvPr>
+          <p:cNvPicPr>
+            <a:picLocks noChangeAspect="1"/>
+          </p:cNvPicPr>
+          <p:nvPr/>
+        </p:nvPicPr>
+        <p:blipFill>
+          <a:blip r:embed="rId2"/>
+          <a:stretch>
+            <a:fillRect/>
+          </a:stretch>
+        </p:blipFill>
+        <p:spPr>
+          <a:xfrm>
+            <a:off x="838200" y="4307313"/>
+            <a:ext cx="4434444" cy="241565"/>
+          </a:xfrm>
+          <a:prstGeom prst="rect">
+            <a:avLst/>
+          </a:prstGeom>
+        </p:spPr>
+      </p:pic>
+      <p:pic>
+        <p:nvPicPr>
+          <p:cNvPr id="6" name="Grafik 5">
+            <a:extLst>
+              <a:ext uri="{FF2B5EF4-FFF2-40B4-BE49-F238E27FC236}">
+                <a16:creationId xmlns:a16="http://schemas.microsoft.com/office/drawing/2014/main" id="{9886A935-B240-470A-A71A-C2DA292B044D}"/>
+              </a:ext>
+            </a:extLst>
+          </p:cNvPr>
+          <p:cNvPicPr>
+            <a:picLocks noChangeAspect="1"/>
+          </p:cNvPicPr>
+          <p:nvPr/>
+        </p:nvPicPr>
+        <p:blipFill>
+          <a:blip r:embed="rId3"/>
+          <a:stretch>
+            <a:fillRect/>
+          </a:stretch>
+        </p:blipFill>
+        <p:spPr>
+          <a:xfrm>
+            <a:off x="838200" y="2443771"/>
+            <a:ext cx="3163784" cy="1366179"/>
+          </a:xfrm>
+          <a:prstGeom prst="rect">
+            <a:avLst/>
+          </a:prstGeom>
+        </p:spPr>
+      </p:pic>
+      <p:pic>
+        <p:nvPicPr>
+          <p:cNvPr id="7" name="Grafik 6">
+            <a:extLst>
+              <a:ext uri="{FF2B5EF4-FFF2-40B4-BE49-F238E27FC236}">
+                <a16:creationId xmlns:a16="http://schemas.microsoft.com/office/drawing/2014/main" id="{A294AC3B-3261-42EB-99C1-B2F346B56FB3}"/>
+              </a:ext>
+            </a:extLst>
+          </p:cNvPr>
+          <p:cNvPicPr>
+            <a:picLocks noChangeAspect="1"/>
+          </p:cNvPicPr>
+          <p:nvPr/>
+        </p:nvPicPr>
+        <p:blipFill>
+          <a:blip r:embed="rId4"/>
+          <a:stretch>
+            <a:fillRect/>
+          </a:stretch>
+        </p:blipFill>
+        <p:spPr>
+          <a:xfrm>
+            <a:off x="838200" y="5290405"/>
+            <a:ext cx="4677888" cy="965278"/>
+          </a:xfrm>
+          <a:prstGeom prst="rect">
+            <a:avLst/>
+          </a:prstGeom>
+        </p:spPr>
+      </p:pic>
+      <p:sp>
+        <p:nvSpPr>
+          <p:cNvPr id="8" name="Pfeil: nach rechts 7">
+            <a:extLst>
+              <a:ext uri="{FF2B5EF4-FFF2-40B4-BE49-F238E27FC236}">
+                <a16:creationId xmlns:a16="http://schemas.microsoft.com/office/drawing/2014/main" id="{21B3A4D5-3566-4BC0-8801-89FF83ABECDB}"/>
+              </a:ext>
+            </a:extLst>
+          </p:cNvPr>
+          <p:cNvSpPr/>
+          <p:nvPr/>
+        </p:nvSpPr>
+        <p:spPr>
+          <a:xfrm>
+            <a:off x="5921335" y="2668312"/>
+            <a:ext cx="1151906" cy="611398"/>
+          </a:xfrm>
+          <a:prstGeom prst="rightArrow">
+            <a:avLst/>
+          </a:prstGeom>
+        </p:spPr>
+        <p:style>
+          <a:lnRef idx="2">
+            <a:schemeClr val="accent4">
+              <a:shade val="50000"/>
+            </a:schemeClr>
+          </a:lnRef>
+          <a:fillRef idx="1">
+            <a:schemeClr val="accent4"/>
+          </a:fillRef>
+          <a:effectRef idx="0">
+            <a:schemeClr val="accent4"/>
+          </a:effectRef>
+          <a:fontRef idx="minor">
+            <a:schemeClr val="lt1"/>
+          </a:fontRef>
+        </p:style>
+        <p:txBody>
+          <a:bodyPr rtlCol="0" anchor="ctr"/>
+          <a:lstStyle/>
+          <a:p>
+            <a:pPr algn="ctr"/>
+            <a:endParaRPr lang="de-DE"/>
+          </a:p>
+        </p:txBody>
+      </p:sp>
+      <p:sp>
+        <p:nvSpPr>
+          <p:cNvPr id="10" name="Pfeil: nach rechts 9">
+            <a:extLst>
+              <a:ext uri="{FF2B5EF4-FFF2-40B4-BE49-F238E27FC236}">
+                <a16:creationId xmlns:a16="http://schemas.microsoft.com/office/drawing/2014/main" id="{2ED63647-9D2D-43DA-8C7F-DE37CF4FE34B}"/>
+              </a:ext>
+            </a:extLst>
+          </p:cNvPr>
+          <p:cNvSpPr/>
+          <p:nvPr/>
+        </p:nvSpPr>
+        <p:spPr>
+          <a:xfrm>
+            <a:off x="5921335" y="4122396"/>
+            <a:ext cx="1151906" cy="611398"/>
+          </a:xfrm>
+          <a:prstGeom prst="rightArrow">
+            <a:avLst/>
+          </a:prstGeom>
+        </p:spPr>
+        <p:style>
+          <a:lnRef idx="2">
+            <a:schemeClr val="accent4">
+              <a:shade val="50000"/>
+            </a:schemeClr>
+          </a:lnRef>
+          <a:fillRef idx="1">
+            <a:schemeClr val="accent4"/>
+          </a:fillRef>
+          <a:effectRef idx="0">
+            <a:schemeClr val="accent4"/>
+          </a:effectRef>
+          <a:fontRef idx="minor">
+            <a:schemeClr val="lt1"/>
+          </a:fontRef>
+        </p:style>
+        <p:txBody>
+          <a:bodyPr rtlCol="0" anchor="ctr"/>
+          <a:lstStyle/>
+          <a:p>
+            <a:pPr algn="ctr"/>
+            <a:endParaRPr lang="de-DE"/>
+          </a:p>
+        </p:txBody>
+      </p:sp>
+      <p:sp>
+        <p:nvSpPr>
+          <p:cNvPr id="11" name="Pfeil: nach rechts 10">
+            <a:extLst>
+              <a:ext uri="{FF2B5EF4-FFF2-40B4-BE49-F238E27FC236}">
+                <a16:creationId xmlns:a16="http://schemas.microsoft.com/office/drawing/2014/main" id="{CB11DA9E-1791-4216-A09B-ABEF506D3F65}"/>
+              </a:ext>
+            </a:extLst>
+          </p:cNvPr>
+          <p:cNvSpPr/>
+          <p:nvPr/>
+        </p:nvSpPr>
+        <p:spPr>
+          <a:xfrm>
+            <a:off x="5921335" y="5467345"/>
+            <a:ext cx="1151906" cy="611398"/>
+          </a:xfrm>
+          <a:prstGeom prst="rightArrow">
+            <a:avLst/>
+          </a:prstGeom>
+        </p:spPr>
+        <p:style>
+          <a:lnRef idx="2">
+            <a:schemeClr val="accent4">
+              <a:shade val="50000"/>
+            </a:schemeClr>
+          </a:lnRef>
+          <a:fillRef idx="1">
+            <a:schemeClr val="accent4"/>
+          </a:fillRef>
+          <a:effectRef idx="0">
+            <a:schemeClr val="accent4"/>
+          </a:effectRef>
+          <a:fontRef idx="minor">
+            <a:schemeClr val="lt1"/>
+          </a:fontRef>
+        </p:style>
+        <p:txBody>
+          <a:bodyPr rtlCol="0" anchor="ctr"/>
+          <a:lstStyle/>
+          <a:p>
+            <a:pPr algn="ctr"/>
+            <a:endParaRPr lang="de-DE"/>
+          </a:p>
+        </p:txBody>
+      </p:sp>
+      <p:sp>
+        <p:nvSpPr>
+          <p:cNvPr id="12" name="Textfeld 11">
+            <a:extLst>
+              <a:ext uri="{FF2B5EF4-FFF2-40B4-BE49-F238E27FC236}">
+                <a16:creationId xmlns:a16="http://schemas.microsoft.com/office/drawing/2014/main" id="{B6AF9169-36AE-475E-94DE-633A68E89F2E}"/>
+              </a:ext>
+            </a:extLst>
+          </p:cNvPr>
+          <p:cNvSpPr txBox="1"/>
+          <p:nvPr/>
+        </p:nvSpPr>
+        <p:spPr>
+          <a:xfrm>
+            <a:off x="7401795" y="2304436"/>
+            <a:ext cx="3544784" cy="4247317"/>
+          </a:xfrm>
+          <a:prstGeom prst="rect">
+            <a:avLst/>
+          </a:prstGeom>
+          <a:noFill/>
+        </p:spPr>
+        <p:txBody>
+          <a:bodyPr wrap="square" rtlCol="0">
+            <a:spAutoFit/>
+          </a:bodyPr>
+          <a:lstStyle/>
+          <a:p>
+            <a:r>
+              <a:rPr lang="de-DE" dirty="0" err="1"/>
+              <a:t>collection.find</a:t>
+            </a:r>
+            <a:r>
+              <a:rPr lang="de-DE" dirty="0"/>
+              <a:t>(&lt;</a:t>
+            </a:r>
+            <a:r>
+              <a:rPr lang="de-DE" dirty="0" err="1"/>
+              <a:t>filter</a:t>
+            </a:r>
+            <a:r>
+              <a:rPr lang="de-DE" dirty="0"/>
+              <a:t>&gt;)</a:t>
+            </a:r>
+          </a:p>
+          <a:p>
+            <a:r>
+              <a:rPr lang="de-DE" dirty="0"/>
+              <a:t>-&gt; gibt ALLE </a:t>
+            </a:r>
+            <a:r>
+              <a:rPr lang="de-DE" dirty="0" err="1"/>
+              <a:t>Objecte</a:t>
+            </a:r>
+            <a:r>
+              <a:rPr lang="de-DE" dirty="0"/>
+              <a:t> aus der  Collection aus </a:t>
+            </a:r>
+          </a:p>
+          <a:p>
+            <a:endParaRPr lang="de-DE" dirty="0"/>
+          </a:p>
+          <a:p>
+            <a:endParaRPr lang="de-DE" dirty="0"/>
+          </a:p>
+          <a:p>
+            <a:endParaRPr lang="de-DE" dirty="0"/>
+          </a:p>
+          <a:p>
+            <a:r>
+              <a:rPr lang="de-DE" dirty="0" err="1"/>
+              <a:t>collection.find_one</a:t>
+            </a:r>
+            <a:r>
+              <a:rPr lang="de-DE" dirty="0"/>
+              <a:t>(&lt;</a:t>
+            </a:r>
+            <a:r>
+              <a:rPr lang="de-DE" dirty="0" err="1"/>
+              <a:t>filter</a:t>
+            </a:r>
+            <a:r>
+              <a:rPr lang="de-DE" dirty="0"/>
+              <a:t>&gt;)</a:t>
+            </a:r>
+          </a:p>
+          <a:p>
+            <a:r>
+              <a:rPr lang="de-DE" dirty="0"/>
+              <a:t>-&gt; gibt 1 </a:t>
+            </a:r>
+            <a:r>
+              <a:rPr lang="de-DE" dirty="0" err="1"/>
+              <a:t>Object</a:t>
+            </a:r>
+            <a:r>
+              <a:rPr lang="de-DE" dirty="0"/>
+              <a:t> oder ‘‘None“ aus</a:t>
+            </a:r>
+          </a:p>
+          <a:p>
+            <a:endParaRPr lang="de-DE" dirty="0"/>
+          </a:p>
+          <a:p>
+            <a:endParaRPr lang="de-DE" dirty="0"/>
+          </a:p>
+          <a:p>
+            <a:r>
+              <a:rPr lang="de-DE" dirty="0" err="1"/>
+              <a:t>collection.aggregate</a:t>
+            </a:r>
+            <a:r>
+              <a:rPr lang="de-DE" dirty="0"/>
+              <a:t>() </a:t>
+            </a:r>
+          </a:p>
+          <a:p>
+            <a:r>
+              <a:rPr lang="de-DE" dirty="0"/>
+              <a:t>-&gt; hat speziellere Operatoren</a:t>
+            </a:r>
+          </a:p>
+          <a:p>
+            <a:r>
+              <a:rPr lang="de-DE" dirty="0"/>
+              <a:t>-&gt;{‘‘$sample‘‘:{‘size‘:1}} sorgt dafür das ein zufälliges </a:t>
+            </a:r>
+            <a:r>
+              <a:rPr lang="de-DE" dirty="0" err="1"/>
+              <a:t>Object</a:t>
+            </a:r>
+            <a:r>
+              <a:rPr lang="de-DE" dirty="0"/>
+              <a:t> ausgegeben wird</a:t>
+            </a:r>
+          </a:p>
+        </p:txBody>
+      </p:sp>
+      <p:pic>
+        <p:nvPicPr>
+          <p:cNvPr id="14" name="Grafik 13">
+            <a:extLst>
+              <a:ext uri="{FF2B5EF4-FFF2-40B4-BE49-F238E27FC236}">
+                <a16:creationId xmlns:a16="http://schemas.microsoft.com/office/drawing/2014/main" id="{E6313FDF-7C7F-492A-87AD-FA50B47E039B}"/>
+              </a:ext>
+            </a:extLst>
+          </p:cNvPr>
+          <p:cNvPicPr>
+            <a:picLocks noChangeAspect="1"/>
+          </p:cNvPicPr>
+          <p:nvPr/>
+        </p:nvPicPr>
+        <p:blipFill>
+          <a:blip r:embed="rId5">
+            <a:extLst>
+              <a:ext uri="{28A0092B-C50C-407E-A947-70E740481C1C}">
+                <a14:useLocalDpi xmlns:a14="http://schemas.microsoft.com/office/drawing/2010/main" val="0"/>
+              </a:ext>
+            </a:extLst>
+          </a:blip>
+          <a:stretch>
+            <a:fillRect/>
+          </a:stretch>
+        </p:blipFill>
+        <p:spPr>
+          <a:xfrm>
+            <a:off x="5671457" y="681037"/>
+            <a:ext cx="681037" cy="681037"/>
+          </a:xfrm>
+          <a:prstGeom prst="rect">
+            <a:avLst/>
+          </a:prstGeom>
+        </p:spPr>
+      </p:pic>
+    </p:spTree>
+    <p:extLst>
+      <p:ext uri="{BB962C8B-B14F-4D97-AF65-F5344CB8AC3E}">
+        <p14:creationId xmlns:p14="http://schemas.microsoft.com/office/powerpoint/2010/main" val="4274898465"/>
+      </p:ext>
+    </p:extLst>
+  </p:cSld>
+  <p:clrMapOvr>
+    <a:masterClrMapping/>
+  </p:clrMapOvr>
+</p:sld>
+</file>
+
+<file path=ppt/slides/slide2.xml><?xml version="1.0" encoding="utf-8"?>
+<p:sld xmlns:a="http://schemas.openxmlformats.org/drawingml/2006/main" xmlns:r="http://schemas.openxmlformats.org/officeDocument/2006/relationships" xmlns:p="http://schemas.openxmlformats.org/presentationml/2006/main">
+  <p:cSld>
+    <p:spTree>
+      <p:nvGrpSpPr>
+        <p:cNvPr id="1" name=""/>
+        <p:cNvGrpSpPr/>
+        <p:nvPr/>
+      </p:nvGrpSpPr>
+      <p:grpSpPr>
+        <a:xfrm>
+          <a:off x="0" y="0"/>
+          <a:ext cx="0" cy="0"/>
+          <a:chOff x="0" y="0"/>
+          <a:chExt cx="0" cy="0"/>
+        </a:xfrm>
+      </p:grpSpPr>
+      <p:sp>
+        <p:nvSpPr>
+          <p:cNvPr id="2" name="Titel 1">
+            <a:extLst>
+              <a:ext uri="{FF2B5EF4-FFF2-40B4-BE49-F238E27FC236}">
+                <a16:creationId xmlns:a16="http://schemas.microsoft.com/office/drawing/2014/main" id="{99C82A98-E628-4B7B-9B10-952C9B573DD3}"/>
+              </a:ext>
+            </a:extLst>
+          </p:cNvPr>
+          <p:cNvSpPr>
+            <a:spLocks noGrp="1"/>
+          </p:cNvSpPr>
+          <p:nvPr>
+            <p:ph type="title"/>
+          </p:nvPr>
+        </p:nvSpPr>
+        <p:spPr/>
+        <p:txBody>
+          <a:bodyPr/>
+          <a:lstStyle/>
+          <a:p>
+            <a:r>
+              <a:rPr lang="de-DE" dirty="0"/>
+              <a:t>Übersicht</a:t>
+            </a:r>
+          </a:p>
+        </p:txBody>
+      </p:sp>
+      <p:sp>
+        <p:nvSpPr>
+          <p:cNvPr id="3" name="Inhaltsplatzhalter 2">
+            <a:extLst>
+              <a:ext uri="{FF2B5EF4-FFF2-40B4-BE49-F238E27FC236}">
+                <a16:creationId xmlns:a16="http://schemas.microsoft.com/office/drawing/2014/main" id="{5DDABB0E-8935-4D8A-B739-27CCD77E3D6A}"/>
+              </a:ext>
+            </a:extLst>
+          </p:cNvPr>
+          <p:cNvSpPr>
+            <a:spLocks noGrp="1"/>
+          </p:cNvSpPr>
+          <p:nvPr>
+            <p:ph idx="1"/>
+          </p:nvPr>
+        </p:nvSpPr>
+        <p:spPr/>
+        <p:txBody>
+          <a:bodyPr>
+            <a:normAutofit fontScale="85000" lnSpcReduction="20000"/>
+          </a:bodyPr>
+          <a:lstStyle/>
+          <a:p>
+            <a:pPr marL="514350" indent="-514350">
+              <a:buFont typeface="+mj-lt"/>
+              <a:buAutoNum type="arabicPeriod"/>
+            </a:pPr>
+            <a:r>
+              <a:rPr lang="de-DE" dirty="0"/>
+              <a:t>Wer sind wir? </a:t>
+            </a:r>
+          </a:p>
+          <a:p>
+            <a:pPr marL="514350" indent="-514350">
+              <a:buFont typeface="+mj-lt"/>
+              <a:buAutoNum type="arabicPeriod"/>
+            </a:pPr>
+            <a:r>
+              <a:rPr lang="de-DE" dirty="0"/>
+              <a:t>Motivation</a:t>
+            </a:r>
+          </a:p>
+          <a:p>
+            <a:pPr marL="514350" indent="-514350">
+              <a:buFont typeface="+mj-lt"/>
+              <a:buAutoNum type="arabicPeriod"/>
+            </a:pPr>
+            <a:r>
+              <a:rPr lang="de-DE" dirty="0"/>
+              <a:t>Was ist Alias?</a:t>
+            </a:r>
+          </a:p>
+          <a:p>
+            <a:pPr marL="514350" indent="-514350">
+              <a:buFont typeface="+mj-lt"/>
+              <a:buAutoNum type="arabicPeriod"/>
+            </a:pPr>
+            <a:r>
+              <a:rPr lang="de-DE" dirty="0"/>
+              <a:t>Architektur</a:t>
+            </a:r>
+          </a:p>
+          <a:p>
+            <a:pPr marL="514350" indent="-514350">
+              <a:buFont typeface="+mj-lt"/>
+              <a:buAutoNum type="arabicPeriod"/>
+            </a:pPr>
+            <a:r>
+              <a:rPr lang="de-DE" dirty="0"/>
+              <a:t>Frontend</a:t>
+            </a:r>
+          </a:p>
+          <a:p>
+            <a:pPr marL="514350" indent="-514350">
+              <a:buFont typeface="+mj-lt"/>
+              <a:buAutoNum type="arabicPeriod"/>
+            </a:pPr>
+            <a:r>
+              <a:rPr lang="de-DE" dirty="0"/>
+              <a:t>Backend</a:t>
+            </a:r>
+          </a:p>
+          <a:p>
+            <a:pPr marL="514350" indent="-514350">
+              <a:buFont typeface="+mj-lt"/>
+              <a:buAutoNum type="arabicPeriod"/>
+            </a:pPr>
+            <a:r>
+              <a:rPr lang="de-DE" dirty="0"/>
+              <a:t>Correctness</a:t>
+            </a:r>
+          </a:p>
+          <a:p>
+            <a:pPr marL="514350" indent="-514350">
+              <a:buFont typeface="+mj-lt"/>
+              <a:buAutoNum type="arabicPeriod"/>
+            </a:pPr>
+            <a:r>
+              <a:rPr lang="de-DE" dirty="0" err="1"/>
+              <a:t>Deployment</a:t>
+            </a:r>
+            <a:r>
+              <a:rPr lang="de-DE" dirty="0"/>
+              <a:t> </a:t>
+            </a:r>
+          </a:p>
+          <a:p>
+            <a:pPr marL="514350" indent="-514350">
+              <a:buFont typeface="+mj-lt"/>
+              <a:buAutoNum type="arabicPeriod"/>
+            </a:pPr>
+            <a:r>
+              <a:rPr lang="de-DE" dirty="0"/>
+              <a:t>Fragen erstellen</a:t>
+            </a:r>
+          </a:p>
+          <a:p>
+            <a:pPr marL="514350" indent="-514350">
+              <a:buFont typeface="+mj-lt"/>
+              <a:buAutoNum type="arabicPeriod"/>
+            </a:pPr>
+            <a:r>
+              <a:rPr lang="de-DE" dirty="0"/>
+              <a:t>Erfahrungen und </a:t>
+            </a:r>
+            <a:r>
+              <a:rPr lang="de-DE" dirty="0" err="1"/>
+              <a:t>Learnings</a:t>
+            </a:r>
+            <a:endParaRPr lang="de-DE" dirty="0"/>
+          </a:p>
+          <a:p>
+            <a:pPr marL="514350" indent="-514350">
+              <a:buFont typeface="+mj-lt"/>
+              <a:buAutoNum type="arabicPeriod"/>
+            </a:pPr>
+            <a:r>
+              <a:rPr lang="de-DE" dirty="0"/>
+              <a:t>Ausblick</a:t>
+            </a:r>
+          </a:p>
+        </p:txBody>
+      </p:sp>
+    </p:spTree>
+    <p:extLst>
+      <p:ext uri="{BB962C8B-B14F-4D97-AF65-F5344CB8AC3E}">
+        <p14:creationId xmlns:p14="http://schemas.microsoft.com/office/powerpoint/2010/main" val="711087198"/>
+      </p:ext>
+    </p:extLst>
+  </p:cSld>
+  <p:clrMapOvr>
+    <a:masterClrMapping/>
+  </p:clrMapOvr>
+</p:sld>
+</file>
+
+<file path=ppt/slides/slide20.xml><?xml version="1.0" encoding="utf-8"?>
+<p:sld xmlns:a="http://schemas.openxmlformats.org/drawingml/2006/main" xmlns:r="http://schemas.openxmlformats.org/officeDocument/2006/relationships" xmlns:p="http://schemas.openxmlformats.org/presentationml/2006/main">
+  <p:cSld>
+    <p:spTree>
+      <p:nvGrpSpPr>
+        <p:cNvPr id="1" name=""/>
+        <p:cNvGrpSpPr/>
+        <p:nvPr/>
+      </p:nvGrpSpPr>
+      <p:grpSpPr>
+        <a:xfrm>
+          <a:off x="0" y="0"/>
+          <a:ext cx="0" cy="0"/>
+          <a:chOff x="0" y="0"/>
+          <a:chExt cx="0" cy="0"/>
+        </a:xfrm>
+      </p:grpSpPr>
+      <p:sp>
+        <p:nvSpPr>
+          <p:cNvPr id="2" name="Titel 1">
+            <a:extLst>
+              <a:ext uri="{FF2B5EF4-FFF2-40B4-BE49-F238E27FC236}">
                 <a16:creationId xmlns:a16="http://schemas.microsoft.com/office/drawing/2014/main" id="{75387745-372D-49E4-BF09-2A32DE0FF764}"/>
               </a:ext>
             </a:extLst>
@@ -6051,7 +7115,7 @@
 </p:sld>
 </file>
 
-<file path=ppt/slides/slide18.xml><?xml version="1.0" encoding="utf-8"?>
+<file path=ppt/slides/slide21.xml><?xml version="1.0" encoding="utf-8"?>
 <p:sld xmlns:a="http://schemas.openxmlformats.org/drawingml/2006/main" xmlns:r="http://schemas.openxmlformats.org/officeDocument/2006/relationships" xmlns:p="http://schemas.openxmlformats.org/presentationml/2006/main">
   <p:cSld>
     <p:spTree>
@@ -6396,7 +7460,7 @@
 </p:sld>
 </file>
 
-<file path=ppt/slides/slide19.xml><?xml version="1.0" encoding="utf-8"?>
+<file path=ppt/slides/slide22.xml><?xml version="1.0" encoding="utf-8"?>
 <p:sld xmlns:a="http://schemas.openxmlformats.org/drawingml/2006/main" xmlns:r="http://schemas.openxmlformats.org/officeDocument/2006/relationships" xmlns:p="http://schemas.openxmlformats.org/presentationml/2006/main">
   <p:cSld>
     <p:spTree>
@@ -6887,930 +7951,6 @@
 </p:sld>
 </file>
 
-<file path=ppt/slides/slide2.xml><?xml version="1.0" encoding="utf-8"?>
-<p:sld xmlns:a="http://schemas.openxmlformats.org/drawingml/2006/main" xmlns:r="http://schemas.openxmlformats.org/officeDocument/2006/relationships" xmlns:p="http://schemas.openxmlformats.org/presentationml/2006/main">
-  <p:cSld>
-    <p:spTree>
-      <p:nvGrpSpPr>
-        <p:cNvPr id="1" name=""/>
-        <p:cNvGrpSpPr/>
-        <p:nvPr/>
-      </p:nvGrpSpPr>
-      <p:grpSpPr>
-        <a:xfrm>
-          <a:off x="0" y="0"/>
-          <a:ext cx="0" cy="0"/>
-          <a:chOff x="0" y="0"/>
-          <a:chExt cx="0" cy="0"/>
-        </a:xfrm>
-      </p:grpSpPr>
-      <p:sp>
-        <p:nvSpPr>
-          <p:cNvPr id="2" name="Titel 1">
-            <a:extLst>
-              <a:ext uri="{FF2B5EF4-FFF2-40B4-BE49-F238E27FC236}">
-                <a16:creationId xmlns:a16="http://schemas.microsoft.com/office/drawing/2014/main" id="{99C82A98-E628-4B7B-9B10-952C9B573DD3}"/>
-              </a:ext>
-            </a:extLst>
-          </p:cNvPr>
-          <p:cNvSpPr>
-            <a:spLocks noGrp="1"/>
-          </p:cNvSpPr>
-          <p:nvPr>
-            <p:ph type="title"/>
-          </p:nvPr>
-        </p:nvSpPr>
-        <p:spPr/>
-        <p:txBody>
-          <a:bodyPr/>
-          <a:lstStyle/>
-          <a:p>
-            <a:r>
-              <a:rPr lang="de-DE" dirty="0"/>
-              <a:t>Übersicht</a:t>
-            </a:r>
-          </a:p>
-        </p:txBody>
-      </p:sp>
-      <p:sp>
-        <p:nvSpPr>
-          <p:cNvPr id="3" name="Inhaltsplatzhalter 2">
-            <a:extLst>
-              <a:ext uri="{FF2B5EF4-FFF2-40B4-BE49-F238E27FC236}">
-                <a16:creationId xmlns:a16="http://schemas.microsoft.com/office/drawing/2014/main" id="{5DDABB0E-8935-4D8A-B739-27CCD77E3D6A}"/>
-              </a:ext>
-            </a:extLst>
-          </p:cNvPr>
-          <p:cNvSpPr>
-            <a:spLocks noGrp="1"/>
-          </p:cNvSpPr>
-          <p:nvPr>
-            <p:ph idx="1"/>
-          </p:nvPr>
-        </p:nvSpPr>
-        <p:spPr/>
-        <p:txBody>
-          <a:bodyPr>
-            <a:normAutofit/>
-          </a:bodyPr>
-          <a:lstStyle/>
-          <a:p>
-            <a:pPr marL="514350" indent="-514350">
-              <a:buFont typeface="+mj-lt"/>
-              <a:buAutoNum type="arabicPeriod"/>
-            </a:pPr>
-            <a:r>
-              <a:rPr lang="de-DE" dirty="0"/>
-              <a:t>Was ist Alias?</a:t>
-            </a:r>
-          </a:p>
-          <a:p>
-            <a:pPr marL="514350" indent="-514350">
-              <a:buFont typeface="+mj-lt"/>
-              <a:buAutoNum type="arabicPeriod"/>
-            </a:pPr>
-            <a:r>
-              <a:rPr lang="de-DE" dirty="0"/>
-              <a:t>Frontend</a:t>
-            </a:r>
-          </a:p>
-          <a:p>
-            <a:pPr marL="514350" indent="-514350">
-              <a:buFont typeface="+mj-lt"/>
-              <a:buAutoNum type="arabicPeriod"/>
-            </a:pPr>
-            <a:r>
-              <a:rPr lang="de-DE" dirty="0"/>
-              <a:t>Backend</a:t>
-            </a:r>
-          </a:p>
-          <a:p>
-            <a:pPr marL="514350" indent="-514350">
-              <a:buFont typeface="+mj-lt"/>
-              <a:buAutoNum type="arabicPeriod"/>
-            </a:pPr>
-            <a:r>
-              <a:rPr lang="de-DE" dirty="0"/>
-              <a:t>Correctness</a:t>
-            </a:r>
-          </a:p>
-          <a:p>
-            <a:pPr marL="514350" indent="-514350">
-              <a:buFont typeface="+mj-lt"/>
-              <a:buAutoNum type="arabicPeriod"/>
-            </a:pPr>
-            <a:r>
-              <a:rPr lang="de-DE" dirty="0" err="1"/>
-              <a:t>Deployment</a:t>
-            </a:r>
-            <a:r>
-              <a:rPr lang="de-DE" dirty="0"/>
-              <a:t> </a:t>
-            </a:r>
-          </a:p>
-          <a:p>
-            <a:pPr marL="514350" indent="-514350">
-              <a:buFont typeface="+mj-lt"/>
-              <a:buAutoNum type="arabicPeriod"/>
-            </a:pPr>
-            <a:r>
-              <a:rPr lang="de-DE" dirty="0"/>
-              <a:t>Fragen erstellen</a:t>
-            </a:r>
-          </a:p>
-          <a:p>
-            <a:pPr marL="514350" indent="-514350">
-              <a:buFont typeface="+mj-lt"/>
-              <a:buAutoNum type="arabicPeriod"/>
-            </a:pPr>
-            <a:r>
-              <a:rPr lang="de-DE" dirty="0"/>
-              <a:t>Erfahrungen und </a:t>
-            </a:r>
-            <a:r>
-              <a:rPr lang="de-DE" dirty="0" err="1"/>
-              <a:t>Learnings</a:t>
-            </a:r>
-            <a:endParaRPr lang="de-DE" dirty="0"/>
-          </a:p>
-          <a:p>
-            <a:pPr marL="514350" indent="-514350">
-              <a:buFont typeface="+mj-lt"/>
-              <a:buAutoNum type="arabicPeriod"/>
-            </a:pPr>
-            <a:r>
-              <a:rPr lang="de-DE" dirty="0"/>
-              <a:t>Ausblick</a:t>
-            </a:r>
-          </a:p>
-        </p:txBody>
-      </p:sp>
-    </p:spTree>
-    <p:extLst>
-      <p:ext uri="{BB962C8B-B14F-4D97-AF65-F5344CB8AC3E}">
-        <p14:creationId xmlns:p14="http://schemas.microsoft.com/office/powerpoint/2010/main" val="711087198"/>
-      </p:ext>
-    </p:extLst>
-  </p:cSld>
-  <p:clrMapOvr>
-    <a:masterClrMapping/>
-  </p:clrMapOvr>
-</p:sld>
-</file>
-
-<file path=ppt/slides/slide20.xml><?xml version="1.0" encoding="utf-8"?>
-<p:sld xmlns:a="http://schemas.openxmlformats.org/drawingml/2006/main" xmlns:r="http://schemas.openxmlformats.org/officeDocument/2006/relationships" xmlns:p="http://schemas.openxmlformats.org/presentationml/2006/main">
-  <p:cSld>
-    <p:spTree>
-      <p:nvGrpSpPr>
-        <p:cNvPr id="1" name=""/>
-        <p:cNvGrpSpPr/>
-        <p:nvPr/>
-      </p:nvGrpSpPr>
-      <p:grpSpPr>
-        <a:xfrm>
-          <a:off x="0" y="0"/>
-          <a:ext cx="0" cy="0"/>
-          <a:chOff x="0" y="0"/>
-          <a:chExt cx="0" cy="0"/>
-        </a:xfrm>
-      </p:grpSpPr>
-      <p:sp>
-        <p:nvSpPr>
-          <p:cNvPr id="2" name="Titel 1">
-            <a:extLst>
-              <a:ext uri="{FF2B5EF4-FFF2-40B4-BE49-F238E27FC236}">
-                <a16:creationId xmlns:a16="http://schemas.microsoft.com/office/drawing/2014/main" id="{1652A75A-517A-49FC-9DFE-880D13AE9D7E}"/>
-              </a:ext>
-            </a:extLst>
-          </p:cNvPr>
-          <p:cNvSpPr>
-            <a:spLocks noGrp="1"/>
-          </p:cNvSpPr>
-          <p:nvPr>
-            <p:ph type="title"/>
-          </p:nvPr>
-        </p:nvSpPr>
-        <p:spPr/>
-        <p:txBody>
-          <a:bodyPr/>
-          <a:lstStyle/>
-          <a:p>
-            <a:r>
-              <a:rPr lang="de-DE" dirty="0" err="1"/>
-              <a:t>Deployment</a:t>
-            </a:r>
-            <a:r>
-              <a:rPr lang="de-DE" dirty="0"/>
-              <a:t> - Docker</a:t>
-            </a:r>
-          </a:p>
-        </p:txBody>
-      </p:sp>
-      <p:sp>
-        <p:nvSpPr>
-          <p:cNvPr id="3" name="Inhaltsplatzhalter 2">
-            <a:extLst>
-              <a:ext uri="{FF2B5EF4-FFF2-40B4-BE49-F238E27FC236}">
-                <a16:creationId xmlns:a16="http://schemas.microsoft.com/office/drawing/2014/main" id="{033B634A-C420-4BC8-9E3D-3A9865E52BCD}"/>
-              </a:ext>
-            </a:extLst>
-          </p:cNvPr>
-          <p:cNvSpPr>
-            <a:spLocks noGrp="1"/>
-          </p:cNvSpPr>
-          <p:nvPr>
-            <p:ph idx="1"/>
-          </p:nvPr>
-        </p:nvSpPr>
-        <p:spPr/>
-        <p:txBody>
-          <a:bodyPr/>
-          <a:lstStyle/>
-          <a:p>
-            <a:r>
-              <a:rPr lang="de-DE" dirty="0"/>
-              <a:t>Docker bietet die Möglichkeit Container laufen zu lassen</a:t>
-            </a:r>
-          </a:p>
-          <a:p>
-            <a:r>
-              <a:rPr lang="de-DE" dirty="0"/>
-              <a:t>Applikationen laufen isoliert (Write </a:t>
-            </a:r>
-            <a:r>
-              <a:rPr lang="de-DE" dirty="0" err="1"/>
-              <a:t>once</a:t>
-            </a:r>
-            <a:r>
-              <a:rPr lang="de-DE" dirty="0"/>
-              <a:t> – </a:t>
-            </a:r>
-            <a:r>
-              <a:rPr lang="de-DE" dirty="0" err="1"/>
-              <a:t>run</a:t>
-            </a:r>
-            <a:r>
-              <a:rPr lang="de-DE" dirty="0"/>
-              <a:t> </a:t>
-            </a:r>
-            <a:r>
-              <a:rPr lang="de-DE" dirty="0" err="1"/>
-              <a:t>everywhere</a:t>
-            </a:r>
-            <a:r>
-              <a:rPr lang="de-DE" dirty="0"/>
-              <a:t>)</a:t>
-            </a:r>
-          </a:p>
-        </p:txBody>
-      </p:sp>
-      <p:pic>
-        <p:nvPicPr>
-          <p:cNvPr id="5" name="Grafik 4">
-            <a:extLst>
-              <a:ext uri="{FF2B5EF4-FFF2-40B4-BE49-F238E27FC236}">
-                <a16:creationId xmlns:a16="http://schemas.microsoft.com/office/drawing/2014/main" id="{2F5CABE4-FD28-4D7A-8FB0-BCA068EB5C76}"/>
-              </a:ext>
-            </a:extLst>
-          </p:cNvPr>
-          <p:cNvPicPr>
-            <a:picLocks noChangeAspect="1"/>
-          </p:cNvPicPr>
-          <p:nvPr/>
-        </p:nvPicPr>
-        <p:blipFill>
-          <a:blip r:embed="rId2">
-            <a:extLst>
-              <a:ext uri="{28A0092B-C50C-407E-A947-70E740481C1C}">
-                <a14:useLocalDpi xmlns:a14="http://schemas.microsoft.com/office/drawing/2010/main" val="0"/>
-              </a:ext>
-            </a:extLst>
-          </a:blip>
-          <a:stretch>
-            <a:fillRect/>
-          </a:stretch>
-        </p:blipFill>
-        <p:spPr>
-          <a:xfrm>
-            <a:off x="5963490" y="579811"/>
-            <a:ext cx="1029093" cy="738002"/>
-          </a:xfrm>
-          <a:prstGeom prst="rect">
-            <a:avLst/>
-          </a:prstGeom>
-        </p:spPr>
-      </p:pic>
-      <p:pic>
-        <p:nvPicPr>
-          <p:cNvPr id="7" name="Grafik 6">
-            <a:extLst>
-              <a:ext uri="{FF2B5EF4-FFF2-40B4-BE49-F238E27FC236}">
-                <a16:creationId xmlns:a16="http://schemas.microsoft.com/office/drawing/2014/main" id="{C5E03BE3-B671-4BDC-B5A1-A21F6740257F}"/>
-              </a:ext>
-            </a:extLst>
-          </p:cNvPr>
-          <p:cNvPicPr>
-            <a:picLocks noChangeAspect="1"/>
-          </p:cNvPicPr>
-          <p:nvPr/>
-        </p:nvPicPr>
-        <p:blipFill>
-          <a:blip r:embed="rId3">
-            <a:extLst>
-              <a:ext uri="{28A0092B-C50C-407E-A947-70E740481C1C}">
-                <a14:useLocalDpi xmlns:a14="http://schemas.microsoft.com/office/drawing/2010/main" val="0"/>
-              </a:ext>
-            </a:extLst>
-          </a:blip>
-          <a:stretch>
-            <a:fillRect/>
-          </a:stretch>
-        </p:blipFill>
-        <p:spPr>
-          <a:xfrm>
-            <a:off x="2974880" y="3254197"/>
-            <a:ext cx="6084796" cy="2586038"/>
-          </a:xfrm>
-          <a:prstGeom prst="rect">
-            <a:avLst/>
-          </a:prstGeom>
-        </p:spPr>
-      </p:pic>
-    </p:spTree>
-    <p:extLst>
-      <p:ext uri="{BB962C8B-B14F-4D97-AF65-F5344CB8AC3E}">
-        <p14:creationId xmlns:p14="http://schemas.microsoft.com/office/powerpoint/2010/main" val="2975552440"/>
-      </p:ext>
-    </p:extLst>
-  </p:cSld>
-  <p:clrMapOvr>
-    <a:masterClrMapping/>
-  </p:clrMapOvr>
-</p:sld>
-</file>
-
-<file path=ppt/slides/slide21.xml><?xml version="1.0" encoding="utf-8"?>
-<p:sld xmlns:a="http://schemas.openxmlformats.org/drawingml/2006/main" xmlns:r="http://schemas.openxmlformats.org/officeDocument/2006/relationships" xmlns:p="http://schemas.openxmlformats.org/presentationml/2006/main">
-  <p:cSld>
-    <p:spTree>
-      <p:nvGrpSpPr>
-        <p:cNvPr id="1" name=""/>
-        <p:cNvGrpSpPr/>
-        <p:nvPr/>
-      </p:nvGrpSpPr>
-      <p:grpSpPr>
-        <a:xfrm>
-          <a:off x="0" y="0"/>
-          <a:ext cx="0" cy="0"/>
-          <a:chOff x="0" y="0"/>
-          <a:chExt cx="0" cy="0"/>
-        </a:xfrm>
-      </p:grpSpPr>
-      <p:sp>
-        <p:nvSpPr>
-          <p:cNvPr id="2" name="Titel 1">
-            <a:extLst>
-              <a:ext uri="{FF2B5EF4-FFF2-40B4-BE49-F238E27FC236}">
-                <a16:creationId xmlns:a16="http://schemas.microsoft.com/office/drawing/2014/main" id="{1652A75A-517A-49FC-9DFE-880D13AE9D7E}"/>
-              </a:ext>
-            </a:extLst>
-          </p:cNvPr>
-          <p:cNvSpPr>
-            <a:spLocks noGrp="1"/>
-          </p:cNvSpPr>
-          <p:nvPr>
-            <p:ph type="title"/>
-          </p:nvPr>
-        </p:nvSpPr>
-        <p:spPr/>
-        <p:txBody>
-          <a:bodyPr/>
-          <a:lstStyle/>
-          <a:p>
-            <a:r>
-              <a:rPr lang="de-DE" dirty="0" err="1"/>
-              <a:t>Deployment</a:t>
-            </a:r>
-            <a:r>
-              <a:rPr lang="de-DE" dirty="0"/>
-              <a:t> - Docker</a:t>
-            </a:r>
-          </a:p>
-        </p:txBody>
-      </p:sp>
-      <p:pic>
-        <p:nvPicPr>
-          <p:cNvPr id="4" name="Grafik 3">
-            <a:extLst>
-              <a:ext uri="{FF2B5EF4-FFF2-40B4-BE49-F238E27FC236}">
-                <a16:creationId xmlns:a16="http://schemas.microsoft.com/office/drawing/2014/main" id="{4757867C-0822-4598-AC7E-51E5F8ACBD98}"/>
-              </a:ext>
-            </a:extLst>
-          </p:cNvPr>
-          <p:cNvPicPr>
-            <a:picLocks noChangeAspect="1"/>
-          </p:cNvPicPr>
-          <p:nvPr/>
-        </p:nvPicPr>
-        <p:blipFill>
-          <a:blip r:embed="rId2"/>
-          <a:stretch>
-            <a:fillRect/>
-          </a:stretch>
-        </p:blipFill>
-        <p:spPr>
-          <a:xfrm>
-            <a:off x="838200" y="2393858"/>
-            <a:ext cx="5021414" cy="3294250"/>
-          </a:xfrm>
-          <a:prstGeom prst="rect">
-            <a:avLst/>
-          </a:prstGeom>
-        </p:spPr>
-      </p:pic>
-      <p:sp>
-        <p:nvSpPr>
-          <p:cNvPr id="5" name="Textfeld 4">
-            <a:extLst>
-              <a:ext uri="{FF2B5EF4-FFF2-40B4-BE49-F238E27FC236}">
-                <a16:creationId xmlns:a16="http://schemas.microsoft.com/office/drawing/2014/main" id="{2A900941-8EC9-4262-A805-17873677D4D9}"/>
-              </a:ext>
-            </a:extLst>
-          </p:cNvPr>
-          <p:cNvSpPr txBox="1"/>
-          <p:nvPr/>
-        </p:nvSpPr>
-        <p:spPr>
-          <a:xfrm>
-            <a:off x="838200" y="1955804"/>
-            <a:ext cx="2039471" cy="369332"/>
-          </a:xfrm>
-          <a:prstGeom prst="rect">
-            <a:avLst/>
-          </a:prstGeom>
-          <a:noFill/>
-        </p:spPr>
-        <p:txBody>
-          <a:bodyPr wrap="square" rtlCol="0">
-            <a:spAutoFit/>
-          </a:bodyPr>
-          <a:lstStyle/>
-          <a:p>
-            <a:r>
-              <a:rPr lang="de-DE" dirty="0" err="1"/>
-              <a:t>Dockerfile</a:t>
-            </a:r>
-            <a:endParaRPr lang="de-DE" dirty="0"/>
-          </a:p>
-        </p:txBody>
-      </p:sp>
-      <p:sp>
-        <p:nvSpPr>
-          <p:cNvPr id="6" name="Textfeld 5">
-            <a:extLst>
-              <a:ext uri="{FF2B5EF4-FFF2-40B4-BE49-F238E27FC236}">
-                <a16:creationId xmlns:a16="http://schemas.microsoft.com/office/drawing/2014/main" id="{C3F7551C-F3A8-4AF7-9451-BB5E346C96C7}"/>
-              </a:ext>
-            </a:extLst>
-          </p:cNvPr>
-          <p:cNvSpPr txBox="1"/>
-          <p:nvPr/>
-        </p:nvSpPr>
-        <p:spPr>
-          <a:xfrm>
-            <a:off x="6736976" y="1889312"/>
-            <a:ext cx="4740089" cy="5078313"/>
-          </a:xfrm>
-          <a:prstGeom prst="rect">
-            <a:avLst/>
-          </a:prstGeom>
-          <a:noFill/>
-        </p:spPr>
-        <p:txBody>
-          <a:bodyPr wrap="square" rtlCol="0">
-            <a:spAutoFit/>
-          </a:bodyPr>
-          <a:lstStyle/>
-          <a:p>
-            <a:r>
-              <a:rPr lang="de-DE" dirty="0"/>
-              <a:t>Zeile 1: </a:t>
-            </a:r>
-          </a:p>
-          <a:p>
-            <a:pPr marL="285750" indent="-285750">
-              <a:buFont typeface="Arial" panose="020B0604020202020204" pitchFamily="34" charset="0"/>
-              <a:buChar char="•"/>
-            </a:pPr>
-            <a:r>
-              <a:rPr lang="de-DE" dirty="0" err="1"/>
-              <a:t>Baseimage</a:t>
-            </a:r>
-            <a:r>
-              <a:rPr lang="de-DE" dirty="0"/>
-              <a:t> von Docker-Hub</a:t>
-            </a:r>
-          </a:p>
-          <a:p>
-            <a:pPr marL="285750" indent="-285750">
-              <a:buFont typeface="Arial" panose="020B0604020202020204" pitchFamily="34" charset="0"/>
-              <a:buChar char="•"/>
-            </a:pPr>
-            <a:endParaRPr lang="de-DE" dirty="0"/>
-          </a:p>
-          <a:p>
-            <a:r>
-              <a:rPr lang="de-DE" dirty="0"/>
-              <a:t>Zeile 3 ff.:</a:t>
-            </a:r>
-          </a:p>
-          <a:p>
-            <a:pPr marL="285750" indent="-285750">
-              <a:buFont typeface="Arial" panose="020B0604020202020204" pitchFamily="34" charset="0"/>
-              <a:buChar char="•"/>
-            </a:pPr>
-            <a:r>
-              <a:rPr lang="de-DE" dirty="0"/>
-              <a:t>Was soll gemacht werden ? Meisten z.B. kopieren von Dateien etc.</a:t>
-            </a:r>
-          </a:p>
-          <a:p>
-            <a:pPr marL="285750" indent="-285750">
-              <a:buFont typeface="Arial" panose="020B0604020202020204" pitchFamily="34" charset="0"/>
-              <a:buChar char="•"/>
-            </a:pPr>
-            <a:endParaRPr lang="de-DE" dirty="0"/>
-          </a:p>
-          <a:p>
-            <a:r>
-              <a:rPr lang="de-DE" dirty="0"/>
-              <a:t>Zeile 16 &amp; 17:</a:t>
-            </a:r>
-          </a:p>
-          <a:p>
-            <a:pPr marL="285750" indent="-285750">
-              <a:buFont typeface="Arial" panose="020B0604020202020204" pitchFamily="34" charset="0"/>
-              <a:buChar char="•"/>
-            </a:pPr>
-            <a:r>
-              <a:rPr lang="de-DE" dirty="0"/>
-              <a:t>Wie soll der Container bzw. die </a:t>
-            </a:r>
-            <a:r>
-              <a:rPr lang="de-DE" dirty="0" err="1"/>
-              <a:t>Apllikation</a:t>
-            </a:r>
-            <a:r>
-              <a:rPr lang="de-DE" dirty="0"/>
-              <a:t> die im Container läuft gestartet werden?</a:t>
-            </a:r>
-          </a:p>
-          <a:p>
-            <a:pPr marL="285750" indent="-285750">
-              <a:buFont typeface="Arial" panose="020B0604020202020204" pitchFamily="34" charset="0"/>
-              <a:buChar char="•"/>
-            </a:pPr>
-            <a:endParaRPr lang="de-DE" dirty="0"/>
-          </a:p>
-          <a:p>
-            <a:endParaRPr lang="de-DE" dirty="0"/>
-          </a:p>
-          <a:p>
-            <a:r>
-              <a:rPr lang="de-DE" dirty="0"/>
-              <a:t>Docker-Container muss vor dem starten gebaut werden:</a:t>
-            </a:r>
-          </a:p>
-          <a:p>
-            <a:pPr marL="285750" indent="-285750">
-              <a:buFont typeface="Arial" panose="020B0604020202020204" pitchFamily="34" charset="0"/>
-              <a:buChar char="•"/>
-            </a:pPr>
-            <a:r>
-              <a:rPr lang="de-DE" dirty="0" err="1"/>
-              <a:t>docker</a:t>
-            </a:r>
-            <a:r>
-              <a:rPr lang="de-DE" dirty="0"/>
-              <a:t> </a:t>
-            </a:r>
-            <a:r>
-              <a:rPr lang="de-DE" dirty="0" err="1"/>
-              <a:t>build</a:t>
-            </a:r>
-            <a:r>
-              <a:rPr lang="de-DE" dirty="0"/>
-              <a:t> .</a:t>
-            </a:r>
-          </a:p>
-          <a:p>
-            <a:pPr marL="285750" indent="-285750">
-              <a:buFont typeface="Arial" panose="020B0604020202020204" pitchFamily="34" charset="0"/>
-              <a:buChar char="•"/>
-            </a:pPr>
-            <a:r>
-              <a:rPr lang="de-DE" dirty="0" err="1"/>
-              <a:t>docker</a:t>
-            </a:r>
-            <a:r>
-              <a:rPr lang="de-DE" dirty="0"/>
-              <a:t> </a:t>
-            </a:r>
-            <a:r>
-              <a:rPr lang="de-DE" dirty="0" err="1"/>
-              <a:t>run</a:t>
-            </a:r>
-            <a:r>
-              <a:rPr lang="de-DE" dirty="0"/>
-              <a:t> &lt;</a:t>
-            </a:r>
-            <a:r>
-              <a:rPr lang="de-DE" dirty="0" err="1"/>
-              <a:t>containername</a:t>
-            </a:r>
-            <a:r>
-              <a:rPr lang="de-DE" dirty="0"/>
-              <a:t>&gt; --parameter</a:t>
-            </a:r>
-          </a:p>
-          <a:p>
-            <a:pPr marL="285750" indent="-285750">
-              <a:buFont typeface="Arial" panose="020B0604020202020204" pitchFamily="34" charset="0"/>
-              <a:buChar char="•"/>
-            </a:pPr>
-            <a:endParaRPr lang="de-DE" dirty="0"/>
-          </a:p>
-          <a:p>
-            <a:endParaRPr lang="de-DE" dirty="0"/>
-          </a:p>
-        </p:txBody>
-      </p:sp>
-      <p:pic>
-        <p:nvPicPr>
-          <p:cNvPr id="7" name="Grafik 6">
-            <a:extLst>
-              <a:ext uri="{FF2B5EF4-FFF2-40B4-BE49-F238E27FC236}">
-                <a16:creationId xmlns:a16="http://schemas.microsoft.com/office/drawing/2014/main" id="{FA0E1C2A-9C72-4062-BF83-184FC3CA34E5}"/>
-              </a:ext>
-            </a:extLst>
-          </p:cNvPr>
-          <p:cNvPicPr>
-            <a:picLocks noChangeAspect="1"/>
-          </p:cNvPicPr>
-          <p:nvPr/>
-        </p:nvPicPr>
-        <p:blipFill>
-          <a:blip r:embed="rId3">
-            <a:extLst>
-              <a:ext uri="{28A0092B-C50C-407E-A947-70E740481C1C}">
-                <a14:useLocalDpi xmlns:a14="http://schemas.microsoft.com/office/drawing/2010/main" val="0"/>
-              </a:ext>
-            </a:extLst>
-          </a:blip>
-          <a:stretch>
-            <a:fillRect/>
-          </a:stretch>
-        </p:blipFill>
-        <p:spPr>
-          <a:xfrm>
-            <a:off x="5963490" y="579811"/>
-            <a:ext cx="1029093" cy="738002"/>
-          </a:xfrm>
-          <a:prstGeom prst="rect">
-            <a:avLst/>
-          </a:prstGeom>
-        </p:spPr>
-      </p:pic>
-    </p:spTree>
-    <p:extLst>
-      <p:ext uri="{BB962C8B-B14F-4D97-AF65-F5344CB8AC3E}">
-        <p14:creationId xmlns:p14="http://schemas.microsoft.com/office/powerpoint/2010/main" val="755138536"/>
-      </p:ext>
-    </p:extLst>
-  </p:cSld>
-  <p:clrMapOvr>
-    <a:masterClrMapping/>
-  </p:clrMapOvr>
-</p:sld>
-</file>
-
-<file path=ppt/slides/slide22.xml><?xml version="1.0" encoding="utf-8"?>
-<p:sld xmlns:a="http://schemas.openxmlformats.org/drawingml/2006/main" xmlns:r="http://schemas.openxmlformats.org/officeDocument/2006/relationships" xmlns:p="http://schemas.openxmlformats.org/presentationml/2006/main">
-  <p:cSld>
-    <p:spTree>
-      <p:nvGrpSpPr>
-        <p:cNvPr id="1" name=""/>
-        <p:cNvGrpSpPr/>
-        <p:nvPr/>
-      </p:nvGrpSpPr>
-      <p:grpSpPr>
-        <a:xfrm>
-          <a:off x="0" y="0"/>
-          <a:ext cx="0" cy="0"/>
-          <a:chOff x="0" y="0"/>
-          <a:chExt cx="0" cy="0"/>
-        </a:xfrm>
-      </p:grpSpPr>
-      <p:sp>
-        <p:nvSpPr>
-          <p:cNvPr id="2" name="Titel 1">
-            <a:extLst>
-              <a:ext uri="{FF2B5EF4-FFF2-40B4-BE49-F238E27FC236}">
-                <a16:creationId xmlns:a16="http://schemas.microsoft.com/office/drawing/2014/main" id="{77BC4923-0709-4E63-9C32-24DE59E947BB}"/>
-              </a:ext>
-            </a:extLst>
-          </p:cNvPr>
-          <p:cNvSpPr>
-            <a:spLocks noGrp="1"/>
-          </p:cNvSpPr>
-          <p:nvPr>
-            <p:ph type="title"/>
-          </p:nvPr>
-        </p:nvSpPr>
-        <p:spPr/>
-        <p:txBody>
-          <a:bodyPr/>
-          <a:lstStyle/>
-          <a:p>
-            <a:r>
-              <a:rPr lang="de-DE" dirty="0" err="1"/>
-              <a:t>Deployment</a:t>
-            </a:r>
-            <a:r>
-              <a:rPr lang="de-DE" dirty="0"/>
-              <a:t> - Docker</a:t>
-            </a:r>
-          </a:p>
-        </p:txBody>
-      </p:sp>
-      <p:pic>
-        <p:nvPicPr>
-          <p:cNvPr id="4" name="Grafik 3">
-            <a:extLst>
-              <a:ext uri="{FF2B5EF4-FFF2-40B4-BE49-F238E27FC236}">
-                <a16:creationId xmlns:a16="http://schemas.microsoft.com/office/drawing/2014/main" id="{0FE1AB54-15D9-45B9-9CC7-94D08F74D5E8}"/>
-              </a:ext>
-            </a:extLst>
-          </p:cNvPr>
-          <p:cNvPicPr>
-            <a:picLocks noChangeAspect="1"/>
-          </p:cNvPicPr>
-          <p:nvPr/>
-        </p:nvPicPr>
-        <p:blipFill>
-          <a:blip r:embed="rId2"/>
-          <a:stretch>
-            <a:fillRect/>
-          </a:stretch>
-        </p:blipFill>
-        <p:spPr>
-          <a:xfrm>
-            <a:off x="638144" y="1344704"/>
-            <a:ext cx="3671903" cy="5148171"/>
-          </a:xfrm>
-          <a:prstGeom prst="rect">
-            <a:avLst/>
-          </a:prstGeom>
-        </p:spPr>
-      </p:pic>
-      <p:sp>
-        <p:nvSpPr>
-          <p:cNvPr id="5" name="Textfeld 4">
-            <a:extLst>
-              <a:ext uri="{FF2B5EF4-FFF2-40B4-BE49-F238E27FC236}">
-                <a16:creationId xmlns:a16="http://schemas.microsoft.com/office/drawing/2014/main" id="{B9DA228E-0C20-4BF4-9B2A-BCBBF576C61A}"/>
-              </a:ext>
-            </a:extLst>
-          </p:cNvPr>
-          <p:cNvSpPr txBox="1"/>
-          <p:nvPr/>
-        </p:nvSpPr>
-        <p:spPr>
-          <a:xfrm>
-            <a:off x="5264524" y="1465729"/>
-            <a:ext cx="4719917" cy="2031325"/>
-          </a:xfrm>
-          <a:prstGeom prst="rect">
-            <a:avLst/>
-          </a:prstGeom>
-          <a:noFill/>
-        </p:spPr>
-        <p:txBody>
-          <a:bodyPr wrap="square" rtlCol="0">
-            <a:spAutoFit/>
-          </a:bodyPr>
-          <a:lstStyle/>
-          <a:p>
-            <a:r>
-              <a:rPr lang="de-DE" dirty="0"/>
-              <a:t>Zeile 1- 21:</a:t>
-            </a:r>
-          </a:p>
-          <a:p>
-            <a:pPr marL="285750" indent="-285750">
-              <a:buFont typeface="Arial" panose="020B0604020202020204" pitchFamily="34" charset="0"/>
-              <a:buChar char="•"/>
-            </a:pPr>
-            <a:r>
-              <a:rPr lang="de-DE" dirty="0" err="1"/>
-              <a:t>Build</a:t>
-            </a:r>
-            <a:r>
-              <a:rPr lang="de-DE" dirty="0"/>
-              <a:t>-Container, welche die Applikation im Voraus ‘‘</a:t>
-            </a:r>
-            <a:r>
-              <a:rPr lang="de-DE" dirty="0" err="1"/>
-              <a:t>compiliert</a:t>
-            </a:r>
-            <a:r>
-              <a:rPr lang="de-DE" dirty="0"/>
-              <a:t>‘‘ o.ä.</a:t>
-            </a:r>
-          </a:p>
-          <a:p>
-            <a:pPr marL="285750" indent="-285750">
-              <a:buFont typeface="Arial" panose="020B0604020202020204" pitchFamily="34" charset="0"/>
-              <a:buChar char="•"/>
-            </a:pPr>
-            <a:endParaRPr lang="de-DE" dirty="0"/>
-          </a:p>
-          <a:p>
-            <a:r>
-              <a:rPr lang="de-DE" dirty="0"/>
-              <a:t>Zeile 26 ff.:</a:t>
-            </a:r>
-          </a:p>
-          <a:p>
-            <a:pPr marL="285750" indent="-285750">
-              <a:buFont typeface="Arial" panose="020B0604020202020204" pitchFamily="34" charset="0"/>
-              <a:buChar char="•"/>
-            </a:pPr>
-            <a:r>
-              <a:rPr lang="de-DE" dirty="0"/>
-              <a:t>Starten der Applikation in einem extra Container ( hier: </a:t>
-            </a:r>
-            <a:r>
-              <a:rPr lang="de-DE" dirty="0" err="1"/>
-              <a:t>nginx</a:t>
-            </a:r>
-            <a:r>
-              <a:rPr lang="de-DE" dirty="0"/>
-              <a:t>)</a:t>
-            </a:r>
-          </a:p>
-        </p:txBody>
-      </p:sp>
-      <p:pic>
-        <p:nvPicPr>
-          <p:cNvPr id="6" name="Grafik 5">
-            <a:extLst>
-              <a:ext uri="{FF2B5EF4-FFF2-40B4-BE49-F238E27FC236}">
-                <a16:creationId xmlns:a16="http://schemas.microsoft.com/office/drawing/2014/main" id="{3DDC4F79-12C0-42AA-90AF-36D8958682D7}"/>
-              </a:ext>
-            </a:extLst>
-          </p:cNvPr>
-          <p:cNvPicPr>
-            <a:picLocks noChangeAspect="1"/>
-          </p:cNvPicPr>
-          <p:nvPr/>
-        </p:nvPicPr>
-        <p:blipFill>
-          <a:blip r:embed="rId3">
-            <a:extLst>
-              <a:ext uri="{28A0092B-C50C-407E-A947-70E740481C1C}">
-                <a14:useLocalDpi xmlns:a14="http://schemas.microsoft.com/office/drawing/2010/main" val="0"/>
-              </a:ext>
-            </a:extLst>
-          </a:blip>
-          <a:stretch>
-            <a:fillRect/>
-          </a:stretch>
-        </p:blipFill>
-        <p:spPr>
-          <a:xfrm>
-            <a:off x="5963490" y="579811"/>
-            <a:ext cx="1029093" cy="738002"/>
-          </a:xfrm>
-          <a:prstGeom prst="rect">
-            <a:avLst/>
-          </a:prstGeom>
-        </p:spPr>
-      </p:pic>
-    </p:spTree>
-    <p:extLst>
-      <p:ext uri="{BB962C8B-B14F-4D97-AF65-F5344CB8AC3E}">
-        <p14:creationId xmlns:p14="http://schemas.microsoft.com/office/powerpoint/2010/main" val="2632335352"/>
-      </p:ext>
-    </p:extLst>
-  </p:cSld>
-  <p:clrMapOvr>
-    <a:masterClrMapping/>
-  </p:clrMapOvr>
-</p:sld>
-</file>
-
 <file path=ppt/slides/slide23.xml><?xml version="1.0" encoding="utf-8"?>
 <p:sld xmlns:a="http://schemas.openxmlformats.org/drawingml/2006/main" xmlns:r="http://schemas.openxmlformats.org/officeDocument/2006/relationships" xmlns:p="http://schemas.openxmlformats.org/presentationml/2006/main">
   <p:cSld>
@@ -7833,7 +7973,7 @@
           <p:cNvPr id="2" name="Titel 1">
             <a:extLst>
               <a:ext uri="{FF2B5EF4-FFF2-40B4-BE49-F238E27FC236}">
-                <a16:creationId xmlns:a16="http://schemas.microsoft.com/office/drawing/2014/main" id="{9FC138F9-A06D-499F-B1EA-9DBD3A3A2639}"/>
+                <a16:creationId xmlns:a16="http://schemas.microsoft.com/office/drawing/2014/main" id="{1652A75A-517A-49FC-9DFE-880D13AE9D7E}"/>
               </a:ext>
             </a:extLst>
           </p:cNvPr>
@@ -7855,22 +7995,75 @@
             </a:r>
             <a:r>
               <a:rPr lang="de-DE" dirty="0"/>
-              <a:t> – Docker-</a:t>
+              <a:t> - Docker</a:t>
+            </a:r>
+          </a:p>
+        </p:txBody>
+      </p:sp>
+      <p:sp>
+        <p:nvSpPr>
+          <p:cNvPr id="3" name="Inhaltsplatzhalter 2">
+            <a:extLst>
+              <a:ext uri="{FF2B5EF4-FFF2-40B4-BE49-F238E27FC236}">
+                <a16:creationId xmlns:a16="http://schemas.microsoft.com/office/drawing/2014/main" id="{033B634A-C420-4BC8-9E3D-3A9865E52BCD}"/>
+              </a:ext>
+            </a:extLst>
+          </p:cNvPr>
+          <p:cNvSpPr>
+            <a:spLocks noGrp="1"/>
+          </p:cNvSpPr>
+          <p:nvPr>
+            <p:ph idx="1"/>
+          </p:nvPr>
+        </p:nvSpPr>
+        <p:spPr/>
+        <p:txBody>
+          <a:bodyPr/>
+          <a:lstStyle/>
+          <a:p>
+            <a:r>
+              <a:rPr lang="de-DE" dirty="0"/>
+              <a:t>Docker bietet die Möglichkeit Container laufen zu lassen</a:t>
+            </a:r>
+          </a:p>
+          <a:p>
+            <a:r>
+              <a:rPr lang="de-DE" dirty="0"/>
+              <a:t>Applikationen laufen isoliert (Write </a:t>
             </a:r>
             <a:r>
               <a:rPr lang="de-DE" dirty="0" err="1"/>
-              <a:t>Compose</a:t>
-            </a:r>
-            <a:endParaRPr lang="de-DE" dirty="0"/>
+              <a:t>once</a:t>
+            </a:r>
+            <a:r>
+              <a:rPr lang="de-DE" dirty="0"/>
+              <a:t> – </a:t>
+            </a:r>
+            <a:r>
+              <a:rPr lang="de-DE" dirty="0" err="1"/>
+              <a:t>run</a:t>
+            </a:r>
+            <a:r>
+              <a:rPr lang="de-DE" dirty="0"/>
+              <a:t> </a:t>
+            </a:r>
+            <a:r>
+              <a:rPr lang="de-DE" dirty="0" err="1"/>
+              <a:t>everywhere</a:t>
+            </a:r>
+            <a:r>
+              <a:rPr lang="de-DE" dirty="0"/>
+              <a:t>)</a:t>
+            </a:r>
           </a:p>
         </p:txBody>
       </p:sp>
       <p:pic>
         <p:nvPicPr>
-          <p:cNvPr id="4" name="Grafik 3">
-            <a:extLst>
-              <a:ext uri="{FF2B5EF4-FFF2-40B4-BE49-F238E27FC236}">
-                <a16:creationId xmlns:a16="http://schemas.microsoft.com/office/drawing/2014/main" id="{2B3821B4-E01E-4AE1-B44B-E8A7732144CA}"/>
+          <p:cNvPr id="5" name="Grafik 4">
+            <a:extLst>
+              <a:ext uri="{FF2B5EF4-FFF2-40B4-BE49-F238E27FC236}">
+                <a16:creationId xmlns:a16="http://schemas.microsoft.com/office/drawing/2014/main" id="{2F5CABE4-FD28-4D7A-8FB0-BCA068EB5C76}"/>
               </a:ext>
             </a:extLst>
           </p:cNvPr>
@@ -7880,284 +8073,33 @@
           <p:nvPr/>
         </p:nvPicPr>
         <p:blipFill>
-          <a:blip r:embed="rId2"/>
+          <a:blip r:embed="rId2">
+            <a:extLst>
+              <a:ext uri="{28A0092B-C50C-407E-A947-70E740481C1C}">
+                <a14:useLocalDpi xmlns:a14="http://schemas.microsoft.com/office/drawing/2010/main" val="0"/>
+              </a:ext>
+            </a:extLst>
+          </a:blip>
           <a:stretch>
             <a:fillRect/>
           </a:stretch>
         </p:blipFill>
         <p:spPr>
           <a:xfrm>
-            <a:off x="838200" y="1927820"/>
-            <a:ext cx="2937859" cy="4521293"/>
+            <a:off x="5963490" y="579811"/>
+            <a:ext cx="1029093" cy="738002"/>
           </a:xfrm>
           <a:prstGeom prst="rect">
             <a:avLst/>
           </a:prstGeom>
         </p:spPr>
       </p:pic>
-      <p:sp>
-        <p:nvSpPr>
-          <p:cNvPr id="5" name="Textfeld 4">
-            <a:extLst>
-              <a:ext uri="{FF2B5EF4-FFF2-40B4-BE49-F238E27FC236}">
-                <a16:creationId xmlns:a16="http://schemas.microsoft.com/office/drawing/2014/main" id="{F0FB40EE-DAAC-4FEB-94CE-3326B358853B}"/>
-              </a:ext>
-            </a:extLst>
-          </p:cNvPr>
-          <p:cNvSpPr txBox="1"/>
-          <p:nvPr/>
-        </p:nvSpPr>
-        <p:spPr>
-          <a:xfrm>
-            <a:off x="838200" y="1558488"/>
-            <a:ext cx="2131621" cy="369332"/>
-          </a:xfrm>
-          <a:prstGeom prst="rect">
-            <a:avLst/>
-          </a:prstGeom>
-          <a:noFill/>
-        </p:spPr>
-        <p:txBody>
-          <a:bodyPr wrap="square" rtlCol="0">
-            <a:spAutoFit/>
-          </a:bodyPr>
-          <a:lstStyle/>
-          <a:p>
-            <a:r>
-              <a:rPr lang="de-DE" dirty="0" err="1"/>
-              <a:t>docker-compose.yml</a:t>
-            </a:r>
-            <a:endParaRPr lang="de-DE" dirty="0"/>
-          </a:p>
-        </p:txBody>
-      </p:sp>
-      <p:sp>
-        <p:nvSpPr>
-          <p:cNvPr id="6" name="Textfeld 5">
-            <a:extLst>
-              <a:ext uri="{FF2B5EF4-FFF2-40B4-BE49-F238E27FC236}">
-                <a16:creationId xmlns:a16="http://schemas.microsoft.com/office/drawing/2014/main" id="{93ECE5F4-D2D3-432B-BAF4-629417D41C46}"/>
-              </a:ext>
-            </a:extLst>
-          </p:cNvPr>
-          <p:cNvSpPr txBox="1"/>
-          <p:nvPr/>
-        </p:nvSpPr>
-        <p:spPr>
-          <a:xfrm>
-            <a:off x="4833257" y="1558488"/>
-            <a:ext cx="5676405" cy="4801314"/>
-          </a:xfrm>
-          <a:prstGeom prst="rect">
-            <a:avLst/>
-          </a:prstGeom>
-          <a:noFill/>
-        </p:spPr>
-        <p:txBody>
-          <a:bodyPr wrap="square" rtlCol="0">
-            <a:spAutoFit/>
-          </a:bodyPr>
-          <a:lstStyle/>
-          <a:p>
-            <a:r>
-              <a:rPr lang="de-DE" dirty="0"/>
-              <a:t>Starten von mehreren Containern gleichzeitig:</a:t>
-            </a:r>
-          </a:p>
-          <a:p>
-            <a:endParaRPr lang="de-DE" dirty="0"/>
-          </a:p>
-          <a:p>
-            <a:r>
-              <a:rPr lang="de-DE" dirty="0"/>
-              <a:t>Zeile 4-9 , Zeile 10-17, Zeile 18-30:</a:t>
-            </a:r>
-          </a:p>
-          <a:p>
-            <a:pPr marL="285750" indent="-285750">
-              <a:buFont typeface="Arial" panose="020B0604020202020204" pitchFamily="34" charset="0"/>
-              <a:buChar char="•"/>
-            </a:pPr>
-            <a:r>
-              <a:rPr lang="de-DE" dirty="0"/>
-              <a:t>Startet jeweils eigene Container mit Parametern</a:t>
-            </a:r>
-          </a:p>
-          <a:p>
-            <a:pPr marL="285750" indent="-285750">
-              <a:buFont typeface="Arial" panose="020B0604020202020204" pitchFamily="34" charset="0"/>
-              <a:buChar char="•"/>
-            </a:pPr>
-            <a:endParaRPr lang="de-DE" dirty="0"/>
-          </a:p>
-          <a:p>
-            <a:pPr marL="285750" indent="-285750">
-              <a:buFont typeface="Arial" panose="020B0604020202020204" pitchFamily="34" charset="0"/>
-              <a:buChar char="•"/>
-            </a:pPr>
-            <a:endParaRPr lang="de-DE" dirty="0"/>
-          </a:p>
-          <a:p>
-            <a:r>
-              <a:rPr lang="de-DE" dirty="0"/>
-              <a:t>Zeile 8-9:</a:t>
-            </a:r>
-          </a:p>
-          <a:p>
-            <a:pPr marL="285750" indent="-285750">
-              <a:buFont typeface="Arial" panose="020B0604020202020204" pitchFamily="34" charset="0"/>
-              <a:buChar char="•"/>
-            </a:pPr>
-            <a:r>
-              <a:rPr lang="de-DE" dirty="0"/>
-              <a:t>Mounten eines </a:t>
-            </a:r>
-            <a:r>
-              <a:rPr lang="de-DE" dirty="0" err="1"/>
-              <a:t>Volumes</a:t>
-            </a:r>
-            <a:r>
-              <a:rPr lang="de-DE" dirty="0"/>
-              <a:t> in den Container -&gt; Persistenz</a:t>
-            </a:r>
-          </a:p>
-          <a:p>
-            <a:pPr marL="285750" indent="-285750">
-              <a:buFont typeface="Arial" panose="020B0604020202020204" pitchFamily="34" charset="0"/>
-              <a:buChar char="•"/>
-            </a:pPr>
-            <a:endParaRPr lang="de-DE" dirty="0"/>
-          </a:p>
-          <a:p>
-            <a:r>
-              <a:rPr lang="de-DE" dirty="0"/>
-              <a:t>Zeile 14-15:</a:t>
-            </a:r>
-          </a:p>
-          <a:p>
-            <a:pPr marL="285750" indent="-285750">
-              <a:buFont typeface="Arial" panose="020B0604020202020204" pitchFamily="34" charset="0"/>
-              <a:buChar char="•"/>
-            </a:pPr>
-            <a:r>
-              <a:rPr lang="de-DE" dirty="0"/>
-              <a:t>Öffnen eines Ports ( Port von außen : Port im Container)</a:t>
-            </a:r>
-          </a:p>
-          <a:p>
-            <a:endParaRPr lang="de-DE" dirty="0"/>
-          </a:p>
-          <a:p>
-            <a:r>
-              <a:rPr lang="de-DE" dirty="0"/>
-              <a:t>Starten mit ‘‘</a:t>
-            </a:r>
-            <a:r>
-              <a:rPr lang="de-DE" dirty="0" err="1"/>
-              <a:t>docker-compose</a:t>
-            </a:r>
-            <a:r>
-              <a:rPr lang="de-DE" dirty="0"/>
-              <a:t> </a:t>
-            </a:r>
-            <a:r>
-              <a:rPr lang="de-DE" dirty="0" err="1"/>
-              <a:t>up</a:t>
-            </a:r>
-            <a:r>
-              <a:rPr lang="de-DE" dirty="0"/>
-              <a:t>‘‘</a:t>
-            </a:r>
-          </a:p>
-          <a:p>
-            <a:r>
-              <a:rPr lang="de-DE" dirty="0" err="1"/>
-              <a:t>Under</a:t>
-            </a:r>
-            <a:r>
-              <a:rPr lang="de-DE" dirty="0"/>
-              <a:t> </a:t>
-            </a:r>
-            <a:r>
-              <a:rPr lang="de-DE" dirty="0" err="1"/>
-              <a:t>the</a:t>
-            </a:r>
-            <a:r>
-              <a:rPr lang="de-DE" dirty="0"/>
-              <a:t> </a:t>
-            </a:r>
-            <a:r>
-              <a:rPr lang="de-DE" dirty="0" err="1"/>
-              <a:t>hood</a:t>
-            </a:r>
-            <a:r>
-              <a:rPr lang="de-DE" dirty="0"/>
-              <a:t> laufen dann Docker-Befehle wie:</a:t>
-            </a:r>
-          </a:p>
-          <a:p>
-            <a:pPr marL="285750" indent="-285750">
-              <a:buFont typeface="Arial" panose="020B0604020202020204" pitchFamily="34" charset="0"/>
-              <a:buChar char="•"/>
-            </a:pPr>
-            <a:r>
-              <a:rPr lang="de-DE" dirty="0" err="1"/>
-              <a:t>docker</a:t>
-            </a:r>
-            <a:r>
-              <a:rPr lang="de-DE" dirty="0"/>
-              <a:t> network</a:t>
-            </a:r>
-          </a:p>
-          <a:p>
-            <a:pPr marL="285750" indent="-285750">
-              <a:buFont typeface="Arial" panose="020B0604020202020204" pitchFamily="34" charset="0"/>
-              <a:buChar char="•"/>
-            </a:pPr>
-            <a:r>
-              <a:rPr lang="de-DE" dirty="0" err="1"/>
-              <a:t>docker</a:t>
-            </a:r>
-            <a:r>
-              <a:rPr lang="de-DE" dirty="0"/>
-              <a:t> </a:t>
-            </a:r>
-            <a:r>
-              <a:rPr lang="de-DE" dirty="0" err="1"/>
-              <a:t>build</a:t>
-            </a:r>
-            <a:endParaRPr lang="de-DE" dirty="0"/>
-          </a:p>
-          <a:p>
-            <a:pPr marL="285750" indent="-285750">
-              <a:buFont typeface="Arial" panose="020B0604020202020204" pitchFamily="34" charset="0"/>
-              <a:buChar char="•"/>
-            </a:pPr>
-            <a:r>
-              <a:rPr lang="de-DE" dirty="0" err="1"/>
-              <a:t>docker</a:t>
-            </a:r>
-            <a:r>
-              <a:rPr lang="de-DE" dirty="0"/>
-              <a:t> </a:t>
-            </a:r>
-            <a:r>
-              <a:rPr lang="de-DE" dirty="0" err="1"/>
-              <a:t>run</a:t>
-            </a:r>
-            <a:r>
-              <a:rPr lang="de-DE" dirty="0"/>
-              <a:t> </a:t>
-            </a:r>
-          </a:p>
-        </p:txBody>
-      </p:sp>
       <p:pic>
         <p:nvPicPr>
-          <p:cNvPr id="8" name="Grafik 7">
-            <a:extLst>
-              <a:ext uri="{FF2B5EF4-FFF2-40B4-BE49-F238E27FC236}">
-                <a16:creationId xmlns:a16="http://schemas.microsoft.com/office/drawing/2014/main" id="{6B6D02BD-8690-4AF8-A4D0-2A3C75D2DEDC}"/>
+          <p:cNvPr id="7" name="Grafik 6">
+            <a:extLst>
+              <a:ext uri="{FF2B5EF4-FFF2-40B4-BE49-F238E27FC236}">
+                <a16:creationId xmlns:a16="http://schemas.microsoft.com/office/drawing/2014/main" id="{C5E03BE3-B671-4BDC-B5A1-A21F6740257F}"/>
               </a:ext>
             </a:extLst>
           </p:cNvPr>
@@ -8180,8 +8122,8 @@
         </p:blipFill>
         <p:spPr>
           <a:xfrm>
-            <a:off x="8107456" y="528161"/>
-            <a:ext cx="841562" cy="828337"/>
+            <a:off x="2974880" y="3254197"/>
+            <a:ext cx="6084796" cy="2586038"/>
           </a:xfrm>
           <a:prstGeom prst="rect">
             <a:avLst/>
@@ -8191,7 +8133,7 @@
     </p:spTree>
     <p:extLst>
       <p:ext uri="{BB962C8B-B14F-4D97-AF65-F5344CB8AC3E}">
-        <p14:creationId xmlns:p14="http://schemas.microsoft.com/office/powerpoint/2010/main" val="3131413068"/>
+        <p14:creationId xmlns:p14="http://schemas.microsoft.com/office/powerpoint/2010/main" val="2975552440"/>
       </p:ext>
     </p:extLst>
   </p:cSld>
@@ -8223,7 +8165,7 @@
           <p:cNvPr id="2" name="Titel 1">
             <a:extLst>
               <a:ext uri="{FF2B5EF4-FFF2-40B4-BE49-F238E27FC236}">
-                <a16:creationId xmlns:a16="http://schemas.microsoft.com/office/drawing/2014/main" id="{4448159D-20D7-4C9D-B7EE-ED2A71AFA4D5}"/>
+                <a16:creationId xmlns:a16="http://schemas.microsoft.com/office/drawing/2014/main" id="{1652A75A-517A-49FC-9DFE-880D13AE9D7E}"/>
               </a:ext>
             </a:extLst>
           </p:cNvPr>
@@ -8245,15 +8187,7 @@
             </a:r>
             <a:r>
               <a:rPr lang="de-DE" dirty="0"/>
-              <a:t> – </a:t>
-            </a:r>
-            <a:r>
-              <a:rPr lang="de-DE" dirty="0" err="1"/>
-              <a:t>nginx</a:t>
-            </a:r>
-            <a:r>
-              <a:rPr lang="de-DE" dirty="0"/>
-              <a:t> </a:t>
+              <a:t> - Docker</a:t>
             </a:r>
           </a:p>
         </p:txBody>
@@ -8263,7 +8197,7 @@
           <p:cNvPr id="4" name="Grafik 3">
             <a:extLst>
               <a:ext uri="{FF2B5EF4-FFF2-40B4-BE49-F238E27FC236}">
-                <a16:creationId xmlns:a16="http://schemas.microsoft.com/office/drawing/2014/main" id="{E53BA46D-0825-4FB3-A259-0C650151E745}"/>
+                <a16:creationId xmlns:a16="http://schemas.microsoft.com/office/drawing/2014/main" id="{4757867C-0822-4598-AC7E-51E5F8ACBD98}"/>
               </a:ext>
             </a:extLst>
           </p:cNvPr>
@@ -8280,8 +8214,8 @@
         </p:blipFill>
         <p:spPr>
           <a:xfrm>
-            <a:off x="838200" y="2064124"/>
-            <a:ext cx="4515289" cy="4309782"/>
+            <a:off x="838200" y="2393858"/>
+            <a:ext cx="5021414" cy="3294250"/>
           </a:xfrm>
           <a:prstGeom prst="rect">
             <a:avLst/>
@@ -8293,7 +8227,7 @@
           <p:cNvPr id="5" name="Textfeld 4">
             <a:extLst>
               <a:ext uri="{FF2B5EF4-FFF2-40B4-BE49-F238E27FC236}">
-                <a16:creationId xmlns:a16="http://schemas.microsoft.com/office/drawing/2014/main" id="{73917737-9A1F-4E1D-9825-EF9312130FB6}"/>
+                <a16:creationId xmlns:a16="http://schemas.microsoft.com/office/drawing/2014/main" id="{2A900941-8EC9-4262-A805-17873677D4D9}"/>
               </a:ext>
             </a:extLst>
           </p:cNvPr>
@@ -8302,8 +8236,8 @@
         </p:nvSpPr>
         <p:spPr>
           <a:xfrm>
-            <a:off x="838200" y="1690688"/>
-            <a:ext cx="2355476" cy="369332"/>
+            <a:off x="838200" y="1955804"/>
+            <a:ext cx="2039471" cy="369332"/>
           </a:xfrm>
           <a:prstGeom prst="rect">
             <a:avLst/>
@@ -8318,7 +8252,7 @@
           <a:p>
             <a:r>
               <a:rPr lang="de-DE" dirty="0" err="1"/>
-              <a:t>nginx.conf</a:t>
+              <a:t>Dockerfile</a:t>
             </a:r>
             <a:endParaRPr lang="de-DE" dirty="0"/>
           </a:p>
@@ -8329,7 +8263,7 @@
           <p:cNvPr id="6" name="Textfeld 5">
             <a:extLst>
               <a:ext uri="{FF2B5EF4-FFF2-40B4-BE49-F238E27FC236}">
-                <a16:creationId xmlns:a16="http://schemas.microsoft.com/office/drawing/2014/main" id="{53A94615-3267-409F-A589-B5816CC9EA11}"/>
+                <a16:creationId xmlns:a16="http://schemas.microsoft.com/office/drawing/2014/main" id="{C3F7551C-F3A8-4AF7-9451-BB5E346C96C7}"/>
               </a:ext>
             </a:extLst>
           </p:cNvPr>
@@ -8338,8 +8272,8 @@
         </p:nvSpPr>
         <p:spPr>
           <a:xfrm>
-            <a:off x="6096000" y="1662253"/>
-            <a:ext cx="5334000" cy="5078313"/>
+            <a:off x="6736976" y="1889312"/>
+            <a:ext cx="4740089" cy="5078313"/>
           </a:xfrm>
           <a:prstGeom prst="rect">
             <a:avLst/>
@@ -8353,21 +8287,8 @@
           <a:lstStyle/>
           <a:p>
             <a:r>
-              <a:rPr lang="de-DE" dirty="0" err="1"/>
-              <a:t>nginx</a:t>
-            </a:r>
-            <a:r>
-              <a:rPr lang="de-DE" dirty="0"/>
-              <a:t> ist ein Server, der unter anderem als HTTP Server genutzt wird</a:t>
-            </a:r>
-          </a:p>
-          <a:p>
-            <a:endParaRPr lang="de-DE" dirty="0"/>
-          </a:p>
-          <a:p>
-            <a:r>
-              <a:rPr lang="de-DE" dirty="0"/>
-              <a:t>Zeile 1-5 : </a:t>
+              <a:rPr lang="de-DE" dirty="0"/>
+              <a:t>Zeile 1: </a:t>
             </a:r>
           </a:p>
           <a:p>
@@ -8376,31 +8297,12 @@
               <a:buChar char="•"/>
             </a:pPr>
             <a:r>
-              <a:rPr lang="de-DE" dirty="0"/>
-              <a:t>Anfragen auf Port 80 werden umgeleitet </a:t>
-            </a:r>
-          </a:p>
-          <a:p>
-            <a:endParaRPr lang="de-DE" dirty="0"/>
-          </a:p>
-          <a:p>
-            <a:r>
-              <a:rPr lang="de-DE" dirty="0"/>
-              <a:t>Zeile 8-15:</a:t>
-            </a:r>
-          </a:p>
-          <a:p>
-            <a:pPr marL="285750" indent="-285750">
-              <a:buFont typeface="Arial" panose="020B0604020202020204" pitchFamily="34" charset="0"/>
-              <a:buChar char="•"/>
-            </a:pPr>
-            <a:r>
               <a:rPr lang="de-DE" dirty="0" err="1"/>
-              <a:t>Configurationen</a:t>
-            </a:r>
-            <a:r>
-              <a:rPr lang="de-DE" dirty="0"/>
-              <a:t> wie Port und SSL</a:t>
+              <a:t>Baseimage</a:t>
+            </a:r>
+            <a:r>
+              <a:rPr lang="de-DE" dirty="0"/>
+              <a:t> von Docker-Hub</a:t>
             </a:r>
           </a:p>
           <a:p>
@@ -8413,7 +8315,7 @@
           <a:p>
             <a:r>
               <a:rPr lang="de-DE" dirty="0"/>
-              <a:t>Zeile 17-21:</a:t>
+              <a:t>Zeile 3 ff.:</a:t>
             </a:r>
           </a:p>
           <a:p>
@@ -8423,34 +8325,7 @@
             </a:pPr>
             <a:r>
               <a:rPr lang="de-DE" dirty="0"/>
-              <a:t>Proxy-</a:t>
-            </a:r>
-            <a:r>
-              <a:rPr lang="de-DE" dirty="0" err="1"/>
-              <a:t>Configs</a:t>
-            </a:r>
-            <a:r>
-              <a:rPr lang="de-DE" dirty="0"/>
-              <a:t>, um CORS-Probleme bei der Authentifikation zu beheben</a:t>
-            </a:r>
-          </a:p>
-          <a:p>
-            <a:endParaRPr lang="de-DE" dirty="0"/>
-          </a:p>
-          <a:p>
-            <a:r>
-              <a:rPr lang="de-DE" dirty="0"/>
-              <a:t>Zeile 23-27:</a:t>
-            </a:r>
-          </a:p>
-          <a:p>
-            <a:pPr marL="285750" indent="-285750">
-              <a:buFont typeface="Arial" panose="020B0604020202020204" pitchFamily="34" charset="0"/>
-              <a:buChar char="•"/>
-            </a:pPr>
-            <a:r>
-              <a:rPr lang="de-DE" dirty="0"/>
-              <a:t>Proxy/Loadbalancer fürs Backend</a:t>
+              <a:t>Was soll gemacht werden ? Meisten z.B. kopieren von Dateien etc.</a:t>
             </a:r>
           </a:p>
           <a:p>
@@ -8463,7 +8338,7 @@
           <a:p>
             <a:r>
               <a:rPr lang="de-DE" dirty="0"/>
-              <a:t>Zeile 29-32:</a:t>
+              <a:t>Zeile 16 &amp; 17:</a:t>
             </a:r>
           </a:p>
           <a:p>
@@ -8473,17 +8348,103 @@
             </a:pPr>
             <a:r>
               <a:rPr lang="de-DE" dirty="0"/>
-              <a:t>ausliefern der Angular-App</a:t>
-            </a:r>
+              <a:t>Wie soll der Container bzw. die </a:t>
+            </a:r>
+            <a:r>
+              <a:rPr lang="de-DE" dirty="0" err="1"/>
+              <a:t>Apllikation</a:t>
+            </a:r>
+            <a:r>
+              <a:rPr lang="de-DE" dirty="0"/>
+              <a:t> die im Container läuft gestartet werden?</a:t>
+            </a:r>
+          </a:p>
+          <a:p>
+            <a:pPr marL="285750" indent="-285750">
+              <a:buFont typeface="Arial" panose="020B0604020202020204" pitchFamily="34" charset="0"/>
+              <a:buChar char="•"/>
+            </a:pPr>
+            <a:endParaRPr lang="de-DE" dirty="0"/>
+          </a:p>
+          <a:p>
+            <a:endParaRPr lang="de-DE" dirty="0"/>
+          </a:p>
+          <a:p>
+            <a:r>
+              <a:rPr lang="de-DE" dirty="0"/>
+              <a:t>Docker-Container muss vor dem starten gebaut werden:</a:t>
+            </a:r>
+          </a:p>
+          <a:p>
+            <a:pPr marL="285750" indent="-285750">
+              <a:buFont typeface="Arial" panose="020B0604020202020204" pitchFamily="34" charset="0"/>
+              <a:buChar char="•"/>
+            </a:pPr>
+            <a:r>
+              <a:rPr lang="de-DE" dirty="0" err="1"/>
+              <a:t>docker</a:t>
+            </a:r>
+            <a:r>
+              <a:rPr lang="de-DE" dirty="0"/>
+              <a:t> </a:t>
+            </a:r>
+            <a:r>
+              <a:rPr lang="de-DE" dirty="0" err="1"/>
+              <a:t>build</a:t>
+            </a:r>
+            <a:r>
+              <a:rPr lang="de-DE" dirty="0"/>
+              <a:t> .</a:t>
+            </a:r>
+          </a:p>
+          <a:p>
+            <a:pPr marL="285750" indent="-285750">
+              <a:buFont typeface="Arial" panose="020B0604020202020204" pitchFamily="34" charset="0"/>
+              <a:buChar char="•"/>
+            </a:pPr>
+            <a:r>
+              <a:rPr lang="de-DE" dirty="0" err="1"/>
+              <a:t>docker</a:t>
+            </a:r>
+            <a:r>
+              <a:rPr lang="de-DE" dirty="0"/>
+              <a:t> </a:t>
+            </a:r>
+            <a:r>
+              <a:rPr lang="de-DE" dirty="0" err="1"/>
+              <a:t>run</a:t>
+            </a:r>
+            <a:r>
+              <a:rPr lang="de-DE" dirty="0"/>
+              <a:t> &lt;</a:t>
+            </a:r>
+            <a:r>
+              <a:rPr lang="de-DE" dirty="0" err="1"/>
+              <a:t>containername</a:t>
+            </a:r>
+            <a:r>
+              <a:rPr lang="de-DE" dirty="0"/>
+              <a:t>&gt; --parameter</a:t>
+            </a:r>
+          </a:p>
+          <a:p>
+            <a:pPr marL="285750" indent="-285750">
+              <a:buFont typeface="Arial" panose="020B0604020202020204" pitchFamily="34" charset="0"/>
+              <a:buChar char="•"/>
+            </a:pPr>
+            <a:endParaRPr lang="de-DE" dirty="0"/>
+          </a:p>
+          <a:p>
+            <a:endParaRPr lang="de-DE" dirty="0"/>
           </a:p>
         </p:txBody>
       </p:sp>
       <p:pic>
         <p:nvPicPr>
-          <p:cNvPr id="8" name="Grafik 7">
-            <a:extLst>
-              <a:ext uri="{FF2B5EF4-FFF2-40B4-BE49-F238E27FC236}">
-                <a16:creationId xmlns:a16="http://schemas.microsoft.com/office/drawing/2014/main" id="{6D3E1034-6BC4-4DB9-BD0B-4C907BEECFAE}"/>
+          <p:cNvPr id="7" name="Grafik 6">
+            <a:extLst>
+              <a:ext uri="{FF2B5EF4-FFF2-40B4-BE49-F238E27FC236}">
+                <a16:creationId xmlns:a16="http://schemas.microsoft.com/office/drawing/2014/main" id="{FA0E1C2A-9C72-4062-BF83-184FC3CA34E5}"/>
               </a:ext>
             </a:extLst>
           </p:cNvPr>
@@ -8492,7 +8453,7 @@
           </p:cNvPicPr>
           <p:nvPr/>
         </p:nvPicPr>
-        <p:blipFill rotWithShape="1">
+        <p:blipFill>
           <a:blip r:embed="rId3">
             <a:extLst>
               <a:ext uri="{28A0092B-C50C-407E-A947-70E740481C1C}">
@@ -8500,13 +8461,14 @@
               </a:ext>
             </a:extLst>
           </a:blip>
-          <a:srcRect l="25610" t="2793" r="21239" b="3822"/>
-          <a:stretch/>
+          <a:stretch>
+            <a:fillRect/>
+          </a:stretch>
         </p:blipFill>
         <p:spPr>
           <a:xfrm>
-            <a:off x="5786718" y="506474"/>
-            <a:ext cx="1125071" cy="1075766"/>
+            <a:off x="5963490" y="579811"/>
+            <a:ext cx="1029093" cy="738002"/>
           </a:xfrm>
           <a:prstGeom prst="rect">
             <a:avLst/>
@@ -8516,7 +8478,7 @@
     </p:spTree>
     <p:extLst>
       <p:ext uri="{BB962C8B-B14F-4D97-AF65-F5344CB8AC3E}">
-        <p14:creationId xmlns:p14="http://schemas.microsoft.com/office/powerpoint/2010/main" val="880295166"/>
+        <p14:creationId xmlns:p14="http://schemas.microsoft.com/office/powerpoint/2010/main" val="755138536"/>
       </p:ext>
     </p:extLst>
   </p:cSld>
@@ -8548,7 +8510,7 @@
           <p:cNvPr id="2" name="Titel 1">
             <a:extLst>
               <a:ext uri="{FF2B5EF4-FFF2-40B4-BE49-F238E27FC236}">
-                <a16:creationId xmlns:a16="http://schemas.microsoft.com/office/drawing/2014/main" id="{2E00715F-FD15-4A70-8F33-BD2D3D9F0327}"/>
+                <a16:creationId xmlns:a16="http://schemas.microsoft.com/office/drawing/2014/main" id="{77BC4923-0709-4E63-9C32-24DE59E947BB}"/>
               </a:ext>
             </a:extLst>
           </p:cNvPr>
@@ -8565,41 +8527,174 @@
           <a:lstStyle/>
           <a:p>
             <a:r>
-              <a:rPr lang="de-DE" dirty="0"/>
-              <a:t>Fragen erstellen</a:t>
-            </a:r>
-          </a:p>
-        </p:txBody>
-      </p:sp>
-      <p:sp>
-        <p:nvSpPr>
-          <p:cNvPr id="3" name="Inhaltsplatzhalter 2">
-            <a:extLst>
-              <a:ext uri="{FF2B5EF4-FFF2-40B4-BE49-F238E27FC236}">
-                <a16:creationId xmlns:a16="http://schemas.microsoft.com/office/drawing/2014/main" id="{B0556014-8D27-4FFB-8EAC-F1CE1E30DB13}"/>
-              </a:ext>
-            </a:extLst>
-          </p:cNvPr>
-          <p:cNvSpPr>
-            <a:spLocks noGrp="1"/>
-          </p:cNvSpPr>
-          <p:nvPr>
-            <p:ph idx="1"/>
-          </p:nvPr>
-        </p:nvSpPr>
-        <p:spPr/>
-        <p:txBody>
-          <a:bodyPr/>
-          <a:lstStyle/>
-          <a:p>
-            <a:endParaRPr lang="de-DE"/>
-          </a:p>
-        </p:txBody>
-      </p:sp>
+              <a:rPr lang="de-DE" dirty="0" err="1"/>
+              <a:t>Deployment</a:t>
+            </a:r>
+            <a:r>
+              <a:rPr lang="de-DE" dirty="0"/>
+              <a:t> - Docker</a:t>
+            </a:r>
+          </a:p>
+        </p:txBody>
+      </p:sp>
+      <p:pic>
+        <p:nvPicPr>
+          <p:cNvPr id="4" name="Grafik 3">
+            <a:extLst>
+              <a:ext uri="{FF2B5EF4-FFF2-40B4-BE49-F238E27FC236}">
+                <a16:creationId xmlns:a16="http://schemas.microsoft.com/office/drawing/2014/main" id="{0FE1AB54-15D9-45B9-9CC7-94D08F74D5E8}"/>
+              </a:ext>
+            </a:extLst>
+          </p:cNvPr>
+          <p:cNvPicPr>
+            <a:picLocks noChangeAspect="1"/>
+          </p:cNvPicPr>
+          <p:nvPr/>
+        </p:nvPicPr>
+        <p:blipFill>
+          <a:blip r:embed="rId2"/>
+          <a:stretch>
+            <a:fillRect/>
+          </a:stretch>
+        </p:blipFill>
+        <p:spPr>
+          <a:xfrm>
+            <a:off x="638144" y="1344704"/>
+            <a:ext cx="3671903" cy="5148171"/>
+          </a:xfrm>
+          <a:prstGeom prst="rect">
+            <a:avLst/>
+          </a:prstGeom>
+        </p:spPr>
+      </p:pic>
+      <p:sp>
+        <p:nvSpPr>
+          <p:cNvPr id="5" name="Textfeld 4">
+            <a:extLst>
+              <a:ext uri="{FF2B5EF4-FFF2-40B4-BE49-F238E27FC236}">
+                <a16:creationId xmlns:a16="http://schemas.microsoft.com/office/drawing/2014/main" id="{B9DA228E-0C20-4BF4-9B2A-BCBBF576C61A}"/>
+              </a:ext>
+            </a:extLst>
+          </p:cNvPr>
+          <p:cNvSpPr txBox="1"/>
+          <p:nvPr/>
+        </p:nvSpPr>
+        <p:spPr>
+          <a:xfrm>
+            <a:off x="5264524" y="1465729"/>
+            <a:ext cx="4719917" cy="2031325"/>
+          </a:xfrm>
+          <a:prstGeom prst="rect">
+            <a:avLst/>
+          </a:prstGeom>
+          <a:noFill/>
+        </p:spPr>
+        <p:txBody>
+          <a:bodyPr wrap="square" rtlCol="0">
+            <a:spAutoFit/>
+          </a:bodyPr>
+          <a:lstStyle/>
+          <a:p>
+            <a:r>
+              <a:rPr lang="de-DE" dirty="0"/>
+              <a:t>Zeile 1- 21:</a:t>
+            </a:r>
+          </a:p>
+          <a:p>
+            <a:pPr marL="285750" indent="-285750">
+              <a:buFont typeface="Arial" panose="020B0604020202020204" pitchFamily="34" charset="0"/>
+              <a:buChar char="•"/>
+            </a:pPr>
+            <a:r>
+              <a:rPr lang="de-DE" dirty="0" err="1"/>
+              <a:t>Build</a:t>
+            </a:r>
+            <a:r>
+              <a:rPr lang="de-DE" dirty="0"/>
+              <a:t>-Container, welche die Applikation im Voraus ‘‘</a:t>
+            </a:r>
+            <a:r>
+              <a:rPr lang="de-DE" dirty="0" err="1"/>
+              <a:t>compiliert</a:t>
+            </a:r>
+            <a:r>
+              <a:rPr lang="de-DE" dirty="0"/>
+              <a:t>‘‘ o.ä.</a:t>
+            </a:r>
+          </a:p>
+          <a:p>
+            <a:pPr marL="285750" indent="-285750">
+              <a:buFont typeface="Arial" panose="020B0604020202020204" pitchFamily="34" charset="0"/>
+              <a:buChar char="•"/>
+            </a:pPr>
+            <a:endParaRPr lang="de-DE" dirty="0"/>
+          </a:p>
+          <a:p>
+            <a:r>
+              <a:rPr lang="de-DE" dirty="0"/>
+              <a:t>Zeile 26 ff.:</a:t>
+            </a:r>
+          </a:p>
+          <a:p>
+            <a:pPr marL="285750" indent="-285750">
+              <a:buFont typeface="Arial" panose="020B0604020202020204" pitchFamily="34" charset="0"/>
+              <a:buChar char="•"/>
+            </a:pPr>
+            <a:r>
+              <a:rPr lang="de-DE" dirty="0"/>
+              <a:t>Starten der Applikation in einem extra Container ( hier: </a:t>
+            </a:r>
+            <a:r>
+              <a:rPr lang="de-DE" dirty="0" err="1"/>
+              <a:t>nginx</a:t>
+            </a:r>
+            <a:r>
+              <a:rPr lang="de-DE" dirty="0"/>
+              <a:t>)</a:t>
+            </a:r>
+          </a:p>
+        </p:txBody>
+      </p:sp>
+      <p:pic>
+        <p:nvPicPr>
+          <p:cNvPr id="6" name="Grafik 5">
+            <a:extLst>
+              <a:ext uri="{FF2B5EF4-FFF2-40B4-BE49-F238E27FC236}">
+                <a16:creationId xmlns:a16="http://schemas.microsoft.com/office/drawing/2014/main" id="{3DDC4F79-12C0-42AA-90AF-36D8958682D7}"/>
+              </a:ext>
+            </a:extLst>
+          </p:cNvPr>
+          <p:cNvPicPr>
+            <a:picLocks noChangeAspect="1"/>
+          </p:cNvPicPr>
+          <p:nvPr/>
+        </p:nvPicPr>
+        <p:blipFill>
+          <a:blip r:embed="rId3">
+            <a:extLst>
+              <a:ext uri="{28A0092B-C50C-407E-A947-70E740481C1C}">
+                <a14:useLocalDpi xmlns:a14="http://schemas.microsoft.com/office/drawing/2010/main" val="0"/>
+              </a:ext>
+            </a:extLst>
+          </a:blip>
+          <a:stretch>
+            <a:fillRect/>
+          </a:stretch>
+        </p:blipFill>
+        <p:spPr>
+          <a:xfrm>
+            <a:off x="5963490" y="579811"/>
+            <a:ext cx="1029093" cy="738002"/>
+          </a:xfrm>
+          <a:prstGeom prst="rect">
+            <a:avLst/>
+          </a:prstGeom>
+        </p:spPr>
+      </p:pic>
     </p:spTree>
     <p:extLst>
       <p:ext uri="{BB962C8B-B14F-4D97-AF65-F5344CB8AC3E}">
-        <p14:creationId xmlns:p14="http://schemas.microsoft.com/office/powerpoint/2010/main" val="3918395338"/>
+        <p14:creationId xmlns:p14="http://schemas.microsoft.com/office/powerpoint/2010/main" val="2632335352"/>
       </p:ext>
     </p:extLst>
   </p:cSld>
@@ -8631,7 +8726,7 @@
           <p:cNvPr id="2" name="Titel 1">
             <a:extLst>
               <a:ext uri="{FF2B5EF4-FFF2-40B4-BE49-F238E27FC236}">
-                <a16:creationId xmlns:a16="http://schemas.microsoft.com/office/drawing/2014/main" id="{3672C7EB-5C21-49BE-B88C-F7EC8027E3AF}"/>
+                <a16:creationId xmlns:a16="http://schemas.microsoft.com/office/drawing/2014/main" id="{9FC138F9-A06D-499F-B1EA-9DBD3A3A2639}"/>
               </a:ext>
             </a:extLst>
           </p:cNvPr>
@@ -8648,46 +8743,348 @@
           <a:lstStyle/>
           <a:p>
             <a:r>
-              <a:rPr lang="de-DE" dirty="0"/>
-              <a:t>Erfahrungen und </a:t>
-            </a:r>
-            <a:r>
               <a:rPr lang="de-DE" dirty="0" err="1"/>
-              <a:t>Learnings</a:t>
+              <a:t>Deployment</a:t>
+            </a:r>
+            <a:r>
+              <a:rPr lang="de-DE" dirty="0"/>
+              <a:t> – Docker-</a:t>
+            </a:r>
+            <a:r>
+              <a:rPr lang="de-DE" dirty="0" err="1"/>
+              <a:t>Compose</a:t>
             </a:r>
             <a:endParaRPr lang="de-DE" dirty="0"/>
           </a:p>
         </p:txBody>
       </p:sp>
-      <p:sp>
-        <p:nvSpPr>
-          <p:cNvPr id="3" name="Inhaltsplatzhalter 2">
-            <a:extLst>
-              <a:ext uri="{FF2B5EF4-FFF2-40B4-BE49-F238E27FC236}">
-                <a16:creationId xmlns:a16="http://schemas.microsoft.com/office/drawing/2014/main" id="{0A38A335-8BAB-4C27-AC46-8302880E2335}"/>
-              </a:ext>
-            </a:extLst>
-          </p:cNvPr>
-          <p:cNvSpPr>
-            <a:spLocks noGrp="1"/>
-          </p:cNvSpPr>
-          <p:nvPr>
-            <p:ph idx="1"/>
-          </p:nvPr>
-        </p:nvSpPr>
-        <p:spPr/>
-        <p:txBody>
-          <a:bodyPr/>
-          <a:lstStyle/>
-          <a:p>
-            <a:endParaRPr lang="de-DE"/>
-          </a:p>
-        </p:txBody>
-      </p:sp>
+      <p:pic>
+        <p:nvPicPr>
+          <p:cNvPr id="4" name="Grafik 3">
+            <a:extLst>
+              <a:ext uri="{FF2B5EF4-FFF2-40B4-BE49-F238E27FC236}">
+                <a16:creationId xmlns:a16="http://schemas.microsoft.com/office/drawing/2014/main" id="{2B3821B4-E01E-4AE1-B44B-E8A7732144CA}"/>
+              </a:ext>
+            </a:extLst>
+          </p:cNvPr>
+          <p:cNvPicPr>
+            <a:picLocks noChangeAspect="1"/>
+          </p:cNvPicPr>
+          <p:nvPr/>
+        </p:nvPicPr>
+        <p:blipFill>
+          <a:blip r:embed="rId2"/>
+          <a:stretch>
+            <a:fillRect/>
+          </a:stretch>
+        </p:blipFill>
+        <p:spPr>
+          <a:xfrm>
+            <a:off x="838200" y="1927820"/>
+            <a:ext cx="2937859" cy="4521293"/>
+          </a:xfrm>
+          <a:prstGeom prst="rect">
+            <a:avLst/>
+          </a:prstGeom>
+        </p:spPr>
+      </p:pic>
+      <p:sp>
+        <p:nvSpPr>
+          <p:cNvPr id="5" name="Textfeld 4">
+            <a:extLst>
+              <a:ext uri="{FF2B5EF4-FFF2-40B4-BE49-F238E27FC236}">
+                <a16:creationId xmlns:a16="http://schemas.microsoft.com/office/drawing/2014/main" id="{F0FB40EE-DAAC-4FEB-94CE-3326B358853B}"/>
+              </a:ext>
+            </a:extLst>
+          </p:cNvPr>
+          <p:cNvSpPr txBox="1"/>
+          <p:nvPr/>
+        </p:nvSpPr>
+        <p:spPr>
+          <a:xfrm>
+            <a:off x="838200" y="1558488"/>
+            <a:ext cx="2131621" cy="369332"/>
+          </a:xfrm>
+          <a:prstGeom prst="rect">
+            <a:avLst/>
+          </a:prstGeom>
+          <a:noFill/>
+        </p:spPr>
+        <p:txBody>
+          <a:bodyPr wrap="square" rtlCol="0">
+            <a:spAutoFit/>
+          </a:bodyPr>
+          <a:lstStyle/>
+          <a:p>
+            <a:r>
+              <a:rPr lang="de-DE" dirty="0" err="1"/>
+              <a:t>docker-compose.yml</a:t>
+            </a:r>
+            <a:endParaRPr lang="de-DE" dirty="0"/>
+          </a:p>
+        </p:txBody>
+      </p:sp>
+      <p:sp>
+        <p:nvSpPr>
+          <p:cNvPr id="6" name="Textfeld 5">
+            <a:extLst>
+              <a:ext uri="{FF2B5EF4-FFF2-40B4-BE49-F238E27FC236}">
+                <a16:creationId xmlns:a16="http://schemas.microsoft.com/office/drawing/2014/main" id="{93ECE5F4-D2D3-432B-BAF4-629417D41C46}"/>
+              </a:ext>
+            </a:extLst>
+          </p:cNvPr>
+          <p:cNvSpPr txBox="1"/>
+          <p:nvPr/>
+        </p:nvSpPr>
+        <p:spPr>
+          <a:xfrm>
+            <a:off x="4833257" y="1558488"/>
+            <a:ext cx="5676405" cy="4801314"/>
+          </a:xfrm>
+          <a:prstGeom prst="rect">
+            <a:avLst/>
+          </a:prstGeom>
+          <a:noFill/>
+        </p:spPr>
+        <p:txBody>
+          <a:bodyPr wrap="square" rtlCol="0">
+            <a:spAutoFit/>
+          </a:bodyPr>
+          <a:lstStyle/>
+          <a:p>
+            <a:r>
+              <a:rPr lang="de-DE" dirty="0"/>
+              <a:t>Starten von mehreren Containern gleichzeitig:</a:t>
+            </a:r>
+          </a:p>
+          <a:p>
+            <a:endParaRPr lang="de-DE" dirty="0"/>
+          </a:p>
+          <a:p>
+            <a:r>
+              <a:rPr lang="de-DE" dirty="0"/>
+              <a:t>Zeile 4-9 , Zeile 10-17, Zeile 18-30:</a:t>
+            </a:r>
+          </a:p>
+          <a:p>
+            <a:pPr marL="285750" indent="-285750">
+              <a:buFont typeface="Arial" panose="020B0604020202020204" pitchFamily="34" charset="0"/>
+              <a:buChar char="•"/>
+            </a:pPr>
+            <a:r>
+              <a:rPr lang="de-DE" dirty="0"/>
+              <a:t>Startet jeweils eigene Container mit Parametern</a:t>
+            </a:r>
+          </a:p>
+          <a:p>
+            <a:pPr marL="285750" indent="-285750">
+              <a:buFont typeface="Arial" panose="020B0604020202020204" pitchFamily="34" charset="0"/>
+              <a:buChar char="•"/>
+            </a:pPr>
+            <a:endParaRPr lang="de-DE" dirty="0"/>
+          </a:p>
+          <a:p>
+            <a:pPr marL="285750" indent="-285750">
+              <a:buFont typeface="Arial" panose="020B0604020202020204" pitchFamily="34" charset="0"/>
+              <a:buChar char="•"/>
+            </a:pPr>
+            <a:endParaRPr lang="de-DE" dirty="0"/>
+          </a:p>
+          <a:p>
+            <a:r>
+              <a:rPr lang="de-DE" dirty="0"/>
+              <a:t>Zeile 8-9:</a:t>
+            </a:r>
+          </a:p>
+          <a:p>
+            <a:pPr marL="285750" indent="-285750">
+              <a:buFont typeface="Arial" panose="020B0604020202020204" pitchFamily="34" charset="0"/>
+              <a:buChar char="•"/>
+            </a:pPr>
+            <a:r>
+              <a:rPr lang="de-DE" dirty="0"/>
+              <a:t>Mounten eines </a:t>
+            </a:r>
+            <a:r>
+              <a:rPr lang="de-DE" dirty="0" err="1"/>
+              <a:t>Volumes</a:t>
+            </a:r>
+            <a:r>
+              <a:rPr lang="de-DE" dirty="0"/>
+              <a:t> in den Container -&gt; Persistenz</a:t>
+            </a:r>
+          </a:p>
+          <a:p>
+            <a:pPr marL="285750" indent="-285750">
+              <a:buFont typeface="Arial" panose="020B0604020202020204" pitchFamily="34" charset="0"/>
+              <a:buChar char="•"/>
+            </a:pPr>
+            <a:endParaRPr lang="de-DE" dirty="0"/>
+          </a:p>
+          <a:p>
+            <a:r>
+              <a:rPr lang="de-DE" dirty="0"/>
+              <a:t>Zeile 14-15:</a:t>
+            </a:r>
+          </a:p>
+          <a:p>
+            <a:pPr marL="285750" indent="-285750">
+              <a:buFont typeface="Arial" panose="020B0604020202020204" pitchFamily="34" charset="0"/>
+              <a:buChar char="•"/>
+            </a:pPr>
+            <a:r>
+              <a:rPr lang="de-DE" dirty="0"/>
+              <a:t>Öffnen eines Ports ( Port von außen : Port im Container)</a:t>
+            </a:r>
+          </a:p>
+          <a:p>
+            <a:endParaRPr lang="de-DE" dirty="0"/>
+          </a:p>
+          <a:p>
+            <a:r>
+              <a:rPr lang="de-DE" dirty="0"/>
+              <a:t>Starten mit ‘‘</a:t>
+            </a:r>
+            <a:r>
+              <a:rPr lang="de-DE" dirty="0" err="1"/>
+              <a:t>docker-compose</a:t>
+            </a:r>
+            <a:r>
+              <a:rPr lang="de-DE" dirty="0"/>
+              <a:t> </a:t>
+            </a:r>
+            <a:r>
+              <a:rPr lang="de-DE" dirty="0" err="1"/>
+              <a:t>up</a:t>
+            </a:r>
+            <a:r>
+              <a:rPr lang="de-DE" dirty="0"/>
+              <a:t>‘‘</a:t>
+            </a:r>
+          </a:p>
+          <a:p>
+            <a:r>
+              <a:rPr lang="de-DE" dirty="0" err="1"/>
+              <a:t>Under</a:t>
+            </a:r>
+            <a:r>
+              <a:rPr lang="de-DE" dirty="0"/>
+              <a:t> </a:t>
+            </a:r>
+            <a:r>
+              <a:rPr lang="de-DE" dirty="0" err="1"/>
+              <a:t>the</a:t>
+            </a:r>
+            <a:r>
+              <a:rPr lang="de-DE" dirty="0"/>
+              <a:t> </a:t>
+            </a:r>
+            <a:r>
+              <a:rPr lang="de-DE" dirty="0" err="1"/>
+              <a:t>hood</a:t>
+            </a:r>
+            <a:r>
+              <a:rPr lang="de-DE" dirty="0"/>
+              <a:t> laufen dann Docker-Befehle wie:</a:t>
+            </a:r>
+          </a:p>
+          <a:p>
+            <a:pPr marL="285750" indent="-285750">
+              <a:buFont typeface="Arial" panose="020B0604020202020204" pitchFamily="34" charset="0"/>
+              <a:buChar char="•"/>
+            </a:pPr>
+            <a:r>
+              <a:rPr lang="de-DE" dirty="0" err="1"/>
+              <a:t>docker</a:t>
+            </a:r>
+            <a:r>
+              <a:rPr lang="de-DE" dirty="0"/>
+              <a:t> network</a:t>
+            </a:r>
+          </a:p>
+          <a:p>
+            <a:pPr marL="285750" indent="-285750">
+              <a:buFont typeface="Arial" panose="020B0604020202020204" pitchFamily="34" charset="0"/>
+              <a:buChar char="•"/>
+            </a:pPr>
+            <a:r>
+              <a:rPr lang="de-DE" dirty="0" err="1"/>
+              <a:t>docker</a:t>
+            </a:r>
+            <a:r>
+              <a:rPr lang="de-DE" dirty="0"/>
+              <a:t> </a:t>
+            </a:r>
+            <a:r>
+              <a:rPr lang="de-DE" dirty="0" err="1"/>
+              <a:t>build</a:t>
+            </a:r>
+            <a:endParaRPr lang="de-DE" dirty="0"/>
+          </a:p>
+          <a:p>
+            <a:pPr marL="285750" indent="-285750">
+              <a:buFont typeface="Arial" panose="020B0604020202020204" pitchFamily="34" charset="0"/>
+              <a:buChar char="•"/>
+            </a:pPr>
+            <a:r>
+              <a:rPr lang="de-DE" dirty="0" err="1"/>
+              <a:t>docker</a:t>
+            </a:r>
+            <a:r>
+              <a:rPr lang="de-DE" dirty="0"/>
+              <a:t> </a:t>
+            </a:r>
+            <a:r>
+              <a:rPr lang="de-DE" dirty="0" err="1"/>
+              <a:t>run</a:t>
+            </a:r>
+            <a:r>
+              <a:rPr lang="de-DE" dirty="0"/>
+              <a:t> </a:t>
+            </a:r>
+          </a:p>
+        </p:txBody>
+      </p:sp>
+      <p:pic>
+        <p:nvPicPr>
+          <p:cNvPr id="8" name="Grafik 7">
+            <a:extLst>
+              <a:ext uri="{FF2B5EF4-FFF2-40B4-BE49-F238E27FC236}">
+                <a16:creationId xmlns:a16="http://schemas.microsoft.com/office/drawing/2014/main" id="{6B6D02BD-8690-4AF8-A4D0-2A3C75D2DEDC}"/>
+              </a:ext>
+            </a:extLst>
+          </p:cNvPr>
+          <p:cNvPicPr>
+            <a:picLocks noChangeAspect="1"/>
+          </p:cNvPicPr>
+          <p:nvPr/>
+        </p:nvPicPr>
+        <p:blipFill>
+          <a:blip r:embed="rId3">
+            <a:extLst>
+              <a:ext uri="{28A0092B-C50C-407E-A947-70E740481C1C}">
+                <a14:useLocalDpi xmlns:a14="http://schemas.microsoft.com/office/drawing/2010/main" val="0"/>
+              </a:ext>
+            </a:extLst>
+          </a:blip>
+          <a:stretch>
+            <a:fillRect/>
+          </a:stretch>
+        </p:blipFill>
+        <p:spPr>
+          <a:xfrm>
+            <a:off x="8107456" y="528161"/>
+            <a:ext cx="841562" cy="828337"/>
+          </a:xfrm>
+          <a:prstGeom prst="rect">
+            <a:avLst/>
+          </a:prstGeom>
+        </p:spPr>
+      </p:pic>
     </p:spTree>
     <p:extLst>
       <p:ext uri="{BB962C8B-B14F-4D97-AF65-F5344CB8AC3E}">
-        <p14:creationId xmlns:p14="http://schemas.microsoft.com/office/powerpoint/2010/main" val="2595303376"/>
+        <p14:creationId xmlns:p14="http://schemas.microsoft.com/office/powerpoint/2010/main" val="3131413068"/>
       </p:ext>
     </p:extLst>
   </p:cSld>
@@ -8719,7 +9116,7 @@
           <p:cNvPr id="2" name="Titel 1">
             <a:extLst>
               <a:ext uri="{FF2B5EF4-FFF2-40B4-BE49-F238E27FC236}">
-                <a16:creationId xmlns:a16="http://schemas.microsoft.com/office/drawing/2014/main" id="{F2FD5D2D-818E-4946-87F1-BAAF805290AD}"/>
+                <a16:creationId xmlns:a16="http://schemas.microsoft.com/office/drawing/2014/main" id="{4448159D-20D7-4C9D-B7EE-ED2A71AFA4D5}"/>
               </a:ext>
             </a:extLst>
           </p:cNvPr>
@@ -8736,8 +9133,333 @@
           <a:lstStyle/>
           <a:p>
             <a:r>
-              <a:rPr lang="de-DE" dirty="0"/>
-              <a:t>Ausblick</a:t>
+              <a:rPr lang="de-DE" dirty="0" err="1"/>
+              <a:t>Deployment</a:t>
+            </a:r>
+            <a:r>
+              <a:rPr lang="de-DE" dirty="0"/>
+              <a:t> – </a:t>
+            </a:r>
+            <a:r>
+              <a:rPr lang="de-DE" dirty="0" err="1"/>
+              <a:t>nginx</a:t>
+            </a:r>
+            <a:r>
+              <a:rPr lang="de-DE" dirty="0"/>
+              <a:t> </a:t>
+            </a:r>
+          </a:p>
+        </p:txBody>
+      </p:sp>
+      <p:pic>
+        <p:nvPicPr>
+          <p:cNvPr id="4" name="Grafik 3">
+            <a:extLst>
+              <a:ext uri="{FF2B5EF4-FFF2-40B4-BE49-F238E27FC236}">
+                <a16:creationId xmlns:a16="http://schemas.microsoft.com/office/drawing/2014/main" id="{E53BA46D-0825-4FB3-A259-0C650151E745}"/>
+              </a:ext>
+            </a:extLst>
+          </p:cNvPr>
+          <p:cNvPicPr>
+            <a:picLocks noChangeAspect="1"/>
+          </p:cNvPicPr>
+          <p:nvPr/>
+        </p:nvPicPr>
+        <p:blipFill>
+          <a:blip r:embed="rId2"/>
+          <a:stretch>
+            <a:fillRect/>
+          </a:stretch>
+        </p:blipFill>
+        <p:spPr>
+          <a:xfrm>
+            <a:off x="838200" y="2064124"/>
+            <a:ext cx="4515289" cy="4309782"/>
+          </a:xfrm>
+          <a:prstGeom prst="rect">
+            <a:avLst/>
+          </a:prstGeom>
+        </p:spPr>
+      </p:pic>
+      <p:sp>
+        <p:nvSpPr>
+          <p:cNvPr id="5" name="Textfeld 4">
+            <a:extLst>
+              <a:ext uri="{FF2B5EF4-FFF2-40B4-BE49-F238E27FC236}">
+                <a16:creationId xmlns:a16="http://schemas.microsoft.com/office/drawing/2014/main" id="{73917737-9A1F-4E1D-9825-EF9312130FB6}"/>
+              </a:ext>
+            </a:extLst>
+          </p:cNvPr>
+          <p:cNvSpPr txBox="1"/>
+          <p:nvPr/>
+        </p:nvSpPr>
+        <p:spPr>
+          <a:xfrm>
+            <a:off x="838200" y="1690688"/>
+            <a:ext cx="2355476" cy="369332"/>
+          </a:xfrm>
+          <a:prstGeom prst="rect">
+            <a:avLst/>
+          </a:prstGeom>
+          <a:noFill/>
+        </p:spPr>
+        <p:txBody>
+          <a:bodyPr wrap="square" rtlCol="0">
+            <a:spAutoFit/>
+          </a:bodyPr>
+          <a:lstStyle/>
+          <a:p>
+            <a:r>
+              <a:rPr lang="de-DE" dirty="0" err="1"/>
+              <a:t>nginx.conf</a:t>
+            </a:r>
+            <a:endParaRPr lang="de-DE" dirty="0"/>
+          </a:p>
+        </p:txBody>
+      </p:sp>
+      <p:sp>
+        <p:nvSpPr>
+          <p:cNvPr id="6" name="Textfeld 5">
+            <a:extLst>
+              <a:ext uri="{FF2B5EF4-FFF2-40B4-BE49-F238E27FC236}">
+                <a16:creationId xmlns:a16="http://schemas.microsoft.com/office/drawing/2014/main" id="{53A94615-3267-409F-A589-B5816CC9EA11}"/>
+              </a:ext>
+            </a:extLst>
+          </p:cNvPr>
+          <p:cNvSpPr txBox="1"/>
+          <p:nvPr/>
+        </p:nvSpPr>
+        <p:spPr>
+          <a:xfrm>
+            <a:off x="6096000" y="1662253"/>
+            <a:ext cx="5334000" cy="5078313"/>
+          </a:xfrm>
+          <a:prstGeom prst="rect">
+            <a:avLst/>
+          </a:prstGeom>
+          <a:noFill/>
+        </p:spPr>
+        <p:txBody>
+          <a:bodyPr wrap="square" rtlCol="0">
+            <a:spAutoFit/>
+          </a:bodyPr>
+          <a:lstStyle/>
+          <a:p>
+            <a:r>
+              <a:rPr lang="de-DE" dirty="0" err="1"/>
+              <a:t>nginx</a:t>
+            </a:r>
+            <a:r>
+              <a:rPr lang="de-DE" dirty="0"/>
+              <a:t> ist ein Server, der unter anderem als HTTP Server genutzt wird</a:t>
+            </a:r>
+          </a:p>
+          <a:p>
+            <a:endParaRPr lang="de-DE" dirty="0"/>
+          </a:p>
+          <a:p>
+            <a:r>
+              <a:rPr lang="de-DE" dirty="0"/>
+              <a:t>Zeile 1-5 : </a:t>
+            </a:r>
+          </a:p>
+          <a:p>
+            <a:pPr marL="285750" indent="-285750">
+              <a:buFont typeface="Arial" panose="020B0604020202020204" pitchFamily="34" charset="0"/>
+              <a:buChar char="•"/>
+            </a:pPr>
+            <a:r>
+              <a:rPr lang="de-DE" dirty="0"/>
+              <a:t>Anfragen auf Port 80 werden umgeleitet </a:t>
+            </a:r>
+          </a:p>
+          <a:p>
+            <a:endParaRPr lang="de-DE" dirty="0"/>
+          </a:p>
+          <a:p>
+            <a:r>
+              <a:rPr lang="de-DE" dirty="0"/>
+              <a:t>Zeile 8-15:</a:t>
+            </a:r>
+          </a:p>
+          <a:p>
+            <a:pPr marL="285750" indent="-285750">
+              <a:buFont typeface="Arial" panose="020B0604020202020204" pitchFamily="34" charset="0"/>
+              <a:buChar char="•"/>
+            </a:pPr>
+            <a:r>
+              <a:rPr lang="de-DE" dirty="0" err="1"/>
+              <a:t>Configurationen</a:t>
+            </a:r>
+            <a:r>
+              <a:rPr lang="de-DE" dirty="0"/>
+              <a:t> wie Port und SSL</a:t>
+            </a:r>
+          </a:p>
+          <a:p>
+            <a:pPr marL="285750" indent="-285750">
+              <a:buFont typeface="Arial" panose="020B0604020202020204" pitchFamily="34" charset="0"/>
+              <a:buChar char="•"/>
+            </a:pPr>
+            <a:endParaRPr lang="de-DE" dirty="0"/>
+          </a:p>
+          <a:p>
+            <a:r>
+              <a:rPr lang="de-DE" dirty="0"/>
+              <a:t>Zeile 17-21:</a:t>
+            </a:r>
+          </a:p>
+          <a:p>
+            <a:pPr marL="285750" indent="-285750">
+              <a:buFont typeface="Arial" panose="020B0604020202020204" pitchFamily="34" charset="0"/>
+              <a:buChar char="•"/>
+            </a:pPr>
+            <a:r>
+              <a:rPr lang="de-DE" dirty="0"/>
+              <a:t>Proxy-</a:t>
+            </a:r>
+            <a:r>
+              <a:rPr lang="de-DE" dirty="0" err="1"/>
+              <a:t>Configs</a:t>
+            </a:r>
+            <a:r>
+              <a:rPr lang="de-DE" dirty="0"/>
+              <a:t>, um CORS-Probleme bei der Authentifikation zu beheben</a:t>
+            </a:r>
+          </a:p>
+          <a:p>
+            <a:endParaRPr lang="de-DE" dirty="0"/>
+          </a:p>
+          <a:p>
+            <a:r>
+              <a:rPr lang="de-DE" dirty="0"/>
+              <a:t>Zeile 23-27:</a:t>
+            </a:r>
+          </a:p>
+          <a:p>
+            <a:pPr marL="285750" indent="-285750">
+              <a:buFont typeface="Arial" panose="020B0604020202020204" pitchFamily="34" charset="0"/>
+              <a:buChar char="•"/>
+            </a:pPr>
+            <a:r>
+              <a:rPr lang="de-DE" dirty="0"/>
+              <a:t>Proxy/Loadbalancer fürs Backend</a:t>
+            </a:r>
+          </a:p>
+          <a:p>
+            <a:pPr marL="285750" indent="-285750">
+              <a:buFont typeface="Arial" panose="020B0604020202020204" pitchFamily="34" charset="0"/>
+              <a:buChar char="•"/>
+            </a:pPr>
+            <a:endParaRPr lang="de-DE" dirty="0"/>
+          </a:p>
+          <a:p>
+            <a:r>
+              <a:rPr lang="de-DE" dirty="0"/>
+              <a:t>Zeile 29-32:</a:t>
+            </a:r>
+          </a:p>
+          <a:p>
+            <a:pPr marL="285750" indent="-285750">
+              <a:buFont typeface="Arial" panose="020B0604020202020204" pitchFamily="34" charset="0"/>
+              <a:buChar char="•"/>
+            </a:pPr>
+            <a:r>
+              <a:rPr lang="de-DE" dirty="0"/>
+              <a:t>ausliefern der Angular-App</a:t>
+            </a:r>
+          </a:p>
+        </p:txBody>
+      </p:sp>
+      <p:pic>
+        <p:nvPicPr>
+          <p:cNvPr id="8" name="Grafik 7">
+            <a:extLst>
+              <a:ext uri="{FF2B5EF4-FFF2-40B4-BE49-F238E27FC236}">
+                <a16:creationId xmlns:a16="http://schemas.microsoft.com/office/drawing/2014/main" id="{6D3E1034-6BC4-4DB9-BD0B-4C907BEECFAE}"/>
+              </a:ext>
+            </a:extLst>
+          </p:cNvPr>
+          <p:cNvPicPr>
+            <a:picLocks noChangeAspect="1"/>
+          </p:cNvPicPr>
+          <p:nvPr/>
+        </p:nvPicPr>
+        <p:blipFill rotWithShape="1">
+          <a:blip r:embed="rId3">
+            <a:extLst>
+              <a:ext uri="{28A0092B-C50C-407E-A947-70E740481C1C}">
+                <a14:useLocalDpi xmlns:a14="http://schemas.microsoft.com/office/drawing/2010/main" val="0"/>
+              </a:ext>
+            </a:extLst>
+          </a:blip>
+          <a:srcRect l="25610" t="2793" r="21239" b="3822"/>
+          <a:stretch/>
+        </p:blipFill>
+        <p:spPr>
+          <a:xfrm>
+            <a:off x="5786718" y="506474"/>
+            <a:ext cx="1125071" cy="1075766"/>
+          </a:xfrm>
+          <a:prstGeom prst="rect">
+            <a:avLst/>
+          </a:prstGeom>
+        </p:spPr>
+      </p:pic>
+    </p:spTree>
+    <p:extLst>
+      <p:ext uri="{BB962C8B-B14F-4D97-AF65-F5344CB8AC3E}">
+        <p14:creationId xmlns:p14="http://schemas.microsoft.com/office/powerpoint/2010/main" val="880295166"/>
+      </p:ext>
+    </p:extLst>
+  </p:cSld>
+  <p:clrMapOvr>
+    <a:masterClrMapping/>
+  </p:clrMapOvr>
+</p:sld>
+</file>
+
+<file path=ppt/slides/slide28.xml><?xml version="1.0" encoding="utf-8"?>
+<p:sld xmlns:a="http://schemas.openxmlformats.org/drawingml/2006/main" xmlns:r="http://schemas.openxmlformats.org/officeDocument/2006/relationships" xmlns:p="http://schemas.openxmlformats.org/presentationml/2006/main">
+  <p:cSld>
+    <p:spTree>
+      <p:nvGrpSpPr>
+        <p:cNvPr id="1" name=""/>
+        <p:cNvGrpSpPr/>
+        <p:nvPr/>
+      </p:nvGrpSpPr>
+      <p:grpSpPr>
+        <a:xfrm>
+          <a:off x="0" y="0"/>
+          <a:ext cx="0" cy="0"/>
+          <a:chOff x="0" y="0"/>
+          <a:chExt cx="0" cy="0"/>
+        </a:xfrm>
+      </p:grpSpPr>
+      <p:sp>
+        <p:nvSpPr>
+          <p:cNvPr id="2" name="Titel 1">
+            <a:extLst>
+              <a:ext uri="{FF2B5EF4-FFF2-40B4-BE49-F238E27FC236}">
+                <a16:creationId xmlns:a16="http://schemas.microsoft.com/office/drawing/2014/main" id="{2E00715F-FD15-4A70-8F33-BD2D3D9F0327}"/>
+              </a:ext>
+            </a:extLst>
+          </p:cNvPr>
+          <p:cNvSpPr>
+            <a:spLocks noGrp="1"/>
+          </p:cNvSpPr>
+          <p:nvPr>
+            <p:ph type="title"/>
+          </p:nvPr>
+        </p:nvSpPr>
+        <p:spPr/>
+        <p:txBody>
+          <a:bodyPr/>
+          <a:lstStyle/>
+          <a:p>
+            <a:r>
+              <a:rPr lang="de-DE" dirty="0"/>
+              <a:t>Fragen erstellen</a:t>
             </a:r>
           </a:p>
         </p:txBody>
@@ -8747,7 +9469,7 @@
           <p:cNvPr id="3" name="Inhaltsplatzhalter 2">
             <a:extLst>
               <a:ext uri="{FF2B5EF4-FFF2-40B4-BE49-F238E27FC236}">
-                <a16:creationId xmlns:a16="http://schemas.microsoft.com/office/drawing/2014/main" id="{411ADF43-4704-4FD4-B1E9-5EABDB3889B1}"/>
+                <a16:creationId xmlns:a16="http://schemas.microsoft.com/office/drawing/2014/main" id="{B0556014-8D27-4FFB-8EAC-F1CE1E30DB13}"/>
               </a:ext>
             </a:extLst>
           </p:cNvPr>
@@ -8763,14 +9485,157 @@
           <a:bodyPr/>
           <a:lstStyle/>
           <a:p>
-            <a:endParaRPr lang="de-DE"/>
+            <a:r>
+              <a:rPr lang="de-DE" dirty="0"/>
+              <a:t>Fächerwahl:</a:t>
+            </a:r>
+          </a:p>
+          <a:p>
+            <a:pPr lvl="1"/>
+            <a:r>
+              <a:rPr lang="de-DE" dirty="0"/>
+              <a:t>Keine Formeln etc.</a:t>
+            </a:r>
+          </a:p>
+          <a:p>
+            <a:pPr lvl="1"/>
+            <a:r>
+              <a:rPr lang="de-DE" dirty="0"/>
+              <a:t>Definitionen</a:t>
+            </a:r>
+          </a:p>
+          <a:p>
+            <a:pPr lvl="1"/>
+            <a:r>
+              <a:rPr lang="de-DE" dirty="0"/>
+              <a:t>Klassische „Karteikartenfächer“</a:t>
+            </a:r>
+          </a:p>
+          <a:p>
+            <a:r>
+              <a:rPr lang="de-DE" dirty="0"/>
+              <a:t>-&gt; z.B. BWL und Englisch</a:t>
+            </a:r>
+          </a:p>
+          <a:p>
+            <a:r>
+              <a:rPr lang="de-DE" dirty="0"/>
+              <a:t>Stoff aus den Vorlesungen ( Skripte und </a:t>
+            </a:r>
+            <a:r>
+              <a:rPr lang="de-DE" dirty="0" err="1"/>
+              <a:t>Moodle</a:t>
+            </a:r>
+            <a:r>
+              <a:rPr lang="de-DE" dirty="0"/>
+              <a:t>-Quizzen)</a:t>
+            </a:r>
+          </a:p>
+          <a:p>
+            <a:r>
+              <a:rPr lang="de-DE" dirty="0"/>
+              <a:t>Skript zur automatischen Generierung</a:t>
+            </a:r>
           </a:p>
         </p:txBody>
       </p:sp>
     </p:spTree>
     <p:extLst>
       <p:ext uri="{BB962C8B-B14F-4D97-AF65-F5344CB8AC3E}">
-        <p14:creationId xmlns:p14="http://schemas.microsoft.com/office/powerpoint/2010/main" val="4039157255"/>
+        <p14:creationId xmlns:p14="http://schemas.microsoft.com/office/powerpoint/2010/main" val="3918395338"/>
+      </p:ext>
+    </p:extLst>
+  </p:cSld>
+  <p:clrMapOvr>
+    <a:masterClrMapping/>
+  </p:clrMapOvr>
+</p:sld>
+</file>
+
+<file path=ppt/slides/slide29.xml><?xml version="1.0" encoding="utf-8"?>
+<p:sld xmlns:a="http://schemas.openxmlformats.org/drawingml/2006/main" xmlns:r="http://schemas.openxmlformats.org/officeDocument/2006/relationships" xmlns:p="http://schemas.openxmlformats.org/presentationml/2006/main">
+  <p:cSld>
+    <p:spTree>
+      <p:nvGrpSpPr>
+        <p:cNvPr id="1" name=""/>
+        <p:cNvGrpSpPr/>
+        <p:nvPr/>
+      </p:nvGrpSpPr>
+      <p:grpSpPr>
+        <a:xfrm>
+          <a:off x="0" y="0"/>
+          <a:ext cx="0" cy="0"/>
+          <a:chOff x="0" y="0"/>
+          <a:chExt cx="0" cy="0"/>
+        </a:xfrm>
+      </p:grpSpPr>
+      <p:sp>
+        <p:nvSpPr>
+          <p:cNvPr id="2" name="Titel 1">
+            <a:extLst>
+              <a:ext uri="{FF2B5EF4-FFF2-40B4-BE49-F238E27FC236}">
+                <a16:creationId xmlns:a16="http://schemas.microsoft.com/office/drawing/2014/main" id="{2E00715F-FD15-4A70-8F33-BD2D3D9F0327}"/>
+              </a:ext>
+            </a:extLst>
+          </p:cNvPr>
+          <p:cNvSpPr>
+            <a:spLocks noGrp="1"/>
+          </p:cNvSpPr>
+          <p:nvPr>
+            <p:ph type="title"/>
+          </p:nvPr>
+        </p:nvSpPr>
+        <p:spPr/>
+        <p:txBody>
+          <a:bodyPr/>
+          <a:lstStyle/>
+          <a:p>
+            <a:r>
+              <a:rPr lang="de-DE" dirty="0"/>
+              <a:t>Fragen erstellen</a:t>
+            </a:r>
+          </a:p>
+        </p:txBody>
+      </p:sp>
+      <p:pic>
+        <p:nvPicPr>
+          <p:cNvPr id="6" name="Inhaltsplatzhalter 5">
+            <a:extLst>
+              <a:ext uri="{FF2B5EF4-FFF2-40B4-BE49-F238E27FC236}">
+                <a16:creationId xmlns:a16="http://schemas.microsoft.com/office/drawing/2014/main" id="{CB599E72-9CE6-4B56-BF40-A5647A20778F}"/>
+              </a:ext>
+            </a:extLst>
+          </p:cNvPr>
+          <p:cNvPicPr>
+            <a:picLocks noGrp="1" noChangeAspect="1"/>
+          </p:cNvPicPr>
+          <p:nvPr>
+            <p:ph idx="1"/>
+          </p:nvPr>
+        </p:nvPicPr>
+        <p:blipFill>
+          <a:blip r:embed="rId2">
+            <a:extLst>
+              <a:ext uri="{28A0092B-C50C-407E-A947-70E740481C1C}">
+                <a14:useLocalDpi xmlns:a14="http://schemas.microsoft.com/office/drawing/2010/main" val="0"/>
+              </a:ext>
+            </a:extLst>
+          </a:blip>
+          <a:stretch>
+            <a:fillRect/>
+          </a:stretch>
+        </p:blipFill>
+        <p:spPr>
+          <a:xfrm>
+            <a:off x="2428595" y="1983441"/>
+            <a:ext cx="7240189" cy="3436237"/>
+          </a:xfrm>
+        </p:spPr>
+      </p:pic>
+    </p:spTree>
+    <p:extLst>
+      <p:ext uri="{BB962C8B-B14F-4D97-AF65-F5344CB8AC3E}">
+        <p14:creationId xmlns:p14="http://schemas.microsoft.com/office/powerpoint/2010/main" val="3010475195"/>
       </p:ext>
     </p:extLst>
   </p:cSld>
@@ -8802,7 +9667,7 @@
           <p:cNvPr id="2" name="Titel 1">
             <a:extLst>
               <a:ext uri="{FF2B5EF4-FFF2-40B4-BE49-F238E27FC236}">
-                <a16:creationId xmlns:a16="http://schemas.microsoft.com/office/drawing/2014/main" id="{33B4BD6D-758C-4A3E-81C1-39AD1537FEBB}"/>
+                <a16:creationId xmlns:a16="http://schemas.microsoft.com/office/drawing/2014/main" id="{E861CDE1-7E30-45BB-A963-102749257386}"/>
               </a:ext>
             </a:extLst>
           </p:cNvPr>
@@ -8820,14 +9685,313 @@
           <a:p>
             <a:r>
               <a:rPr lang="de-DE" dirty="0"/>
-              <a:t>Was </a:t>
-            </a:r>
-            <a:r>
-              <a:rPr lang="de-DE"/>
-              <a:t>ist Alias ?</a:t>
+              <a:t>Wer sind wir ?</a:t>
+            </a:r>
+          </a:p>
+        </p:txBody>
+      </p:sp>
+      <p:pic>
+        <p:nvPicPr>
+          <p:cNvPr id="9" name="Inhaltsplatzhalter 8" descr="Ein Bild, das Person, Mann, Kleidung, drinnen enthält.&#10;&#10;Automatisch generierte Beschreibung">
+            <a:extLst>
+              <a:ext uri="{FF2B5EF4-FFF2-40B4-BE49-F238E27FC236}">
+                <a16:creationId xmlns:a16="http://schemas.microsoft.com/office/drawing/2014/main" id="{762BD78C-E4B9-4C05-A5DF-43964BA9CAD5}"/>
+              </a:ext>
+            </a:extLst>
+          </p:cNvPr>
+          <p:cNvPicPr>
+            <a:picLocks noGrp="1" noChangeAspect="1"/>
+          </p:cNvPicPr>
+          <p:nvPr>
+            <p:ph idx="1"/>
+          </p:nvPr>
+        </p:nvPicPr>
+        <p:blipFill rotWithShape="1">
+          <a:blip r:embed="rId2">
+            <a:extLst>
+              <a:ext uri="{28A0092B-C50C-407E-A947-70E740481C1C}">
+                <a14:useLocalDpi xmlns:a14="http://schemas.microsoft.com/office/drawing/2010/main" val="0"/>
+              </a:ext>
+            </a:extLst>
+          </a:blip>
+          <a:srcRect b="24205"/>
+          <a:stretch/>
+        </p:blipFill>
+        <p:spPr>
+          <a:xfrm>
+            <a:off x="631200" y="1690688"/>
+            <a:ext cx="2700000" cy="2732671"/>
+          </a:xfrm>
+          <a:prstGeom prst="ellipse">
+            <a:avLst/>
+          </a:prstGeom>
+        </p:spPr>
+      </p:pic>
+      <p:sp>
+        <p:nvSpPr>
+          <p:cNvPr id="10" name="Textfeld 9">
+            <a:extLst>
+              <a:ext uri="{FF2B5EF4-FFF2-40B4-BE49-F238E27FC236}">
+                <a16:creationId xmlns:a16="http://schemas.microsoft.com/office/drawing/2014/main" id="{3D60C9C2-4D6C-4C71-A303-1065787B8EBD}"/>
+              </a:ext>
+            </a:extLst>
+          </p:cNvPr>
+          <p:cNvSpPr txBox="1"/>
+          <p:nvPr/>
+        </p:nvSpPr>
+        <p:spPr>
+          <a:xfrm>
+            <a:off x="838200" y="4826000"/>
+            <a:ext cx="2286000" cy="646331"/>
+          </a:xfrm>
+          <a:prstGeom prst="rect">
+            <a:avLst/>
+          </a:prstGeom>
+          <a:noFill/>
+        </p:spPr>
+        <p:txBody>
+          <a:bodyPr wrap="square" rtlCol="0">
+            <a:spAutoFit/>
+          </a:bodyPr>
+          <a:lstStyle/>
+          <a:p>
+            <a:pPr algn="ctr"/>
+            <a:r>
+              <a:rPr lang="de-DE" dirty="0"/>
+              <a:t>Patrick Sabau</a:t>
+            </a:r>
+          </a:p>
+          <a:p>
+            <a:pPr algn="ctr"/>
+            <a:r>
+              <a:rPr lang="de-DE" dirty="0"/>
+              <a:t>7. Semester IN</a:t>
+            </a:r>
+          </a:p>
+        </p:txBody>
+      </p:sp>
+      <p:pic>
+        <p:nvPicPr>
+          <p:cNvPr id="12" name="Grafik 11" descr="Ein Bild, das Mann, Person, Brille, stehend enthält.&#10;&#10;Automatisch generierte Beschreibung">
+            <a:extLst>
+              <a:ext uri="{FF2B5EF4-FFF2-40B4-BE49-F238E27FC236}">
+                <a16:creationId xmlns:a16="http://schemas.microsoft.com/office/drawing/2014/main" id="{443E5A22-C13E-4668-ABED-641333C7D1B4}"/>
+              </a:ext>
+            </a:extLst>
+          </p:cNvPr>
+          <p:cNvPicPr>
+            <a:picLocks noChangeAspect="1"/>
+          </p:cNvPicPr>
+          <p:nvPr/>
+        </p:nvPicPr>
+        <p:blipFill rotWithShape="1">
+          <a:blip r:embed="rId3">
+            <a:extLst>
+              <a:ext uri="{28A0092B-C50C-407E-A947-70E740481C1C}">
+                <a14:useLocalDpi xmlns:a14="http://schemas.microsoft.com/office/drawing/2010/main" val="0"/>
+              </a:ext>
+            </a:extLst>
+          </a:blip>
+          <a:srcRect l="284" t="8138" r="-284" b="14802"/>
+          <a:stretch/>
+        </p:blipFill>
+        <p:spPr>
+          <a:xfrm>
+            <a:off x="4737385" y="1690688"/>
+            <a:ext cx="2717230" cy="2700000"/>
+          </a:xfrm>
+          <a:prstGeom prst="ellipse">
+            <a:avLst/>
+          </a:prstGeom>
+        </p:spPr>
+      </p:pic>
+      <p:sp>
+        <p:nvSpPr>
+          <p:cNvPr id="13" name="Textfeld 12">
+            <a:extLst>
+              <a:ext uri="{FF2B5EF4-FFF2-40B4-BE49-F238E27FC236}">
+                <a16:creationId xmlns:a16="http://schemas.microsoft.com/office/drawing/2014/main" id="{82A59486-E362-45EE-BA3A-8852F8C123A8}"/>
+              </a:ext>
+            </a:extLst>
+          </p:cNvPr>
+          <p:cNvSpPr txBox="1"/>
+          <p:nvPr/>
+        </p:nvSpPr>
+        <p:spPr>
+          <a:xfrm>
+            <a:off x="4953000" y="4825999"/>
+            <a:ext cx="2286000" cy="646331"/>
+          </a:xfrm>
+          <a:prstGeom prst="rect">
+            <a:avLst/>
+          </a:prstGeom>
+          <a:noFill/>
+        </p:spPr>
+        <p:txBody>
+          <a:bodyPr wrap="square" rtlCol="0">
+            <a:spAutoFit/>
+          </a:bodyPr>
+          <a:lstStyle/>
+          <a:p>
+            <a:pPr algn="ctr"/>
+            <a:r>
+              <a:rPr lang="de-DE" dirty="0"/>
+              <a:t>Patrick Schneider</a:t>
+            </a:r>
+          </a:p>
+          <a:p>
+            <a:pPr algn="ctr"/>
+            <a:r>
+              <a:rPr lang="de-DE" dirty="0"/>
+              <a:t>7. Semester IN</a:t>
+            </a:r>
+          </a:p>
+        </p:txBody>
+      </p:sp>
+      <p:pic>
+        <p:nvPicPr>
+          <p:cNvPr id="16" name="Grafik 15">
+            <a:extLst>
+              <a:ext uri="{FF2B5EF4-FFF2-40B4-BE49-F238E27FC236}">
+                <a16:creationId xmlns:a16="http://schemas.microsoft.com/office/drawing/2014/main" id="{1C249AB8-A339-44AC-BB16-E3151FBD21BC}"/>
+              </a:ext>
+            </a:extLst>
+          </p:cNvPr>
+          <p:cNvPicPr>
+            <a:picLocks noChangeAspect="1"/>
+          </p:cNvPicPr>
+          <p:nvPr/>
+        </p:nvPicPr>
+        <p:blipFill rotWithShape="1">
+          <a:blip r:embed="rId4">
+            <a:extLst>
+              <a:ext uri="{28A0092B-C50C-407E-A947-70E740481C1C}">
+                <a14:useLocalDpi xmlns:a14="http://schemas.microsoft.com/office/drawing/2010/main" val="0"/>
+              </a:ext>
+            </a:extLst>
+          </a:blip>
+          <a:srcRect b="24072"/>
+          <a:stretch/>
+        </p:blipFill>
+        <p:spPr>
+          <a:xfrm>
+            <a:off x="8860800" y="1690688"/>
+            <a:ext cx="2832970" cy="2700000"/>
+          </a:xfrm>
+          <a:prstGeom prst="ellipse">
+            <a:avLst/>
+          </a:prstGeom>
+        </p:spPr>
+      </p:pic>
+      <p:sp>
+        <p:nvSpPr>
+          <p:cNvPr id="17" name="Textfeld 16">
+            <a:extLst>
+              <a:ext uri="{FF2B5EF4-FFF2-40B4-BE49-F238E27FC236}">
+                <a16:creationId xmlns:a16="http://schemas.microsoft.com/office/drawing/2014/main" id="{A57AF8E4-D6DF-4F8B-AFEB-EA0ACDD472BD}"/>
+              </a:ext>
+            </a:extLst>
+          </p:cNvPr>
+          <p:cNvSpPr txBox="1"/>
+          <p:nvPr/>
+        </p:nvSpPr>
+        <p:spPr>
+          <a:xfrm>
+            <a:off x="9134285" y="4844146"/>
+            <a:ext cx="2286000" cy="646331"/>
+          </a:xfrm>
+          <a:prstGeom prst="rect">
+            <a:avLst/>
+          </a:prstGeom>
+          <a:noFill/>
+        </p:spPr>
+        <p:txBody>
+          <a:bodyPr wrap="square" rtlCol="0">
+            <a:spAutoFit/>
+          </a:bodyPr>
+          <a:lstStyle/>
+          <a:p>
+            <a:pPr algn="ctr"/>
+            <a:r>
+              <a:rPr lang="de-DE" dirty="0"/>
+              <a:t>Andreas </a:t>
+            </a:r>
+            <a:r>
+              <a:rPr lang="de-DE" dirty="0" err="1"/>
+              <a:t>Schüpferling</a:t>
             </a:r>
             <a:endParaRPr lang="de-DE" dirty="0"/>
           </a:p>
+          <a:p>
+            <a:pPr algn="ctr"/>
+            <a:r>
+              <a:rPr lang="de-DE" dirty="0"/>
+              <a:t>7. Semester IN</a:t>
+            </a:r>
+          </a:p>
+        </p:txBody>
+      </p:sp>
+    </p:spTree>
+    <p:extLst>
+      <p:ext uri="{BB962C8B-B14F-4D97-AF65-F5344CB8AC3E}">
+        <p14:creationId xmlns:p14="http://schemas.microsoft.com/office/powerpoint/2010/main" val="870076889"/>
+      </p:ext>
+    </p:extLst>
+  </p:cSld>
+  <p:clrMapOvr>
+    <a:masterClrMapping/>
+  </p:clrMapOvr>
+</p:sld>
+</file>
+
+<file path=ppt/slides/slide30.xml><?xml version="1.0" encoding="utf-8"?>
+<p:sld xmlns:a="http://schemas.openxmlformats.org/drawingml/2006/main" xmlns:r="http://schemas.openxmlformats.org/officeDocument/2006/relationships" xmlns:p="http://schemas.openxmlformats.org/presentationml/2006/main">
+  <p:cSld>
+    <p:spTree>
+      <p:nvGrpSpPr>
+        <p:cNvPr id="1" name=""/>
+        <p:cNvGrpSpPr/>
+        <p:nvPr/>
+      </p:nvGrpSpPr>
+      <p:grpSpPr>
+        <a:xfrm>
+          <a:off x="0" y="0"/>
+          <a:ext cx="0" cy="0"/>
+          <a:chOff x="0" y="0"/>
+          <a:chExt cx="0" cy="0"/>
+        </a:xfrm>
+      </p:grpSpPr>
+      <p:sp>
+        <p:nvSpPr>
+          <p:cNvPr id="2" name="Titel 1">
+            <a:extLst>
+              <a:ext uri="{FF2B5EF4-FFF2-40B4-BE49-F238E27FC236}">
+                <a16:creationId xmlns:a16="http://schemas.microsoft.com/office/drawing/2014/main" id="{3672C7EB-5C21-49BE-B88C-F7EC8027E3AF}"/>
+              </a:ext>
+            </a:extLst>
+          </p:cNvPr>
+          <p:cNvSpPr>
+            <a:spLocks noGrp="1"/>
+          </p:cNvSpPr>
+          <p:nvPr>
+            <p:ph type="title"/>
+          </p:nvPr>
+        </p:nvSpPr>
+        <p:spPr/>
+        <p:txBody>
+          <a:bodyPr/>
+          <a:lstStyle/>
+          <a:p>
+            <a:r>
+              <a:rPr lang="de-DE" dirty="0"/>
+              <a:t>Erfahrungen und </a:t>
+            </a:r>
+            <a:r>
+              <a:rPr lang="de-DE" dirty="0" err="1"/>
+              <a:t>Learnings</a:t>
+            </a:r>
+            <a:endParaRPr lang="de-DE" dirty="0"/>
+          </a:p>
         </p:txBody>
       </p:sp>
       <p:sp>
@@ -8835,7 +9999,7 @@
           <p:cNvPr id="3" name="Inhaltsplatzhalter 2">
             <a:extLst>
               <a:ext uri="{FF2B5EF4-FFF2-40B4-BE49-F238E27FC236}">
-                <a16:creationId xmlns:a16="http://schemas.microsoft.com/office/drawing/2014/main" id="{340A8E65-6165-427E-8554-FEDCFF0DC237}"/>
+                <a16:creationId xmlns:a16="http://schemas.microsoft.com/office/drawing/2014/main" id="{0A38A335-8BAB-4C27-AC46-8302880E2335}"/>
               </a:ext>
             </a:extLst>
           </p:cNvPr>
@@ -8853,32 +10017,39 @@
           <a:p>
             <a:r>
               <a:rPr lang="de-DE" dirty="0"/>
-              <a:t>Smarte Karteikarten-App</a:t>
-            </a:r>
-          </a:p>
-          <a:p>
-            <a:r>
-              <a:rPr lang="de-DE" dirty="0"/>
-              <a:t>Direktes Feedback der App:</a:t>
+              <a:t>Projektmanagement wichtiger als gedacht</a:t>
             </a:r>
           </a:p>
           <a:p>
             <a:pPr lvl="1"/>
             <a:r>
               <a:rPr lang="de-DE" dirty="0"/>
-              <a:t>Antworten anschauen und sagen „Das hätte ich gewusst!“ wird eliminiert</a:t>
-            </a:r>
-          </a:p>
-          <a:p>
-            <a:r>
-              <a:rPr lang="de-DE" dirty="0"/>
-              <a:t>Vergleich mit eigenem Empfinden und dem Empfinden anderer Nutzer</a:t>
-            </a:r>
-          </a:p>
-          <a:p>
-            <a:r>
-              <a:rPr lang="de-DE" dirty="0"/>
-              <a:t>Analyse des Lernfortschritts</a:t>
+              <a:t>Kein persönliches Treffen wegen Corona -&gt; Planung vernachlässigt</a:t>
+            </a:r>
+          </a:p>
+          <a:p>
+            <a:pPr lvl="1"/>
+            <a:r>
+              <a:rPr lang="de-DE" dirty="0"/>
+              <a:t>Gesamtüberblick ist essenziell</a:t>
+            </a:r>
+          </a:p>
+          <a:p>
+            <a:pPr lvl="1"/>
+            <a:r>
+              <a:rPr lang="de-DE" dirty="0"/>
+              <a:t>Lieber 1 Tool, anstatt 10 verteilte</a:t>
+            </a:r>
+          </a:p>
+          <a:p>
+            <a:pPr lvl="1"/>
+            <a:r>
+              <a:rPr lang="de-DE" dirty="0" err="1"/>
+              <a:t>To</a:t>
+            </a:r>
+            <a:r>
+              <a:rPr lang="de-DE" dirty="0"/>
+              <a:t>-Dos klar definieren -&gt; einheitliches Verständnis</a:t>
             </a:r>
           </a:p>
         </p:txBody>
@@ -8886,7 +10057,518 @@
     </p:spTree>
     <p:extLst>
       <p:ext uri="{BB962C8B-B14F-4D97-AF65-F5344CB8AC3E}">
-        <p14:creationId xmlns:p14="http://schemas.microsoft.com/office/powerpoint/2010/main" val="3790528799"/>
+        <p14:creationId xmlns:p14="http://schemas.microsoft.com/office/powerpoint/2010/main" val="2595303376"/>
+      </p:ext>
+    </p:extLst>
+  </p:cSld>
+  <p:clrMapOvr>
+    <a:masterClrMapping/>
+  </p:clrMapOvr>
+</p:sld>
+</file>
+
+<file path=ppt/slides/slide31.xml><?xml version="1.0" encoding="utf-8"?>
+<p:sld xmlns:a="http://schemas.openxmlformats.org/drawingml/2006/main" xmlns:r="http://schemas.openxmlformats.org/officeDocument/2006/relationships" xmlns:p="http://schemas.openxmlformats.org/presentationml/2006/main">
+  <p:cSld>
+    <p:spTree>
+      <p:nvGrpSpPr>
+        <p:cNvPr id="1" name=""/>
+        <p:cNvGrpSpPr/>
+        <p:nvPr/>
+      </p:nvGrpSpPr>
+      <p:grpSpPr>
+        <a:xfrm>
+          <a:off x="0" y="0"/>
+          <a:ext cx="0" cy="0"/>
+          <a:chOff x="0" y="0"/>
+          <a:chExt cx="0" cy="0"/>
+        </a:xfrm>
+      </p:grpSpPr>
+      <p:sp>
+        <p:nvSpPr>
+          <p:cNvPr id="2" name="Titel 1">
+            <a:extLst>
+              <a:ext uri="{FF2B5EF4-FFF2-40B4-BE49-F238E27FC236}">
+                <a16:creationId xmlns:a16="http://schemas.microsoft.com/office/drawing/2014/main" id="{489F2C41-494F-4F28-8892-7EA5465842AB}"/>
+              </a:ext>
+            </a:extLst>
+          </p:cNvPr>
+          <p:cNvSpPr>
+            <a:spLocks noGrp="1"/>
+          </p:cNvSpPr>
+          <p:nvPr>
+            <p:ph type="title"/>
+          </p:nvPr>
+        </p:nvSpPr>
+        <p:spPr/>
+        <p:txBody>
+          <a:bodyPr/>
+          <a:lstStyle/>
+          <a:p>
+            <a:r>
+              <a:rPr lang="de-DE" dirty="0"/>
+              <a:t>Erfahrungen und </a:t>
+            </a:r>
+            <a:r>
+              <a:rPr lang="de-DE" dirty="0" err="1"/>
+              <a:t>Learnings</a:t>
+            </a:r>
+            <a:endParaRPr lang="de-DE" dirty="0"/>
+          </a:p>
+        </p:txBody>
+      </p:sp>
+      <p:graphicFrame>
+        <p:nvGraphicFramePr>
+          <p:cNvPr id="4" name="Tabelle 4">
+            <a:extLst>
+              <a:ext uri="{FF2B5EF4-FFF2-40B4-BE49-F238E27FC236}">
+                <a16:creationId xmlns:a16="http://schemas.microsoft.com/office/drawing/2014/main" id="{2F2EA065-4856-4DC0-A1F1-5E43291DFB95}"/>
+              </a:ext>
+            </a:extLst>
+          </p:cNvPr>
+          <p:cNvGraphicFramePr>
+            <a:graphicFrameLocks noGrp="1"/>
+          </p:cNvGraphicFramePr>
+          <p:nvPr>
+            <p:ph idx="1"/>
+            <p:extLst>
+              <p:ext uri="{D42A27DB-BD31-4B8C-83A1-F6EECF244321}">
+                <p14:modId xmlns:p14="http://schemas.microsoft.com/office/powerpoint/2010/main" val="2652580226"/>
+              </p:ext>
+            </p:extLst>
+          </p:nvPr>
+        </p:nvGraphicFramePr>
+        <p:xfrm>
+          <a:off x="838200" y="1825625"/>
+          <a:ext cx="10515600" cy="3393440"/>
+        </p:xfrm>
+        <a:graphic>
+          <a:graphicData uri="http://schemas.openxmlformats.org/drawingml/2006/table">
+            <a:tbl>
+              <a:tblPr firstRow="1" bandRow="1">
+                <a:tableStyleId>{2D5ABB26-0587-4C30-8999-92F81FD0307C}</a:tableStyleId>
+              </a:tblPr>
+              <a:tblGrid>
+                <a:gridCol w="5257800">
+                  <a:extLst>
+                    <a:ext uri="{9D8B030D-6E8A-4147-A177-3AD203B41FA5}">
+                      <a16:colId xmlns:a16="http://schemas.microsoft.com/office/drawing/2014/main" val="3859638480"/>
+                    </a:ext>
+                  </a:extLst>
+                </a:gridCol>
+                <a:gridCol w="5257800">
+                  <a:extLst>
+                    <a:ext uri="{9D8B030D-6E8A-4147-A177-3AD203B41FA5}">
+                      <a16:colId xmlns:a16="http://schemas.microsoft.com/office/drawing/2014/main" val="2260787004"/>
+                    </a:ext>
+                  </a:extLst>
+                </a:gridCol>
+              </a:tblGrid>
+              <a:tr h="370840">
+                <a:tc>
+                  <a:txBody>
+                    <a:bodyPr/>
+                    <a:lstStyle/>
+                    <a:p>
+                      <a:pPr algn="ctr"/>
+                      <a:r>
+                        <a:rPr lang="de-DE" dirty="0"/>
+                        <a:t>Problem</a:t>
+                      </a:r>
+                    </a:p>
+                  </a:txBody>
+                  <a:tcPr>
+                    <a:lnR w="12700" cap="flat" cmpd="sng" algn="ctr">
+                      <a:solidFill>
+                        <a:schemeClr val="tx1"/>
+                      </a:solidFill>
+                      <a:prstDash val="solid"/>
+                      <a:round/>
+                      <a:headEnd type="none" w="med" len="med"/>
+                      <a:tailEnd type="none" w="med" len="med"/>
+                    </a:lnR>
+                    <a:lnB w="12700" cap="flat" cmpd="sng" algn="ctr">
+                      <a:solidFill>
+                        <a:schemeClr val="tx1"/>
+                      </a:solidFill>
+                      <a:prstDash val="solid"/>
+                      <a:round/>
+                      <a:headEnd type="none" w="med" len="med"/>
+                      <a:tailEnd type="none" w="med" len="med"/>
+                    </a:lnB>
+                  </a:tcPr>
+                </a:tc>
+                <a:tc>
+                  <a:txBody>
+                    <a:bodyPr/>
+                    <a:lstStyle/>
+                    <a:p>
+                      <a:pPr algn="ctr"/>
+                      <a:r>
+                        <a:rPr lang="de-DE" dirty="0"/>
+                        <a:t>Lösung</a:t>
+                      </a:r>
+                    </a:p>
+                  </a:txBody>
+                  <a:tcPr>
+                    <a:lnL w="12700" cap="flat" cmpd="sng" algn="ctr">
+                      <a:solidFill>
+                        <a:schemeClr val="tx1"/>
+                      </a:solidFill>
+                      <a:prstDash val="solid"/>
+                      <a:round/>
+                      <a:headEnd type="none" w="med" len="med"/>
+                      <a:tailEnd type="none" w="med" len="med"/>
+                    </a:lnL>
+                    <a:lnB w="12700" cap="flat" cmpd="sng" algn="ctr">
+                      <a:solidFill>
+                        <a:schemeClr val="tx1"/>
+                      </a:solidFill>
+                      <a:prstDash val="solid"/>
+                      <a:round/>
+                      <a:headEnd type="none" w="med" len="med"/>
+                      <a:tailEnd type="none" w="med" len="med"/>
+                    </a:lnB>
+                  </a:tcPr>
+                </a:tc>
+                <a:extLst>
+                  <a:ext uri="{0D108BD9-81ED-4DB2-BD59-A6C34878D82A}">
+                    <a16:rowId xmlns:a16="http://schemas.microsoft.com/office/drawing/2014/main" val="1285247465"/>
+                  </a:ext>
+                </a:extLst>
+              </a:tr>
+              <a:tr h="370840">
+                <a:tc>
+                  <a:txBody>
+                    <a:bodyPr/>
+                    <a:lstStyle/>
+                    <a:p>
+                      <a:r>
+                        <a:rPr lang="de-DE" dirty="0"/>
+                        <a:t>Projektmanagement </a:t>
+                      </a:r>
+                    </a:p>
+                  </a:txBody>
+                  <a:tcPr>
+                    <a:lnR w="12700" cap="flat" cmpd="sng" algn="ctr">
+                      <a:solidFill>
+                        <a:schemeClr val="tx1"/>
+                      </a:solidFill>
+                      <a:prstDash val="solid"/>
+                      <a:round/>
+                      <a:headEnd type="none" w="med" len="med"/>
+                      <a:tailEnd type="none" w="med" len="med"/>
+                    </a:lnR>
+                    <a:lnT w="12700" cap="flat" cmpd="sng" algn="ctr">
+                      <a:solidFill>
+                        <a:schemeClr val="tx1"/>
+                      </a:solidFill>
+                      <a:prstDash val="solid"/>
+                      <a:round/>
+                      <a:headEnd type="none" w="med" len="med"/>
+                      <a:tailEnd type="none" w="med" len="med"/>
+                    </a:lnT>
+                  </a:tcPr>
+                </a:tc>
+                <a:tc>
+                  <a:txBody>
+                    <a:bodyPr/>
+                    <a:lstStyle/>
+                    <a:p>
+                      <a:r>
+                        <a:rPr lang="de-DE" dirty="0" err="1"/>
+                        <a:t>Learnings</a:t>
+                      </a:r>
+                      <a:r>
+                        <a:rPr lang="de-DE" dirty="0"/>
+                        <a:t> aus vorheriger Folie</a:t>
+                      </a:r>
+                    </a:p>
+                  </a:txBody>
+                  <a:tcPr>
+                    <a:lnL w="12700" cap="flat" cmpd="sng" algn="ctr">
+                      <a:solidFill>
+                        <a:schemeClr val="tx1"/>
+                      </a:solidFill>
+                      <a:prstDash val="solid"/>
+                      <a:round/>
+                      <a:headEnd type="none" w="med" len="med"/>
+                      <a:tailEnd type="none" w="med" len="med"/>
+                    </a:lnL>
+                    <a:lnT w="12700" cap="flat" cmpd="sng" algn="ctr">
+                      <a:solidFill>
+                        <a:schemeClr val="tx1"/>
+                      </a:solidFill>
+                      <a:prstDash val="solid"/>
+                      <a:round/>
+                      <a:headEnd type="none" w="med" len="med"/>
+                      <a:tailEnd type="none" w="med" len="med"/>
+                    </a:lnT>
+                  </a:tcPr>
+                </a:tc>
+                <a:extLst>
+                  <a:ext uri="{0D108BD9-81ED-4DB2-BD59-A6C34878D82A}">
+                    <a16:rowId xmlns:a16="http://schemas.microsoft.com/office/drawing/2014/main" val="1658071199"/>
+                  </a:ext>
+                </a:extLst>
+              </a:tr>
+              <a:tr h="370840">
+                <a:tc>
+                  <a:txBody>
+                    <a:bodyPr/>
+                    <a:lstStyle/>
+                    <a:p>
+                      <a:endParaRPr lang="de-DE" dirty="0"/>
+                    </a:p>
+                    <a:p>
+                      <a:r>
+                        <a:rPr lang="de-DE" dirty="0"/>
+                        <a:t>Wenig Nutzerzahlen</a:t>
+                      </a:r>
+                    </a:p>
+                  </a:txBody>
+                  <a:tcPr>
+                    <a:lnR w="12700" cap="flat" cmpd="sng" algn="ctr">
+                      <a:solidFill>
+                        <a:schemeClr val="tx1"/>
+                      </a:solidFill>
+                      <a:prstDash val="solid"/>
+                      <a:round/>
+                      <a:headEnd type="none" w="med" len="med"/>
+                      <a:tailEnd type="none" w="med" len="med"/>
+                    </a:lnR>
+                  </a:tcPr>
+                </a:tc>
+                <a:tc>
+                  <a:txBody>
+                    <a:bodyPr/>
+                    <a:lstStyle/>
+                    <a:p>
+                      <a:endParaRPr lang="de-DE" dirty="0"/>
+                    </a:p>
+                    <a:p>
+                      <a:r>
+                        <a:rPr lang="de-DE" dirty="0"/>
+                        <a:t>-Falschen Zeitpunkt (Corona -&gt; Auswendig lernen nicht effektiv bei Online-Klausuren)</a:t>
+                      </a:r>
+                    </a:p>
+                    <a:p>
+                      <a:r>
+                        <a:rPr lang="de-DE" dirty="0"/>
+                        <a:t>-Mehr direkte Nutzertests mit Feedback vor Veröffentlichung </a:t>
+                      </a:r>
+                    </a:p>
+                    <a:p>
+                      <a:r>
+                        <a:rPr lang="de-DE" dirty="0"/>
+                        <a:t>-Mehr Marketing betreiben</a:t>
+                      </a:r>
+                    </a:p>
+                  </a:txBody>
+                  <a:tcPr>
+                    <a:lnL w="12700" cap="flat" cmpd="sng" algn="ctr">
+                      <a:solidFill>
+                        <a:schemeClr val="tx1"/>
+                      </a:solidFill>
+                      <a:prstDash val="solid"/>
+                      <a:round/>
+                      <a:headEnd type="none" w="med" len="med"/>
+                      <a:tailEnd type="none" w="med" len="med"/>
+                    </a:lnL>
+                  </a:tcPr>
+                </a:tc>
+                <a:extLst>
+                  <a:ext uri="{0D108BD9-81ED-4DB2-BD59-A6C34878D82A}">
+                    <a16:rowId xmlns:a16="http://schemas.microsoft.com/office/drawing/2014/main" val="174085552"/>
+                  </a:ext>
+                </a:extLst>
+              </a:tr>
+              <a:tr h="370840">
+                <a:tc>
+                  <a:txBody>
+                    <a:bodyPr/>
+                    <a:lstStyle/>
+                    <a:p>
+                      <a:endParaRPr lang="de-DE" dirty="0"/>
+                    </a:p>
+                    <a:p>
+                      <a:r>
+                        <a:rPr lang="de-DE" dirty="0"/>
+                        <a:t>Zielgruppe wurde nicht erreicht </a:t>
+                      </a:r>
+                    </a:p>
+                  </a:txBody>
+                  <a:tcPr>
+                    <a:lnR w="12700" cap="flat" cmpd="sng" algn="ctr">
+                      <a:solidFill>
+                        <a:schemeClr val="tx1"/>
+                      </a:solidFill>
+                      <a:prstDash val="solid"/>
+                      <a:round/>
+                      <a:headEnd type="none" w="med" len="med"/>
+                      <a:tailEnd type="none" w="med" len="med"/>
+                    </a:lnR>
+                  </a:tcPr>
+                </a:tc>
+                <a:tc>
+                  <a:txBody>
+                    <a:bodyPr/>
+                    <a:lstStyle/>
+                    <a:p>
+                      <a:endParaRPr lang="de-DE" dirty="0"/>
+                    </a:p>
+                    <a:p>
+                      <a:r>
+                        <a:rPr lang="de-DE" dirty="0"/>
+                        <a:t>-Feedback</a:t>
+                      </a:r>
+                    </a:p>
+                    <a:p>
+                      <a:r>
+                        <a:rPr lang="de-DE" dirty="0"/>
+                        <a:t>-Fächer anders wählen (entsprechend Funktionalität)</a:t>
+                      </a:r>
+                    </a:p>
+                  </a:txBody>
+                  <a:tcPr>
+                    <a:lnL w="12700" cap="flat" cmpd="sng" algn="ctr">
+                      <a:solidFill>
+                        <a:schemeClr val="tx1"/>
+                      </a:solidFill>
+                      <a:prstDash val="solid"/>
+                      <a:round/>
+                      <a:headEnd type="none" w="med" len="med"/>
+                      <a:tailEnd type="none" w="med" len="med"/>
+                    </a:lnL>
+                  </a:tcPr>
+                </a:tc>
+                <a:extLst>
+                  <a:ext uri="{0D108BD9-81ED-4DB2-BD59-A6C34878D82A}">
+                    <a16:rowId xmlns:a16="http://schemas.microsoft.com/office/drawing/2014/main" val="1601211772"/>
+                  </a:ext>
+                </a:extLst>
+              </a:tr>
+            </a:tbl>
+          </a:graphicData>
+        </a:graphic>
+      </p:graphicFrame>
+    </p:spTree>
+    <p:extLst>
+      <p:ext uri="{BB962C8B-B14F-4D97-AF65-F5344CB8AC3E}">
+        <p14:creationId xmlns:p14="http://schemas.microsoft.com/office/powerpoint/2010/main" val="2337053803"/>
+      </p:ext>
+    </p:extLst>
+  </p:cSld>
+  <p:clrMapOvr>
+    <a:masterClrMapping/>
+  </p:clrMapOvr>
+</p:sld>
+</file>
+
+<file path=ppt/slides/slide32.xml><?xml version="1.0" encoding="utf-8"?>
+<p:sld xmlns:a="http://schemas.openxmlformats.org/drawingml/2006/main" xmlns:r="http://schemas.openxmlformats.org/officeDocument/2006/relationships" xmlns:p="http://schemas.openxmlformats.org/presentationml/2006/main">
+  <p:cSld>
+    <p:spTree>
+      <p:nvGrpSpPr>
+        <p:cNvPr id="1" name=""/>
+        <p:cNvGrpSpPr/>
+        <p:nvPr/>
+      </p:nvGrpSpPr>
+      <p:grpSpPr>
+        <a:xfrm>
+          <a:off x="0" y="0"/>
+          <a:ext cx="0" cy="0"/>
+          <a:chOff x="0" y="0"/>
+          <a:chExt cx="0" cy="0"/>
+        </a:xfrm>
+      </p:grpSpPr>
+      <p:sp>
+        <p:nvSpPr>
+          <p:cNvPr id="2" name="Titel 1">
+            <a:extLst>
+              <a:ext uri="{FF2B5EF4-FFF2-40B4-BE49-F238E27FC236}">
+                <a16:creationId xmlns:a16="http://schemas.microsoft.com/office/drawing/2014/main" id="{F2FD5D2D-818E-4946-87F1-BAAF805290AD}"/>
+              </a:ext>
+            </a:extLst>
+          </p:cNvPr>
+          <p:cNvSpPr>
+            <a:spLocks noGrp="1"/>
+          </p:cNvSpPr>
+          <p:nvPr>
+            <p:ph type="title"/>
+          </p:nvPr>
+        </p:nvSpPr>
+        <p:spPr/>
+        <p:txBody>
+          <a:bodyPr/>
+          <a:lstStyle/>
+          <a:p>
+            <a:r>
+              <a:rPr lang="de-DE" dirty="0"/>
+              <a:t>Ausblick</a:t>
+            </a:r>
+          </a:p>
+        </p:txBody>
+      </p:sp>
+      <p:sp>
+        <p:nvSpPr>
+          <p:cNvPr id="3" name="Inhaltsplatzhalter 2">
+            <a:extLst>
+              <a:ext uri="{FF2B5EF4-FFF2-40B4-BE49-F238E27FC236}">
+                <a16:creationId xmlns:a16="http://schemas.microsoft.com/office/drawing/2014/main" id="{411ADF43-4704-4FD4-B1E9-5EABDB3889B1}"/>
+              </a:ext>
+            </a:extLst>
+          </p:cNvPr>
+          <p:cNvSpPr>
+            <a:spLocks noGrp="1"/>
+          </p:cNvSpPr>
+          <p:nvPr>
+            <p:ph idx="1"/>
+          </p:nvPr>
+        </p:nvSpPr>
+        <p:spPr/>
+        <p:txBody>
+          <a:bodyPr/>
+          <a:lstStyle/>
+          <a:p>
+            <a:r>
+              <a:rPr lang="de-DE" dirty="0"/>
+              <a:t>Ohne Nutzer -&gt; keine Daten -&gt; keine sinnvolle Verwendung der App</a:t>
+            </a:r>
+          </a:p>
+          <a:p>
+            <a:r>
+              <a:rPr lang="de-DE" dirty="0"/>
+              <a:t>Theoretische Möglichkeiten:</a:t>
+            </a:r>
+          </a:p>
+          <a:p>
+            <a:pPr lvl="1"/>
+            <a:r>
+              <a:rPr lang="de-DE" dirty="0"/>
+              <a:t>Sprachverarbeitung optimieren wodurch die Resultate besser werden</a:t>
+            </a:r>
+          </a:p>
+          <a:p>
+            <a:pPr lvl="1"/>
+            <a:r>
+              <a:rPr lang="de-DE" dirty="0"/>
+              <a:t>Vergleich von User-Bewertungen und NLP-Bewertungen</a:t>
+            </a:r>
+          </a:p>
+          <a:p>
+            <a:pPr lvl="1"/>
+            <a:r>
+              <a:rPr lang="de-DE" dirty="0"/>
+              <a:t>Eigenes Sprachmodell trainieren</a:t>
+            </a:r>
+          </a:p>
+        </p:txBody>
+      </p:sp>
+    </p:spTree>
+    <p:extLst>
+      <p:ext uri="{BB962C8B-B14F-4D97-AF65-F5344CB8AC3E}">
+        <p14:creationId xmlns:p14="http://schemas.microsoft.com/office/powerpoint/2010/main" val="4039157255"/>
       </p:ext>
     </p:extLst>
   </p:cSld>
@@ -8918,7 +10600,7 @@
           <p:cNvPr id="2" name="Titel 1">
             <a:extLst>
               <a:ext uri="{FF2B5EF4-FFF2-40B4-BE49-F238E27FC236}">
-                <a16:creationId xmlns:a16="http://schemas.microsoft.com/office/drawing/2014/main" id="{1DAE47C7-8722-42F7-A85F-9A02A4848FDB}"/>
+                <a16:creationId xmlns:a16="http://schemas.microsoft.com/office/drawing/2014/main" id="{37BD5DE0-59A1-409A-84D9-C20679B34AD9}"/>
               </a:ext>
             </a:extLst>
           </p:cNvPr>
@@ -8936,7 +10618,7 @@
           <a:p>
             <a:r>
               <a:rPr lang="de-DE" dirty="0"/>
-              <a:t>Frontend - Angular</a:t>
+              <a:t>Motivation</a:t>
             </a:r>
           </a:p>
         </p:txBody>
@@ -8946,7 +10628,7 @@
           <p:cNvPr id="3" name="Inhaltsplatzhalter 2">
             <a:extLst>
               <a:ext uri="{FF2B5EF4-FFF2-40B4-BE49-F238E27FC236}">
-                <a16:creationId xmlns:a16="http://schemas.microsoft.com/office/drawing/2014/main" id="{7D693E0D-6383-4875-B85F-EAE50EE74334}"/>
+                <a16:creationId xmlns:a16="http://schemas.microsoft.com/office/drawing/2014/main" id="{9613AD32-2CD7-4173-A7DB-A9B37C8E2465}"/>
               </a:ext>
             </a:extLst>
           </p:cNvPr>
@@ -8964,102 +10646,27 @@
           <a:p>
             <a:r>
               <a:rPr lang="de-DE" dirty="0"/>
-              <a:t>Frontend-Framework basierend auf </a:t>
-            </a:r>
-            <a:r>
-              <a:rPr lang="de-DE" dirty="0" err="1"/>
-              <a:t>Typescript</a:t>
-            </a:r>
-            <a:endParaRPr lang="de-DE" dirty="0"/>
-          </a:p>
-          <a:p>
-            <a:r>
-              <a:rPr lang="de-DE" dirty="0"/>
-              <a:t>Warum Angular?</a:t>
-            </a:r>
-          </a:p>
-          <a:p>
-            <a:pPr lvl="1"/>
-            <a:r>
-              <a:rPr lang="de-DE" dirty="0"/>
-              <a:t>Modernes Design </a:t>
-            </a:r>
-          </a:p>
-          <a:p>
-            <a:pPr lvl="1"/>
-            <a:r>
-              <a:rPr lang="de-DE" dirty="0"/>
-              <a:t>Funktionsreich (Router etc. integriert)</a:t>
-            </a:r>
-          </a:p>
-          <a:p>
-            <a:pPr lvl="1"/>
-            <a:r>
-              <a:rPr lang="de-DE" dirty="0"/>
-              <a:t>Intuitiver als bspw. </a:t>
-            </a:r>
-            <a:r>
-              <a:rPr lang="de-DE" dirty="0" err="1"/>
-              <a:t>React</a:t>
-            </a:r>
-            <a:endParaRPr lang="de-DE" dirty="0"/>
-          </a:p>
-          <a:p>
-            <a:r>
-              <a:rPr lang="de-DE" dirty="0"/>
-              <a:t>Zusammensetzung aus (wiederverwendbaren) </a:t>
-            </a:r>
-            <a:r>
-              <a:rPr lang="de-DE" dirty="0" err="1"/>
-              <a:t>Componenten</a:t>
-            </a:r>
-            <a:endParaRPr lang="de-DE" dirty="0"/>
-          </a:p>
-          <a:p>
-            <a:endParaRPr lang="de-DE" dirty="0"/>
-          </a:p>
-        </p:txBody>
-      </p:sp>
-      <p:pic>
-        <p:nvPicPr>
-          <p:cNvPr id="13" name="Grafik 12" descr="Ein Bild, das Schild, draußen, Ende, sitzend enthält.&#10;&#10;Automatisch generierte Beschreibung">
-            <a:extLst>
-              <a:ext uri="{FF2B5EF4-FFF2-40B4-BE49-F238E27FC236}">
-                <a16:creationId xmlns:a16="http://schemas.microsoft.com/office/drawing/2014/main" id="{6647247E-16A8-491E-ABE7-21FD2EB7FBCE}"/>
-              </a:ext>
-            </a:extLst>
-          </p:cNvPr>
-          <p:cNvPicPr>
-            <a:picLocks noChangeAspect="1"/>
-          </p:cNvPicPr>
-          <p:nvPr/>
-        </p:nvPicPr>
-        <p:blipFill>
-          <a:blip r:embed="rId2">
-            <a:extLst>
-              <a:ext uri="{28A0092B-C50C-407E-A947-70E740481C1C}">
-                <a14:useLocalDpi xmlns:a14="http://schemas.microsoft.com/office/drawing/2010/main" val="0"/>
-              </a:ext>
-            </a:extLst>
-          </a:blip>
-          <a:stretch>
-            <a:fillRect/>
-          </a:stretch>
-        </p:blipFill>
-        <p:spPr>
-          <a:xfrm>
-            <a:off x="5279932" y="582892"/>
-            <a:ext cx="890028" cy="890028"/>
-          </a:xfrm>
-          <a:prstGeom prst="rect">
-            <a:avLst/>
-          </a:prstGeom>
-        </p:spPr>
-      </p:pic>
+              <a:t>Benutzen selber Karteikarten zum Lernen</a:t>
+            </a:r>
+          </a:p>
+          <a:p>
+            <a:r>
+              <a:rPr lang="de-DE" dirty="0"/>
+              <a:t>Können wir direktes Feedback in das Lernen integrieren?</a:t>
+            </a:r>
+          </a:p>
+          <a:p>
+            <a:r>
+              <a:rPr lang="de-DE" dirty="0"/>
+              <a:t>Ist es möglich mit Spracherkennung eine Bewertung zu erzeugen, die der eines Korrektors/einer menschlichen Bewertung entspricht?</a:t>
+            </a:r>
+          </a:p>
+        </p:txBody>
+      </p:sp>
     </p:spTree>
     <p:extLst>
       <p:ext uri="{BB962C8B-B14F-4D97-AF65-F5344CB8AC3E}">
-        <p14:creationId xmlns:p14="http://schemas.microsoft.com/office/powerpoint/2010/main" val="1256113820"/>
+        <p14:creationId xmlns:p14="http://schemas.microsoft.com/office/powerpoint/2010/main" val="46604338"/>
       </p:ext>
     </p:extLst>
   </p:cSld>
@@ -9091,7 +10698,7 @@
           <p:cNvPr id="2" name="Titel 1">
             <a:extLst>
               <a:ext uri="{FF2B5EF4-FFF2-40B4-BE49-F238E27FC236}">
-                <a16:creationId xmlns:a16="http://schemas.microsoft.com/office/drawing/2014/main" id="{B7BD5295-B1B4-4E6C-8A5E-3729EE0854C1}"/>
+                <a16:creationId xmlns:a16="http://schemas.microsoft.com/office/drawing/2014/main" id="{33B4BD6D-758C-4A3E-81C1-39AD1537FEBB}"/>
               </a:ext>
             </a:extLst>
           </p:cNvPr>
@@ -9109,8 +10716,13 @@
           <a:p>
             <a:r>
               <a:rPr lang="de-DE" dirty="0"/>
-              <a:t>Frontend – Angular Components</a:t>
-            </a:r>
+              <a:t>Was </a:t>
+            </a:r>
+            <a:r>
+              <a:rPr lang="de-DE"/>
+              <a:t>ist Alias ?</a:t>
+            </a:r>
+            <a:endParaRPr lang="de-DE" dirty="0"/>
           </a:p>
         </p:txBody>
       </p:sp>
@@ -9119,7 +10731,7 @@
           <p:cNvPr id="3" name="Inhaltsplatzhalter 2">
             <a:extLst>
               <a:ext uri="{FF2B5EF4-FFF2-40B4-BE49-F238E27FC236}">
-                <a16:creationId xmlns:a16="http://schemas.microsoft.com/office/drawing/2014/main" id="{1EDDA203-E21A-4B2B-9FA0-387E807AF6D1}"/>
+                <a16:creationId xmlns:a16="http://schemas.microsoft.com/office/drawing/2014/main" id="{340A8E65-6165-427E-8554-FEDCFF0DC237}"/>
               </a:ext>
             </a:extLst>
           </p:cNvPr>
@@ -9137,171 +10749,46 @@
           <a:p>
             <a:r>
               <a:rPr lang="de-DE" dirty="0"/>
-              <a:t>Zusammensetzung aus (wiederverwendbaren) </a:t>
-            </a:r>
-            <a:r>
-              <a:rPr lang="de-DE" dirty="0" err="1"/>
-              <a:t>Componenten</a:t>
-            </a:r>
-            <a:endParaRPr lang="de-DE" dirty="0"/>
-          </a:p>
-          <a:p>
-            <a:r>
-              <a:rPr lang="de-DE" dirty="0"/>
-              <a:t>HTML, CSS und TS können überall eingebunden werden</a:t>
-            </a:r>
-          </a:p>
-          <a:p>
-            <a:endParaRPr lang="de-DE" dirty="0"/>
-          </a:p>
-        </p:txBody>
-      </p:sp>
-      <p:pic>
-        <p:nvPicPr>
-          <p:cNvPr id="4" name="Grafik 3">
-            <a:extLst>
-              <a:ext uri="{FF2B5EF4-FFF2-40B4-BE49-F238E27FC236}">
-                <a16:creationId xmlns:a16="http://schemas.microsoft.com/office/drawing/2014/main" id="{049B99AF-3941-4350-A4DF-D94AE1A73766}"/>
-              </a:ext>
-            </a:extLst>
-          </p:cNvPr>
-          <p:cNvPicPr>
-            <a:picLocks noChangeAspect="1"/>
-          </p:cNvPicPr>
-          <p:nvPr/>
-        </p:nvPicPr>
-        <p:blipFill>
-          <a:blip r:embed="rId2"/>
-          <a:stretch>
-            <a:fillRect/>
-          </a:stretch>
-        </p:blipFill>
-        <p:spPr>
-          <a:xfrm>
-            <a:off x="656515" y="3344430"/>
-            <a:ext cx="3590925" cy="523875"/>
-          </a:xfrm>
-          <a:prstGeom prst="rect">
-            <a:avLst/>
-          </a:prstGeom>
-        </p:spPr>
-      </p:pic>
-      <p:pic>
-        <p:nvPicPr>
-          <p:cNvPr id="5" name="Grafik 4">
-            <a:extLst>
-              <a:ext uri="{FF2B5EF4-FFF2-40B4-BE49-F238E27FC236}">
-                <a16:creationId xmlns:a16="http://schemas.microsoft.com/office/drawing/2014/main" id="{C1DF700A-3F1B-44B2-8108-ECA396D46E39}"/>
-              </a:ext>
-            </a:extLst>
-          </p:cNvPr>
-          <p:cNvPicPr>
-            <a:picLocks noChangeAspect="1"/>
-          </p:cNvPicPr>
-          <p:nvPr/>
-        </p:nvPicPr>
-        <p:blipFill>
-          <a:blip r:embed="rId3"/>
-          <a:stretch>
-            <a:fillRect/>
-          </a:stretch>
-        </p:blipFill>
-        <p:spPr>
-          <a:xfrm>
-            <a:off x="7656681" y="3178175"/>
-            <a:ext cx="3562350" cy="3314700"/>
-          </a:xfrm>
-          <a:prstGeom prst="rect">
-            <a:avLst/>
-          </a:prstGeom>
-        </p:spPr>
-      </p:pic>
-      <p:sp>
-        <p:nvSpPr>
-          <p:cNvPr id="6" name="Pfeil: nach rechts 5">
-            <a:extLst>
-              <a:ext uri="{FF2B5EF4-FFF2-40B4-BE49-F238E27FC236}">
-                <a16:creationId xmlns:a16="http://schemas.microsoft.com/office/drawing/2014/main" id="{AFB69EDA-05F6-489D-9679-1EC658F61F9A}"/>
-              </a:ext>
-            </a:extLst>
-          </p:cNvPr>
-          <p:cNvSpPr/>
-          <p:nvPr/>
-        </p:nvSpPr>
-        <p:spPr>
-          <a:xfrm>
-            <a:off x="4787153" y="4161865"/>
-            <a:ext cx="1727947" cy="874059"/>
-          </a:xfrm>
-          <a:prstGeom prst="rightArrow">
-            <a:avLst/>
-          </a:prstGeom>
-        </p:spPr>
-        <p:style>
-          <a:lnRef idx="2">
-            <a:schemeClr val="accent4">
-              <a:shade val="50000"/>
-            </a:schemeClr>
-          </a:lnRef>
-          <a:fillRef idx="1">
-            <a:schemeClr val="accent4"/>
-          </a:fillRef>
-          <a:effectRef idx="0">
-            <a:schemeClr val="accent4"/>
-          </a:effectRef>
-          <a:fontRef idx="minor">
-            <a:schemeClr val="lt1"/>
-          </a:fontRef>
-        </p:style>
-        <p:txBody>
-          <a:bodyPr rtlCol="0" anchor="ctr"/>
-          <a:lstStyle/>
-          <a:p>
-            <a:pPr algn="ctr"/>
-            <a:endParaRPr lang="de-DE"/>
-          </a:p>
-        </p:txBody>
-      </p:sp>
-      <p:pic>
-        <p:nvPicPr>
-          <p:cNvPr id="7" name="Grafik 6" descr="Ein Bild, das Schild, draußen, Ende, sitzend enthält.&#10;&#10;Automatisch generierte Beschreibung">
-            <a:extLst>
-              <a:ext uri="{FF2B5EF4-FFF2-40B4-BE49-F238E27FC236}">
-                <a16:creationId xmlns:a16="http://schemas.microsoft.com/office/drawing/2014/main" id="{1C3A3E3A-0241-4E20-A355-DB89EC143975}"/>
-              </a:ext>
-            </a:extLst>
-          </p:cNvPr>
-          <p:cNvPicPr>
-            <a:picLocks noChangeAspect="1"/>
-          </p:cNvPicPr>
-          <p:nvPr/>
-        </p:nvPicPr>
-        <p:blipFill>
-          <a:blip r:embed="rId4">
-            <a:extLst>
-              <a:ext uri="{28A0092B-C50C-407E-A947-70E740481C1C}">
-                <a14:useLocalDpi xmlns:a14="http://schemas.microsoft.com/office/drawing/2010/main" val="0"/>
-              </a:ext>
-            </a:extLst>
-          </a:blip>
-          <a:stretch>
-            <a:fillRect/>
-          </a:stretch>
-        </p:blipFill>
-        <p:spPr>
-          <a:xfrm>
-            <a:off x="8331891" y="582892"/>
-            <a:ext cx="890028" cy="890028"/>
-          </a:xfrm>
-          <a:prstGeom prst="rect">
-            <a:avLst/>
-          </a:prstGeom>
-        </p:spPr>
-      </p:pic>
+              <a:t>Smarte Karteikarten-App</a:t>
+            </a:r>
+          </a:p>
+          <a:p>
+            <a:r>
+              <a:rPr lang="de-DE" dirty="0"/>
+              <a:t>Direktes Feedback der App mittels Sprachverarbeitung:</a:t>
+            </a:r>
+          </a:p>
+          <a:p>
+            <a:pPr lvl="1"/>
+            <a:r>
+              <a:rPr lang="de-DE" dirty="0"/>
+              <a:t>Antworten anschauen und sagen „Das hätte ich gewusst!“ wird eliminiert</a:t>
+            </a:r>
+          </a:p>
+          <a:p>
+            <a:r>
+              <a:rPr lang="de-DE" dirty="0"/>
+              <a:t>Vergleich mit eigenem Empfinden und dem Empfinden anderer Nutzer</a:t>
+            </a:r>
+          </a:p>
+          <a:p>
+            <a:r>
+              <a:rPr lang="de-DE" dirty="0"/>
+              <a:t>Analyse des Lernfortschritts</a:t>
+            </a:r>
+          </a:p>
+          <a:p>
+            <a:r>
+              <a:rPr lang="de-DE" dirty="0"/>
+              <a:t>Fragen werden geteilt unter allen Studenten </a:t>
+            </a:r>
+          </a:p>
+        </p:txBody>
+      </p:sp>
     </p:spTree>
     <p:extLst>
       <p:ext uri="{BB962C8B-B14F-4D97-AF65-F5344CB8AC3E}">
-        <p14:creationId xmlns:p14="http://schemas.microsoft.com/office/powerpoint/2010/main" val="1677347644"/>
+        <p14:creationId xmlns:p14="http://schemas.microsoft.com/office/powerpoint/2010/main" val="3790528799"/>
       </p:ext>
     </p:extLst>
   </p:cSld>
@@ -9333,7 +10820,7 @@
           <p:cNvPr id="2" name="Titel 1">
             <a:extLst>
               <a:ext uri="{FF2B5EF4-FFF2-40B4-BE49-F238E27FC236}">
-                <a16:creationId xmlns:a16="http://schemas.microsoft.com/office/drawing/2014/main" id="{1F166CF6-EC45-4ECB-BBF3-C6367B439E84}"/>
+                <a16:creationId xmlns:a16="http://schemas.microsoft.com/office/drawing/2014/main" id="{37DF3D2D-EF89-4A78-90E9-1AC42734CC50}"/>
               </a:ext>
             </a:extLst>
           </p:cNvPr>
@@ -9351,245 +10838,29 @@
           <a:p>
             <a:r>
               <a:rPr lang="de-DE" dirty="0"/>
-              <a:t>Frontend – Angular Components</a:t>
+              <a:t>Alias - Architektur</a:t>
             </a:r>
           </a:p>
         </p:txBody>
       </p:sp>
       <p:pic>
         <p:nvPicPr>
-          <p:cNvPr id="7" name="Grafik 6">
-            <a:extLst>
-              <a:ext uri="{FF2B5EF4-FFF2-40B4-BE49-F238E27FC236}">
-                <a16:creationId xmlns:a16="http://schemas.microsoft.com/office/drawing/2014/main" id="{FDB15DCB-2D94-4F8F-B9C1-ACBA837F64B5}"/>
+          <p:cNvPr id="5" name="Inhaltsplatzhalter 4">
+            <a:extLst>
+              <a:ext uri="{FF2B5EF4-FFF2-40B4-BE49-F238E27FC236}">
+                <a16:creationId xmlns:a16="http://schemas.microsoft.com/office/drawing/2014/main" id="{CC32BD02-16D1-4B59-BD5D-DDD7EAB127D5}"/>
               </a:ext>
             </a:extLst>
           </p:cNvPr>
           <p:cNvPicPr>
-            <a:picLocks noChangeAspect="1"/>
+            <a:picLocks noGrp="1" noChangeAspect="1"/>
           </p:cNvPicPr>
-          <p:nvPr/>
+          <p:nvPr>
+            <p:ph idx="1"/>
+          </p:nvPr>
         </p:nvPicPr>
         <p:blipFill>
-          <a:blip r:embed="rId2"/>
-          <a:stretch>
-            <a:fillRect/>
-          </a:stretch>
-        </p:blipFill>
-        <p:spPr>
-          <a:xfrm>
-            <a:off x="250371" y="2358594"/>
-            <a:ext cx="5960927" cy="2461572"/>
-          </a:xfrm>
-          <a:prstGeom prst="rect">
-            <a:avLst/>
-          </a:prstGeom>
-        </p:spPr>
-      </p:pic>
-      <p:sp>
-        <p:nvSpPr>
-          <p:cNvPr id="10" name="Textfeld 9">
-            <a:extLst>
-              <a:ext uri="{FF2B5EF4-FFF2-40B4-BE49-F238E27FC236}">
-                <a16:creationId xmlns:a16="http://schemas.microsoft.com/office/drawing/2014/main" id="{964E60B9-C1F5-4B67-A50F-259BB2F25CFD}"/>
-              </a:ext>
-            </a:extLst>
-          </p:cNvPr>
-          <p:cNvSpPr txBox="1"/>
-          <p:nvPr/>
-        </p:nvSpPr>
-        <p:spPr>
-          <a:xfrm>
-            <a:off x="6663018" y="1522599"/>
-            <a:ext cx="4908176" cy="3416320"/>
-          </a:xfrm>
-          <a:prstGeom prst="rect">
-            <a:avLst/>
-          </a:prstGeom>
-          <a:noFill/>
-        </p:spPr>
-        <p:txBody>
-          <a:bodyPr wrap="square" rtlCol="0">
-            <a:spAutoFit/>
-          </a:bodyPr>
-          <a:lstStyle/>
-          <a:p>
-            <a:r>
-              <a:rPr lang="de-DE" dirty="0"/>
-              <a:t>Zeile 16:</a:t>
-            </a:r>
-          </a:p>
-          <a:p>
-            <a:pPr marL="285750" indent="-285750">
-              <a:buFont typeface="Arial" panose="020B0604020202020204" pitchFamily="34" charset="0"/>
-              <a:buChar char="•"/>
-            </a:pPr>
-            <a:r>
-              <a:rPr lang="de-DE" dirty="0"/>
-              <a:t>Klassenname zum Einbinden der </a:t>
-            </a:r>
-            <a:r>
-              <a:rPr lang="de-DE" dirty="0" err="1"/>
-              <a:t>Component</a:t>
-            </a:r>
-            <a:endParaRPr lang="de-DE" dirty="0"/>
-          </a:p>
-          <a:p>
-            <a:pPr marL="285750" indent="-285750">
-              <a:buFont typeface="Arial" panose="020B0604020202020204" pitchFamily="34" charset="0"/>
-              <a:buChar char="•"/>
-            </a:pPr>
-            <a:endParaRPr lang="de-DE" dirty="0"/>
-          </a:p>
-          <a:p>
-            <a:r>
-              <a:rPr lang="de-DE" dirty="0"/>
-              <a:t>Zeile 18-19:</a:t>
-            </a:r>
-          </a:p>
-          <a:p>
-            <a:pPr marL="285750" indent="-285750">
-              <a:buFont typeface="Arial" panose="020B0604020202020204" pitchFamily="34" charset="0"/>
-              <a:buChar char="•"/>
-            </a:pPr>
-            <a:r>
-              <a:rPr lang="de-DE" dirty="0"/>
-              <a:t>Variablen der </a:t>
-            </a:r>
-            <a:r>
-              <a:rPr lang="de-DE" dirty="0" err="1"/>
-              <a:t>Componente</a:t>
-            </a:r>
-            <a:endParaRPr lang="de-DE" dirty="0"/>
-          </a:p>
-          <a:p>
-            <a:pPr marL="285750" indent="-285750">
-              <a:buFont typeface="Arial" panose="020B0604020202020204" pitchFamily="34" charset="0"/>
-              <a:buChar char="•"/>
-            </a:pPr>
-            <a:endParaRPr lang="de-DE" dirty="0"/>
-          </a:p>
-          <a:p>
-            <a:r>
-              <a:rPr lang="de-DE" dirty="0"/>
-              <a:t>Zeile 21 ff.:</a:t>
-            </a:r>
-          </a:p>
-          <a:p>
-            <a:pPr marL="285750" indent="-285750">
-              <a:buFont typeface="Arial" panose="020B0604020202020204" pitchFamily="34" charset="0"/>
-              <a:buChar char="•"/>
-            </a:pPr>
-            <a:r>
-              <a:rPr lang="de-DE" dirty="0" err="1"/>
-              <a:t>Injected</a:t>
-            </a:r>
-            <a:r>
-              <a:rPr lang="de-DE" dirty="0"/>
-              <a:t> Module</a:t>
-            </a:r>
-          </a:p>
-          <a:p>
-            <a:pPr marL="285750" indent="-285750">
-              <a:buFont typeface="Arial" panose="020B0604020202020204" pitchFamily="34" charset="0"/>
-              <a:buChar char="•"/>
-            </a:pPr>
-            <a:endParaRPr lang="de-DE" dirty="0"/>
-          </a:p>
-          <a:p>
-            <a:r>
-              <a:rPr lang="de-DE" dirty="0"/>
-              <a:t>Zeile 26 ff.:</a:t>
-            </a:r>
-          </a:p>
-          <a:p>
-            <a:pPr marL="285750" indent="-285750">
-              <a:buFont typeface="Arial" panose="020B0604020202020204" pitchFamily="34" charset="0"/>
-              <a:buChar char="•"/>
-            </a:pPr>
-            <a:r>
-              <a:rPr lang="de-DE" dirty="0" err="1"/>
-              <a:t>OnInit</a:t>
-            </a:r>
-            <a:r>
-              <a:rPr lang="de-DE" dirty="0"/>
-              <a:t> Interface, führt Methoden beim starten der </a:t>
-            </a:r>
-            <a:r>
-              <a:rPr lang="de-DE" dirty="0" err="1"/>
-              <a:t>Component</a:t>
-            </a:r>
-            <a:r>
-              <a:rPr lang="de-DE" dirty="0"/>
-              <a:t> aus </a:t>
-            </a:r>
-          </a:p>
-        </p:txBody>
-      </p:sp>
-      <p:sp>
-        <p:nvSpPr>
-          <p:cNvPr id="11" name="Textfeld 10">
-            <a:extLst>
-              <a:ext uri="{FF2B5EF4-FFF2-40B4-BE49-F238E27FC236}">
-                <a16:creationId xmlns:a16="http://schemas.microsoft.com/office/drawing/2014/main" id="{A605C4B8-6339-4E68-8636-6FC6DD38C363}"/>
-              </a:ext>
-            </a:extLst>
-          </p:cNvPr>
-          <p:cNvSpPr txBox="1"/>
-          <p:nvPr/>
-        </p:nvSpPr>
-        <p:spPr>
-          <a:xfrm>
-            <a:off x="415635" y="1899351"/>
-            <a:ext cx="3782291" cy="369332"/>
-          </a:xfrm>
-          <a:prstGeom prst="rect">
-            <a:avLst/>
-          </a:prstGeom>
-          <a:noFill/>
-        </p:spPr>
-        <p:txBody>
-          <a:bodyPr wrap="square" rtlCol="0">
-            <a:spAutoFit/>
-          </a:bodyPr>
-          <a:lstStyle/>
-          <a:p>
-            <a:r>
-              <a:rPr lang="de-DE" dirty="0"/>
-              <a:t>main-</a:t>
-            </a:r>
-            <a:r>
-              <a:rPr lang="de-DE" dirty="0" err="1"/>
-              <a:t>nav</a:t>
-            </a:r>
-            <a:r>
-              <a:rPr lang="de-DE" dirty="0"/>
-              <a:t>-</a:t>
-            </a:r>
-            <a:r>
-              <a:rPr lang="de-DE" dirty="0" err="1"/>
-              <a:t>component.ts</a:t>
-            </a:r>
-            <a:endParaRPr lang="de-DE" dirty="0"/>
-          </a:p>
-        </p:txBody>
-      </p:sp>
-      <p:pic>
-        <p:nvPicPr>
-          <p:cNvPr id="6" name="Grafik 5" descr="Ein Bild, das Schild, draußen, Ende, sitzend enthält.&#10;&#10;Automatisch generierte Beschreibung">
-            <a:extLst>
-              <a:ext uri="{FF2B5EF4-FFF2-40B4-BE49-F238E27FC236}">
-                <a16:creationId xmlns:a16="http://schemas.microsoft.com/office/drawing/2014/main" id="{9D50691D-420C-4A62-9800-85E565DF8640}"/>
-              </a:ext>
-            </a:extLst>
-          </p:cNvPr>
-          <p:cNvPicPr>
-            <a:picLocks noChangeAspect="1"/>
-          </p:cNvPicPr>
-          <p:nvPr/>
-        </p:nvPicPr>
-        <p:blipFill>
-          <a:blip r:embed="rId3">
+          <a:blip r:embed="rId2">
             <a:extLst>
               <a:ext uri="{28A0092B-C50C-407E-A947-70E740481C1C}">
                 <a14:useLocalDpi xmlns:a14="http://schemas.microsoft.com/office/drawing/2010/main" val="0"/>
@@ -9602,18 +10873,15 @@
         </p:blipFill>
         <p:spPr>
           <a:xfrm>
-            <a:off x="8337828" y="582892"/>
-            <a:ext cx="890028" cy="890028"/>
-          </a:xfrm>
-          <a:prstGeom prst="rect">
-            <a:avLst/>
-          </a:prstGeom>
+            <a:off x="2356072" y="2459480"/>
+            <a:ext cx="7479856" cy="2017666"/>
+          </a:xfrm>
         </p:spPr>
       </p:pic>
     </p:spTree>
     <p:extLst>
       <p:ext uri="{BB962C8B-B14F-4D97-AF65-F5344CB8AC3E}">
-        <p14:creationId xmlns:p14="http://schemas.microsoft.com/office/powerpoint/2010/main" val="1829453107"/>
+        <p14:creationId xmlns:p14="http://schemas.microsoft.com/office/powerpoint/2010/main" val="3393456432"/>
       </p:ext>
     </p:extLst>
   </p:cSld>
@@ -9645,7 +10913,7 @@
           <p:cNvPr id="2" name="Titel 1">
             <a:extLst>
               <a:ext uri="{FF2B5EF4-FFF2-40B4-BE49-F238E27FC236}">
-                <a16:creationId xmlns:a16="http://schemas.microsoft.com/office/drawing/2014/main" id="{1F166CF6-EC45-4ECB-BBF3-C6367B439E84}"/>
+                <a16:creationId xmlns:a16="http://schemas.microsoft.com/office/drawing/2014/main" id="{1DAE47C7-8722-42F7-A85F-9A02A4848FDB}"/>
               </a:ext>
             </a:extLst>
           </p:cNvPr>
@@ -9663,17 +10931,91 @@
           <a:p>
             <a:r>
               <a:rPr lang="de-DE" dirty="0"/>
-              <a:t>Frontend – Angular Components</a:t>
-            </a:r>
+              <a:t>Frontend - Angular</a:t>
+            </a:r>
+          </a:p>
+        </p:txBody>
+      </p:sp>
+      <p:sp>
+        <p:nvSpPr>
+          <p:cNvPr id="3" name="Inhaltsplatzhalter 2">
+            <a:extLst>
+              <a:ext uri="{FF2B5EF4-FFF2-40B4-BE49-F238E27FC236}">
+                <a16:creationId xmlns:a16="http://schemas.microsoft.com/office/drawing/2014/main" id="{7D693E0D-6383-4875-B85F-EAE50EE74334}"/>
+              </a:ext>
+            </a:extLst>
+          </p:cNvPr>
+          <p:cNvSpPr>
+            <a:spLocks noGrp="1"/>
+          </p:cNvSpPr>
+          <p:nvPr>
+            <p:ph idx="1"/>
+          </p:nvPr>
+        </p:nvSpPr>
+        <p:spPr/>
+        <p:txBody>
+          <a:bodyPr/>
+          <a:lstStyle/>
+          <a:p>
+            <a:r>
+              <a:rPr lang="de-DE" dirty="0"/>
+              <a:t>Frontend-Framework basierend auf </a:t>
+            </a:r>
+            <a:r>
+              <a:rPr lang="de-DE" dirty="0" err="1"/>
+              <a:t>Typescript</a:t>
+            </a:r>
+            <a:endParaRPr lang="de-DE" dirty="0"/>
+          </a:p>
+          <a:p>
+            <a:r>
+              <a:rPr lang="de-DE" dirty="0"/>
+              <a:t>Warum Angular?</a:t>
+            </a:r>
+          </a:p>
+          <a:p>
+            <a:pPr lvl="1"/>
+            <a:r>
+              <a:rPr lang="de-DE" dirty="0"/>
+              <a:t>Modernes Design </a:t>
+            </a:r>
+          </a:p>
+          <a:p>
+            <a:pPr lvl="1"/>
+            <a:r>
+              <a:rPr lang="de-DE" dirty="0"/>
+              <a:t>Funktionsreich (Router etc. integriert)</a:t>
+            </a:r>
+          </a:p>
+          <a:p>
+            <a:pPr lvl="1"/>
+            <a:r>
+              <a:rPr lang="de-DE" dirty="0"/>
+              <a:t>Intuitiver als bspw. </a:t>
+            </a:r>
+            <a:r>
+              <a:rPr lang="de-DE" dirty="0" err="1"/>
+              <a:t>React</a:t>
+            </a:r>
+            <a:endParaRPr lang="de-DE" dirty="0"/>
+          </a:p>
+          <a:p>
+            <a:r>
+              <a:rPr lang="de-DE" dirty="0"/>
+              <a:t>Zusammensetzung aus (wiederverwendbaren) Komponenten</a:t>
+            </a:r>
+          </a:p>
+          <a:p>
+            <a:endParaRPr lang="de-DE" dirty="0"/>
           </a:p>
         </p:txBody>
       </p:sp>
       <p:pic>
         <p:nvPicPr>
-          <p:cNvPr id="5" name="Grafik 4">
-            <a:extLst>
-              <a:ext uri="{FF2B5EF4-FFF2-40B4-BE49-F238E27FC236}">
-                <a16:creationId xmlns:a16="http://schemas.microsoft.com/office/drawing/2014/main" id="{9D4D9E27-97E8-43AA-90D5-61921DD40A88}"/>
+          <p:cNvPr id="13" name="Grafik 12" descr="Ein Bild, das Schild, draußen, Ende, sitzend enthält.&#10;&#10;Automatisch generierte Beschreibung">
+            <a:extLst>
+              <a:ext uri="{FF2B5EF4-FFF2-40B4-BE49-F238E27FC236}">
+                <a16:creationId xmlns:a16="http://schemas.microsoft.com/office/drawing/2014/main" id="{6647247E-16A8-491E-ABE7-21FD2EB7FBCE}"/>
               </a:ext>
             </a:extLst>
           </p:cNvPr>
@@ -9683,210 +11025,7 @@
           <p:nvPr/>
         </p:nvPicPr>
         <p:blipFill>
-          <a:blip r:embed="rId2"/>
-          <a:stretch>
-            <a:fillRect/>
-          </a:stretch>
-        </p:blipFill>
-        <p:spPr>
-          <a:xfrm>
-            <a:off x="796636" y="2515966"/>
-            <a:ext cx="4175948" cy="1826068"/>
-          </a:xfrm>
-          <a:prstGeom prst="rect">
-            <a:avLst/>
-          </a:prstGeom>
-        </p:spPr>
-      </p:pic>
-      <p:pic>
-        <p:nvPicPr>
-          <p:cNvPr id="3" name="Grafik 2">
-            <a:extLst>
-              <a:ext uri="{FF2B5EF4-FFF2-40B4-BE49-F238E27FC236}">
-                <a16:creationId xmlns:a16="http://schemas.microsoft.com/office/drawing/2014/main" id="{EB611708-95EE-4A7A-8DA2-8E0ADB991925}"/>
-              </a:ext>
-            </a:extLst>
-          </p:cNvPr>
-          <p:cNvPicPr>
-            <a:picLocks noChangeAspect="1"/>
-          </p:cNvPicPr>
-          <p:nvPr/>
-        </p:nvPicPr>
-        <p:blipFill>
-          <a:blip r:embed="rId3"/>
-          <a:stretch>
-            <a:fillRect/>
-          </a:stretch>
-        </p:blipFill>
-        <p:spPr>
-          <a:xfrm>
-            <a:off x="838200" y="5414158"/>
-            <a:ext cx="6247269" cy="285998"/>
-          </a:xfrm>
-          <a:prstGeom prst="rect">
-            <a:avLst/>
-          </a:prstGeom>
-        </p:spPr>
-      </p:pic>
-      <p:sp>
-        <p:nvSpPr>
-          <p:cNvPr id="8" name="Textfeld 7">
-            <a:extLst>
-              <a:ext uri="{FF2B5EF4-FFF2-40B4-BE49-F238E27FC236}">
-                <a16:creationId xmlns:a16="http://schemas.microsoft.com/office/drawing/2014/main" id="{523DC201-33C1-4B90-B80C-3630CDEF79CD}"/>
-              </a:ext>
-            </a:extLst>
-          </p:cNvPr>
-          <p:cNvSpPr txBox="1"/>
-          <p:nvPr/>
-        </p:nvSpPr>
-        <p:spPr>
-          <a:xfrm>
-            <a:off x="796636" y="2010222"/>
-            <a:ext cx="3782291" cy="369332"/>
-          </a:xfrm>
-          <a:prstGeom prst="rect">
-            <a:avLst/>
-          </a:prstGeom>
-          <a:noFill/>
-        </p:spPr>
-        <p:txBody>
-          <a:bodyPr wrap="square" rtlCol="0">
-            <a:spAutoFit/>
-          </a:bodyPr>
-          <a:lstStyle/>
-          <a:p>
-            <a:r>
-              <a:rPr lang="de-DE" dirty="0"/>
-              <a:t>main-</a:t>
-            </a:r>
-            <a:r>
-              <a:rPr lang="de-DE" dirty="0" err="1"/>
-              <a:t>nav</a:t>
-            </a:r>
-            <a:r>
-              <a:rPr lang="de-DE" dirty="0"/>
-              <a:t>-</a:t>
-            </a:r>
-            <a:r>
-              <a:rPr lang="de-DE" dirty="0" err="1"/>
-              <a:t>component.ts</a:t>
-            </a:r>
-            <a:endParaRPr lang="de-DE" dirty="0"/>
-          </a:p>
-        </p:txBody>
-      </p:sp>
-      <p:sp>
-        <p:nvSpPr>
-          <p:cNvPr id="9" name="Textfeld 8">
-            <a:extLst>
-              <a:ext uri="{FF2B5EF4-FFF2-40B4-BE49-F238E27FC236}">
-                <a16:creationId xmlns:a16="http://schemas.microsoft.com/office/drawing/2014/main" id="{881B8E4D-F600-4D9B-856F-57D1A9869642}"/>
-              </a:ext>
-            </a:extLst>
-          </p:cNvPr>
-          <p:cNvSpPr txBox="1"/>
-          <p:nvPr/>
-        </p:nvSpPr>
-        <p:spPr>
-          <a:xfrm>
-            <a:off x="838200" y="4899885"/>
-            <a:ext cx="3782291" cy="369332"/>
-          </a:xfrm>
-          <a:prstGeom prst="rect">
-            <a:avLst/>
-          </a:prstGeom>
-          <a:noFill/>
-        </p:spPr>
-        <p:txBody>
-          <a:bodyPr wrap="square" rtlCol="0">
-            <a:spAutoFit/>
-          </a:bodyPr>
-          <a:lstStyle/>
-          <a:p>
-            <a:r>
-              <a:rPr lang="de-DE" dirty="0"/>
-              <a:t>main-nav-component.html</a:t>
-            </a:r>
-          </a:p>
-        </p:txBody>
-      </p:sp>
-      <p:pic>
-        <p:nvPicPr>
-          <p:cNvPr id="11" name="Grafik 10">
-            <a:extLst>
-              <a:ext uri="{FF2B5EF4-FFF2-40B4-BE49-F238E27FC236}">
-                <a16:creationId xmlns:a16="http://schemas.microsoft.com/office/drawing/2014/main" id="{1D3F36E9-C435-43D7-990E-AD516F423CF6}"/>
-              </a:ext>
-            </a:extLst>
-          </p:cNvPr>
-          <p:cNvPicPr>
-            <a:picLocks noChangeAspect="1"/>
-          </p:cNvPicPr>
-          <p:nvPr/>
-        </p:nvPicPr>
-        <p:blipFill>
-          <a:blip r:embed="rId4"/>
-          <a:stretch>
-            <a:fillRect/>
-          </a:stretch>
-        </p:blipFill>
-        <p:spPr>
-          <a:xfrm>
-            <a:off x="7342322" y="2208965"/>
-            <a:ext cx="3590925" cy="523875"/>
-          </a:xfrm>
-          <a:prstGeom prst="rect">
-            <a:avLst/>
-          </a:prstGeom>
-        </p:spPr>
-      </p:pic>
-      <p:pic>
-        <p:nvPicPr>
-          <p:cNvPr id="4" name="Grafik 3">
-            <a:extLst>
-              <a:ext uri="{FF2B5EF4-FFF2-40B4-BE49-F238E27FC236}">
-                <a16:creationId xmlns:a16="http://schemas.microsoft.com/office/drawing/2014/main" id="{BE768EE4-5C97-4F43-ABF7-F36FA8102A61}"/>
-              </a:ext>
-            </a:extLst>
-          </p:cNvPr>
-          <p:cNvPicPr>
-            <a:picLocks noChangeAspect="1"/>
-          </p:cNvPicPr>
-          <p:nvPr/>
-        </p:nvPicPr>
-        <p:blipFill>
-          <a:blip r:embed="rId5"/>
-          <a:stretch>
-            <a:fillRect/>
-          </a:stretch>
-        </p:blipFill>
-        <p:spPr>
-          <a:xfrm>
-            <a:off x="7342322" y="3251117"/>
-            <a:ext cx="3552825" cy="533400"/>
-          </a:xfrm>
-          <a:prstGeom prst="rect">
-            <a:avLst/>
-          </a:prstGeom>
-        </p:spPr>
-      </p:pic>
-      <p:pic>
-        <p:nvPicPr>
-          <p:cNvPr id="10" name="Grafik 9" descr="Ein Bild, das Schild, draußen, Ende, sitzend enthält.&#10;&#10;Automatisch generierte Beschreibung">
-            <a:extLst>
-              <a:ext uri="{FF2B5EF4-FFF2-40B4-BE49-F238E27FC236}">
-                <a16:creationId xmlns:a16="http://schemas.microsoft.com/office/drawing/2014/main" id="{31DB9F84-9D28-4208-85BD-250A7FC715F5}"/>
-              </a:ext>
-            </a:extLst>
-          </p:cNvPr>
-          <p:cNvPicPr>
-            <a:picLocks noChangeAspect="1"/>
-          </p:cNvPicPr>
-          <p:nvPr/>
-        </p:nvPicPr>
-        <p:blipFill>
-          <a:blip r:embed="rId6">
+          <a:blip r:embed="rId2">
             <a:extLst>
               <a:ext uri="{28A0092B-C50C-407E-A947-70E740481C1C}">
                 <a14:useLocalDpi xmlns:a14="http://schemas.microsoft.com/office/drawing/2010/main" val="0"/>
@@ -9899,7 +11038,7 @@
         </p:blipFill>
         <p:spPr>
           <a:xfrm>
-            <a:off x="8313071" y="582892"/>
+            <a:off x="5279932" y="582892"/>
             <a:ext cx="890028" cy="890028"/>
           </a:xfrm>
           <a:prstGeom prst="rect">
@@ -9910,7 +11049,7 @@
     </p:spTree>
     <p:extLst>
       <p:ext uri="{BB962C8B-B14F-4D97-AF65-F5344CB8AC3E}">
-        <p14:creationId xmlns:p14="http://schemas.microsoft.com/office/powerpoint/2010/main" val="1413388448"/>
+        <p14:creationId xmlns:p14="http://schemas.microsoft.com/office/powerpoint/2010/main" val="1256113820"/>
       </p:ext>
     </p:extLst>
   </p:cSld>
@@ -9942,7 +11081,7 @@
           <p:cNvPr id="2" name="Titel 1">
             <a:extLst>
               <a:ext uri="{FF2B5EF4-FFF2-40B4-BE49-F238E27FC236}">
-                <a16:creationId xmlns:a16="http://schemas.microsoft.com/office/drawing/2014/main" id="{C36AD07D-267C-422E-A0C9-39BB0C41C52D}"/>
+                <a16:creationId xmlns:a16="http://schemas.microsoft.com/office/drawing/2014/main" id="{B7BD5295-B1B4-4E6C-8A5E-3729EE0854C1}"/>
               </a:ext>
             </a:extLst>
           </p:cNvPr>
@@ -9960,17 +11099,54 @@
           <a:p>
             <a:r>
               <a:rPr lang="de-DE" dirty="0"/>
-              <a:t>Frontend – Startseite</a:t>
-            </a:r>
+              <a:t>Frontend – Angular Components</a:t>
+            </a:r>
+          </a:p>
+        </p:txBody>
+      </p:sp>
+      <p:sp>
+        <p:nvSpPr>
+          <p:cNvPr id="3" name="Inhaltsplatzhalter 2">
+            <a:extLst>
+              <a:ext uri="{FF2B5EF4-FFF2-40B4-BE49-F238E27FC236}">
+                <a16:creationId xmlns:a16="http://schemas.microsoft.com/office/drawing/2014/main" id="{1EDDA203-E21A-4B2B-9FA0-387E807AF6D1}"/>
+              </a:ext>
+            </a:extLst>
+          </p:cNvPr>
+          <p:cNvSpPr>
+            <a:spLocks noGrp="1"/>
+          </p:cNvSpPr>
+          <p:nvPr>
+            <p:ph idx="1"/>
+          </p:nvPr>
+        </p:nvSpPr>
+        <p:spPr/>
+        <p:txBody>
+          <a:bodyPr/>
+          <a:lstStyle/>
+          <a:p>
+            <a:r>
+              <a:rPr lang="de-DE" dirty="0"/>
+              <a:t>Zusammensetzung aus (wiederverwendbaren) Komponenten</a:t>
+            </a:r>
+          </a:p>
+          <a:p>
+            <a:r>
+              <a:rPr lang="de-DE" dirty="0"/>
+              <a:t>HTML, CSS und TS können überall eingebunden werden</a:t>
+            </a:r>
+          </a:p>
+          <a:p>
+            <a:endParaRPr lang="de-DE" dirty="0"/>
           </a:p>
         </p:txBody>
       </p:sp>
       <p:pic>
         <p:nvPicPr>
-          <p:cNvPr id="8" name="Grafik 7">
-            <a:extLst>
-              <a:ext uri="{FF2B5EF4-FFF2-40B4-BE49-F238E27FC236}">
-                <a16:creationId xmlns:a16="http://schemas.microsoft.com/office/drawing/2014/main" id="{21247113-59AE-4D6C-BDDE-AE2DA2200037}"/>
+          <p:cNvPr id="4" name="Grafik 3">
+            <a:extLst>
+              <a:ext uri="{FF2B5EF4-FFF2-40B4-BE49-F238E27FC236}">
+                <a16:creationId xmlns:a16="http://schemas.microsoft.com/office/drawing/2014/main" id="{049B99AF-3941-4350-A4DF-D94AE1A73766}"/>
               </a:ext>
             </a:extLst>
           </p:cNvPr>
@@ -9987,8 +11163,8 @@
         </p:blipFill>
         <p:spPr>
           <a:xfrm>
-            <a:off x="1735255" y="1690686"/>
-            <a:ext cx="1846934" cy="4020671"/>
+            <a:off x="656515" y="3344430"/>
+            <a:ext cx="3590925" cy="523875"/>
           </a:xfrm>
           <a:prstGeom prst="rect">
             <a:avLst/>
@@ -10002,10 +11178,10 @@
       </p:pic>
       <p:pic>
         <p:nvPicPr>
-          <p:cNvPr id="9" name="Grafik 8">
-            <a:extLst>
-              <a:ext uri="{FF2B5EF4-FFF2-40B4-BE49-F238E27FC236}">
-                <a16:creationId xmlns:a16="http://schemas.microsoft.com/office/drawing/2014/main" id="{DF58674F-91E2-4169-B12C-CA3EAA5D349C}"/>
+          <p:cNvPr id="5" name="Grafik 4">
+            <a:extLst>
+              <a:ext uri="{FF2B5EF4-FFF2-40B4-BE49-F238E27FC236}">
+                <a16:creationId xmlns:a16="http://schemas.microsoft.com/office/drawing/2014/main" id="{C1DF700A-3F1B-44B2-8108-ECA396D46E39}"/>
               </a:ext>
             </a:extLst>
           </p:cNvPr>
@@ -10022,8 +11198,8 @@
         </p:blipFill>
         <p:spPr>
           <a:xfrm>
-            <a:off x="5171394" y="1633536"/>
-            <a:ext cx="1849212" cy="4020671"/>
+            <a:off x="7656681" y="3178175"/>
+            <a:ext cx="3562350" cy="3314700"/>
           </a:xfrm>
           <a:prstGeom prst="rect">
             <a:avLst/>
@@ -10035,12 +11211,58 @@
           </a:ln>
         </p:spPr>
       </p:pic>
+      <p:sp>
+        <p:nvSpPr>
+          <p:cNvPr id="6" name="Pfeil: nach rechts 5">
+            <a:extLst>
+              <a:ext uri="{FF2B5EF4-FFF2-40B4-BE49-F238E27FC236}">
+                <a16:creationId xmlns:a16="http://schemas.microsoft.com/office/drawing/2014/main" id="{AFB69EDA-05F6-489D-9679-1EC658F61F9A}"/>
+              </a:ext>
+            </a:extLst>
+          </p:cNvPr>
+          <p:cNvSpPr/>
+          <p:nvPr/>
+        </p:nvSpPr>
+        <p:spPr>
+          <a:xfrm>
+            <a:off x="4787153" y="4161865"/>
+            <a:ext cx="1727947" cy="874059"/>
+          </a:xfrm>
+          <a:prstGeom prst="rightArrow">
+            <a:avLst/>
+          </a:prstGeom>
+        </p:spPr>
+        <p:style>
+          <a:lnRef idx="2">
+            <a:schemeClr val="accent4">
+              <a:shade val="50000"/>
+            </a:schemeClr>
+          </a:lnRef>
+          <a:fillRef idx="1">
+            <a:schemeClr val="accent4"/>
+          </a:fillRef>
+          <a:effectRef idx="0">
+            <a:schemeClr val="accent4"/>
+          </a:effectRef>
+          <a:fontRef idx="minor">
+            <a:schemeClr val="lt1"/>
+          </a:fontRef>
+        </p:style>
+        <p:txBody>
+          <a:bodyPr rtlCol="0" anchor="ctr"/>
+          <a:lstStyle/>
+          <a:p>
+            <a:pPr algn="ctr"/>
+            <a:endParaRPr lang="de-DE"/>
+          </a:p>
+        </p:txBody>
+      </p:sp>
       <p:pic>
         <p:nvPicPr>
-          <p:cNvPr id="10" name="Grafik 9">
-            <a:extLst>
-              <a:ext uri="{FF2B5EF4-FFF2-40B4-BE49-F238E27FC236}">
-                <a16:creationId xmlns:a16="http://schemas.microsoft.com/office/drawing/2014/main" id="{DF66F1C1-6D73-4607-ACBE-05ED34D9219C}"/>
+          <p:cNvPr id="7" name="Grafik 6" descr="Ein Bild, das Schild, draußen, Ende, sitzend enthält.&#10;&#10;Automatisch generierte Beschreibung">
+            <a:extLst>
+              <a:ext uri="{FF2B5EF4-FFF2-40B4-BE49-F238E27FC236}">
+                <a16:creationId xmlns:a16="http://schemas.microsoft.com/office/drawing/2014/main" id="{1C3A3E3A-0241-4E20-A355-DB89EC143975}"/>
               </a:ext>
             </a:extLst>
           </p:cNvPr>
@@ -10050,138 +11272,31 @@
           <p:nvPr/>
         </p:nvPicPr>
         <p:blipFill>
-          <a:blip r:embed="rId4"/>
+          <a:blip r:embed="rId4">
+            <a:extLst>
+              <a:ext uri="{28A0092B-C50C-407E-A947-70E740481C1C}">
+                <a14:useLocalDpi xmlns:a14="http://schemas.microsoft.com/office/drawing/2010/main" val="0"/>
+              </a:ext>
+            </a:extLst>
+          </a:blip>
           <a:stretch>
             <a:fillRect/>
           </a:stretch>
         </p:blipFill>
         <p:spPr>
           <a:xfrm>
-            <a:off x="8609811" y="1690686"/>
-            <a:ext cx="1854169" cy="4020672"/>
+            <a:off x="8331891" y="582892"/>
+            <a:ext cx="890028" cy="890028"/>
           </a:xfrm>
           <a:prstGeom prst="rect">
             <a:avLst/>
           </a:prstGeom>
-          <a:ln>
-            <a:solidFill>
-              <a:schemeClr val="tx1"/>
-            </a:solidFill>
-          </a:ln>
         </p:spPr>
       </p:pic>
-      <p:sp>
-        <p:nvSpPr>
-          <p:cNvPr id="11" name="Textfeld 10">
-            <a:extLst>
-              <a:ext uri="{FF2B5EF4-FFF2-40B4-BE49-F238E27FC236}">
-                <a16:creationId xmlns:a16="http://schemas.microsoft.com/office/drawing/2014/main" id="{45E95F3A-D410-4B3B-846C-B8B27A9F206F}"/>
-              </a:ext>
-            </a:extLst>
-          </p:cNvPr>
-          <p:cNvSpPr txBox="1"/>
-          <p:nvPr/>
-        </p:nvSpPr>
-        <p:spPr>
-          <a:xfrm>
-            <a:off x="1735255" y="5816599"/>
-            <a:ext cx="1846934" cy="307777"/>
-          </a:xfrm>
-          <a:prstGeom prst="rect">
-            <a:avLst/>
-          </a:prstGeom>
-          <a:noFill/>
-        </p:spPr>
-        <p:txBody>
-          <a:bodyPr wrap="square" rtlCol="0">
-            <a:spAutoFit/>
-          </a:bodyPr>
-          <a:lstStyle/>
-          <a:p>
-            <a:pPr algn="ctr"/>
-            <a:r>
-              <a:rPr lang="de-DE" sz="1400" dirty="0"/>
-              <a:t>Login-Screen</a:t>
-            </a:r>
-          </a:p>
-        </p:txBody>
-      </p:sp>
-      <p:sp>
-        <p:nvSpPr>
-          <p:cNvPr id="13" name="Textfeld 12">
-            <a:extLst>
-              <a:ext uri="{FF2B5EF4-FFF2-40B4-BE49-F238E27FC236}">
-                <a16:creationId xmlns:a16="http://schemas.microsoft.com/office/drawing/2014/main" id="{56EA7790-1727-4DA7-9699-456BB96165DA}"/>
-              </a:ext>
-            </a:extLst>
-          </p:cNvPr>
-          <p:cNvSpPr txBox="1"/>
-          <p:nvPr/>
-        </p:nvSpPr>
-        <p:spPr>
-          <a:xfrm>
-            <a:off x="5173672" y="5816600"/>
-            <a:ext cx="1846934" cy="307777"/>
-          </a:xfrm>
-          <a:prstGeom prst="rect">
-            <a:avLst/>
-          </a:prstGeom>
-          <a:noFill/>
-        </p:spPr>
-        <p:txBody>
-          <a:bodyPr wrap="square" rtlCol="0">
-            <a:spAutoFit/>
-          </a:bodyPr>
-          <a:lstStyle/>
-          <a:p>
-            <a:pPr algn="ctr"/>
-            <a:r>
-              <a:rPr lang="de-DE" sz="1400" dirty="0"/>
-              <a:t>Startseite</a:t>
-            </a:r>
-          </a:p>
-        </p:txBody>
-      </p:sp>
-      <p:sp>
-        <p:nvSpPr>
-          <p:cNvPr id="14" name="Textfeld 13">
-            <a:extLst>
-              <a:ext uri="{FF2B5EF4-FFF2-40B4-BE49-F238E27FC236}">
-                <a16:creationId xmlns:a16="http://schemas.microsoft.com/office/drawing/2014/main" id="{D7D50A3A-E837-4F48-B17A-BFE7D4AEF174}"/>
-              </a:ext>
-            </a:extLst>
-          </p:cNvPr>
-          <p:cNvSpPr txBox="1"/>
-          <p:nvPr/>
-        </p:nvSpPr>
-        <p:spPr>
-          <a:xfrm>
-            <a:off x="8609811" y="5822950"/>
-            <a:ext cx="1846934" cy="307777"/>
-          </a:xfrm>
-          <a:prstGeom prst="rect">
-            <a:avLst/>
-          </a:prstGeom>
-          <a:noFill/>
-        </p:spPr>
-        <p:txBody>
-          <a:bodyPr wrap="square" rtlCol="0">
-            <a:spAutoFit/>
-          </a:bodyPr>
-          <a:lstStyle/>
-          <a:p>
-            <a:pPr algn="ctr"/>
-            <a:r>
-              <a:rPr lang="de-DE" sz="1400" dirty="0"/>
-              <a:t>Navigation</a:t>
-            </a:r>
-          </a:p>
-        </p:txBody>
-      </p:sp>
     </p:spTree>
     <p:extLst>
       <p:ext uri="{BB962C8B-B14F-4D97-AF65-F5344CB8AC3E}">
-        <p14:creationId xmlns:p14="http://schemas.microsoft.com/office/powerpoint/2010/main" val="1289780146"/>
+        <p14:creationId xmlns:p14="http://schemas.microsoft.com/office/powerpoint/2010/main" val="1677347644"/>
       </p:ext>
     </p:extLst>
   </p:cSld>
@@ -10213,7 +11328,7 @@
           <p:cNvPr id="2" name="Titel 1">
             <a:extLst>
               <a:ext uri="{FF2B5EF4-FFF2-40B4-BE49-F238E27FC236}">
-                <a16:creationId xmlns:a16="http://schemas.microsoft.com/office/drawing/2014/main" id="{D42DC085-BD93-4F05-8C26-8C9ADCF6F668}"/>
+                <a16:creationId xmlns:a16="http://schemas.microsoft.com/office/drawing/2014/main" id="{1F166CF6-EC45-4ECB-BBF3-C6367B439E84}"/>
               </a:ext>
             </a:extLst>
           </p:cNvPr>
@@ -10231,17 +11346,17 @@
           <a:p>
             <a:r>
               <a:rPr lang="de-DE" dirty="0"/>
-              <a:t>Frontend – Thema hinzufügen</a:t>
+              <a:t>Frontend – Angular Components</a:t>
             </a:r>
           </a:p>
         </p:txBody>
       </p:sp>
       <p:pic>
         <p:nvPicPr>
-          <p:cNvPr id="4" name="Grafik 3">
-            <a:extLst>
-              <a:ext uri="{FF2B5EF4-FFF2-40B4-BE49-F238E27FC236}">
-                <a16:creationId xmlns:a16="http://schemas.microsoft.com/office/drawing/2014/main" id="{55C2D579-6989-4575-B767-EB2BAC7F23F7}"/>
+          <p:cNvPr id="7" name="Grafik 6">
+            <a:extLst>
+              <a:ext uri="{FF2B5EF4-FFF2-40B4-BE49-F238E27FC236}">
+                <a16:creationId xmlns:a16="http://schemas.microsoft.com/office/drawing/2014/main" id="{FDB15DCB-2D94-4F8F-B9C1-ACBA837F64B5}"/>
               </a:ext>
             </a:extLst>
           </p:cNvPr>
@@ -10258,25 +11373,207 @@
         </p:blipFill>
         <p:spPr>
           <a:xfrm>
-            <a:off x="1832984" y="1846015"/>
-            <a:ext cx="1729068" cy="3740150"/>
+            <a:off x="250371" y="2358594"/>
+            <a:ext cx="5960927" cy="2461572"/>
           </a:xfrm>
           <a:prstGeom prst="rect">
             <a:avLst/>
           </a:prstGeom>
-          <a:ln>
-            <a:solidFill>
-              <a:schemeClr val="tx1"/>
-            </a:solidFill>
-          </a:ln>
         </p:spPr>
       </p:pic>
+      <p:sp>
+        <p:nvSpPr>
+          <p:cNvPr id="10" name="Textfeld 9">
+            <a:extLst>
+              <a:ext uri="{FF2B5EF4-FFF2-40B4-BE49-F238E27FC236}">
+                <a16:creationId xmlns:a16="http://schemas.microsoft.com/office/drawing/2014/main" id="{964E60B9-C1F5-4B67-A50F-259BB2F25CFD}"/>
+              </a:ext>
+            </a:extLst>
+          </p:cNvPr>
+          <p:cNvSpPr txBox="1"/>
+          <p:nvPr/>
+        </p:nvSpPr>
+        <p:spPr>
+          <a:xfrm>
+            <a:off x="6663018" y="1522599"/>
+            <a:ext cx="4908176" cy="3416320"/>
+          </a:xfrm>
+          <a:prstGeom prst="rect">
+            <a:avLst/>
+          </a:prstGeom>
+          <a:noFill/>
+        </p:spPr>
+        <p:txBody>
+          <a:bodyPr wrap="square" rtlCol="0">
+            <a:spAutoFit/>
+          </a:bodyPr>
+          <a:lstStyle/>
+          <a:p>
+            <a:r>
+              <a:rPr lang="de-DE" dirty="0"/>
+              <a:t>Zeile 16:</a:t>
+            </a:r>
+          </a:p>
+          <a:p>
+            <a:pPr marL="285750" indent="-285750">
+              <a:buFont typeface="Arial" panose="020B0604020202020204" pitchFamily="34" charset="0"/>
+              <a:buChar char="•"/>
+            </a:pPr>
+            <a:r>
+              <a:rPr lang="de-DE" dirty="0"/>
+              <a:t>Klassenname zum Einbinden der </a:t>
+            </a:r>
+            <a:r>
+              <a:rPr lang="de-DE" dirty="0" err="1"/>
+              <a:t>Component</a:t>
+            </a:r>
+            <a:endParaRPr lang="de-DE" dirty="0"/>
+          </a:p>
+          <a:p>
+            <a:pPr marL="285750" indent="-285750">
+              <a:buFont typeface="Arial" panose="020B0604020202020204" pitchFamily="34" charset="0"/>
+              <a:buChar char="•"/>
+            </a:pPr>
+            <a:endParaRPr lang="de-DE" dirty="0"/>
+          </a:p>
+          <a:p>
+            <a:r>
+              <a:rPr lang="de-DE" dirty="0"/>
+              <a:t>Zeile 18-19:</a:t>
+            </a:r>
+          </a:p>
+          <a:p>
+            <a:pPr marL="285750" indent="-285750">
+              <a:buFont typeface="Arial" panose="020B0604020202020204" pitchFamily="34" charset="0"/>
+              <a:buChar char="•"/>
+            </a:pPr>
+            <a:r>
+              <a:rPr lang="de-DE" dirty="0"/>
+              <a:t>Variablen der Komponente</a:t>
+            </a:r>
+          </a:p>
+          <a:p>
+            <a:pPr marL="285750" indent="-285750">
+              <a:buFont typeface="Arial" panose="020B0604020202020204" pitchFamily="34" charset="0"/>
+              <a:buChar char="•"/>
+            </a:pPr>
+            <a:endParaRPr lang="de-DE" dirty="0"/>
+          </a:p>
+          <a:p>
+            <a:r>
+              <a:rPr lang="de-DE" dirty="0"/>
+              <a:t>Zeile 21 ff.:</a:t>
+            </a:r>
+          </a:p>
+          <a:p>
+            <a:pPr marL="285750" indent="-285750">
+              <a:buFont typeface="Arial" panose="020B0604020202020204" pitchFamily="34" charset="0"/>
+              <a:buChar char="•"/>
+            </a:pPr>
+            <a:r>
+              <a:rPr lang="de-DE" dirty="0"/>
+              <a:t>Konstruktor mit </a:t>
+            </a:r>
+            <a:r>
+              <a:rPr lang="de-DE" dirty="0" err="1"/>
+              <a:t>Injected</a:t>
+            </a:r>
+            <a:r>
+              <a:rPr lang="de-DE" dirty="0"/>
+              <a:t> Moduls</a:t>
+            </a:r>
+          </a:p>
+          <a:p>
+            <a:pPr marL="285750" indent="-285750">
+              <a:buFont typeface="Arial" panose="020B0604020202020204" pitchFamily="34" charset="0"/>
+              <a:buChar char="•"/>
+            </a:pPr>
+            <a:endParaRPr lang="de-DE" dirty="0"/>
+          </a:p>
+          <a:p>
+            <a:r>
+              <a:rPr lang="de-DE" dirty="0"/>
+              <a:t>Zeile 26 ff.:</a:t>
+            </a:r>
+          </a:p>
+          <a:p>
+            <a:pPr marL="285750" indent="-285750">
+              <a:buFont typeface="Arial" panose="020B0604020202020204" pitchFamily="34" charset="0"/>
+              <a:buChar char="•"/>
+            </a:pPr>
+            <a:r>
+              <a:rPr lang="de-DE" dirty="0" err="1"/>
+              <a:t>OnInit</a:t>
+            </a:r>
+            <a:r>
+              <a:rPr lang="de-DE" dirty="0"/>
+              <a:t> Interface, führt Methoden beim starten der </a:t>
+            </a:r>
+            <a:r>
+              <a:rPr lang="de-DE" dirty="0" err="1"/>
+              <a:t>Component</a:t>
+            </a:r>
+            <a:r>
+              <a:rPr lang="de-DE" dirty="0"/>
+              <a:t> aus </a:t>
+            </a:r>
+          </a:p>
+        </p:txBody>
+      </p:sp>
+      <p:sp>
+        <p:nvSpPr>
+          <p:cNvPr id="11" name="Textfeld 10">
+            <a:extLst>
+              <a:ext uri="{FF2B5EF4-FFF2-40B4-BE49-F238E27FC236}">
+                <a16:creationId xmlns:a16="http://schemas.microsoft.com/office/drawing/2014/main" id="{A605C4B8-6339-4E68-8636-6FC6DD38C363}"/>
+              </a:ext>
+            </a:extLst>
+          </p:cNvPr>
+          <p:cNvSpPr txBox="1"/>
+          <p:nvPr/>
+        </p:nvSpPr>
+        <p:spPr>
+          <a:xfrm>
+            <a:off x="415635" y="1899351"/>
+            <a:ext cx="3782291" cy="369332"/>
+          </a:xfrm>
+          <a:prstGeom prst="rect">
+            <a:avLst/>
+          </a:prstGeom>
+          <a:noFill/>
+        </p:spPr>
+        <p:txBody>
+          <a:bodyPr wrap="square" rtlCol="0">
+            <a:spAutoFit/>
+          </a:bodyPr>
+          <a:lstStyle/>
+          <a:p>
+            <a:r>
+              <a:rPr lang="de-DE" dirty="0"/>
+              <a:t>main-</a:t>
+            </a:r>
+            <a:r>
+              <a:rPr lang="de-DE" dirty="0" err="1"/>
+              <a:t>nav</a:t>
+            </a:r>
+            <a:r>
+              <a:rPr lang="de-DE" dirty="0"/>
+              <a:t>-</a:t>
+            </a:r>
+            <a:r>
+              <a:rPr lang="de-DE" dirty="0" err="1"/>
+              <a:t>component.ts</a:t>
+            </a:r>
+            <a:endParaRPr lang="de-DE" dirty="0"/>
+          </a:p>
+        </p:txBody>
+      </p:sp>
       <p:pic>
         <p:nvPicPr>
-          <p:cNvPr id="5" name="Grafik 4">
-            <a:extLst>
-              <a:ext uri="{FF2B5EF4-FFF2-40B4-BE49-F238E27FC236}">
-                <a16:creationId xmlns:a16="http://schemas.microsoft.com/office/drawing/2014/main" id="{BB1B702B-07BF-4EEA-B47C-08AF5F6BE032}"/>
+          <p:cNvPr id="6" name="Grafik 5" descr="Ein Bild, das Schild, draußen, Ende, sitzend enthält.&#10;&#10;Automatisch generierte Beschreibung">
+            <a:extLst>
+              <a:ext uri="{FF2B5EF4-FFF2-40B4-BE49-F238E27FC236}">
+                <a16:creationId xmlns:a16="http://schemas.microsoft.com/office/drawing/2014/main" id="{9D50691D-420C-4A62-9800-85E565DF8640}"/>
               </a:ext>
             </a:extLst>
           </p:cNvPr>
@@ -10286,187 +11583,31 @@
           <p:nvPr/>
         </p:nvPicPr>
         <p:blipFill>
-          <a:blip r:embed="rId3"/>
+          <a:blip r:embed="rId3">
+            <a:extLst>
+              <a:ext uri="{28A0092B-C50C-407E-A947-70E740481C1C}">
+                <a14:useLocalDpi xmlns:a14="http://schemas.microsoft.com/office/drawing/2010/main" val="0"/>
+              </a:ext>
+            </a:extLst>
+          </a:blip>
           <a:stretch>
             <a:fillRect/>
           </a:stretch>
         </p:blipFill>
         <p:spPr>
           <a:xfrm>
-            <a:off x="5231466" y="1846015"/>
-            <a:ext cx="1729068" cy="3775054"/>
+            <a:off x="8337828" y="582892"/>
+            <a:ext cx="890028" cy="890028"/>
           </a:xfrm>
           <a:prstGeom prst="rect">
             <a:avLst/>
           </a:prstGeom>
-          <a:ln>
-            <a:solidFill>
-              <a:schemeClr val="tx1"/>
-            </a:solidFill>
-          </a:ln>
         </p:spPr>
       </p:pic>
-      <p:pic>
-        <p:nvPicPr>
-          <p:cNvPr id="6" name="Grafik 5">
-            <a:extLst>
-              <a:ext uri="{FF2B5EF4-FFF2-40B4-BE49-F238E27FC236}">
-                <a16:creationId xmlns:a16="http://schemas.microsoft.com/office/drawing/2014/main" id="{85CD59B6-ACD2-44DB-9B2C-F501E7087302}"/>
-              </a:ext>
-            </a:extLst>
-          </p:cNvPr>
-          <p:cNvPicPr>
-            <a:picLocks noChangeAspect="1"/>
-          </p:cNvPicPr>
-          <p:nvPr/>
-        </p:nvPicPr>
-        <p:blipFill>
-          <a:blip r:embed="rId4"/>
-          <a:stretch>
-            <a:fillRect/>
-          </a:stretch>
-        </p:blipFill>
-        <p:spPr>
-          <a:xfrm>
-            <a:off x="8519009" y="1846015"/>
-            <a:ext cx="1721950" cy="3740150"/>
-          </a:xfrm>
-          <a:prstGeom prst="rect">
-            <a:avLst/>
-          </a:prstGeom>
-          <a:ln>
-            <a:solidFill>
-              <a:schemeClr val="tx1"/>
-            </a:solidFill>
-          </a:ln>
-        </p:spPr>
-      </p:pic>
-      <p:sp>
-        <p:nvSpPr>
-          <p:cNvPr id="7" name="Textfeld 6">
-            <a:extLst>
-              <a:ext uri="{FF2B5EF4-FFF2-40B4-BE49-F238E27FC236}">
-                <a16:creationId xmlns:a16="http://schemas.microsoft.com/office/drawing/2014/main" id="{4068A874-4990-433C-A56E-4F2F47FB4324}"/>
-              </a:ext>
-            </a:extLst>
-          </p:cNvPr>
-          <p:cNvSpPr txBox="1"/>
-          <p:nvPr/>
-        </p:nvSpPr>
-        <p:spPr>
-          <a:xfrm>
-            <a:off x="1832984" y="5695950"/>
-            <a:ext cx="1729068" cy="307777"/>
-          </a:xfrm>
-          <a:prstGeom prst="rect">
-            <a:avLst/>
-          </a:prstGeom>
-          <a:noFill/>
-        </p:spPr>
-        <p:txBody>
-          <a:bodyPr wrap="square" rtlCol="0">
-            <a:spAutoFit/>
-          </a:bodyPr>
-          <a:lstStyle/>
-          <a:p>
-            <a:pPr algn="ctr"/>
-            <a:r>
-              <a:rPr lang="de-DE" sz="1400" dirty="0"/>
-              <a:t>Thema hinzufügen</a:t>
-            </a:r>
-          </a:p>
-        </p:txBody>
-      </p:sp>
-      <p:sp>
-        <p:nvSpPr>
-          <p:cNvPr id="8" name="Textfeld 7">
-            <a:extLst>
-              <a:ext uri="{FF2B5EF4-FFF2-40B4-BE49-F238E27FC236}">
-                <a16:creationId xmlns:a16="http://schemas.microsoft.com/office/drawing/2014/main" id="{1AC267F5-69B9-4F0C-A414-29F3FAD2E285}"/>
-              </a:ext>
-            </a:extLst>
-          </p:cNvPr>
-          <p:cNvSpPr txBox="1"/>
-          <p:nvPr/>
-        </p:nvSpPr>
-        <p:spPr>
-          <a:xfrm>
-            <a:off x="5158316" y="5695950"/>
-            <a:ext cx="1875367" cy="738664"/>
-          </a:xfrm>
-          <a:prstGeom prst="rect">
-            <a:avLst/>
-          </a:prstGeom>
-          <a:noFill/>
-        </p:spPr>
-        <p:txBody>
-          <a:bodyPr wrap="square" rtlCol="0">
-            <a:spAutoFit/>
-          </a:bodyPr>
-          <a:lstStyle/>
-          <a:p>
-            <a:pPr algn="ctr"/>
-            <a:r>
-              <a:rPr lang="de-DE" sz="1400" dirty="0"/>
-              <a:t>Kombination mehrerer Tags</a:t>
-            </a:r>
-          </a:p>
-          <a:p>
-            <a:pPr algn="ctr"/>
-            <a:r>
-              <a:rPr lang="de-DE" sz="1400" dirty="0"/>
-              <a:t>(z.B. Fach und Prof)</a:t>
-            </a:r>
-          </a:p>
-        </p:txBody>
-      </p:sp>
-      <p:sp>
-        <p:nvSpPr>
-          <p:cNvPr id="9" name="Rechteck 8">
-            <a:extLst>
-              <a:ext uri="{FF2B5EF4-FFF2-40B4-BE49-F238E27FC236}">
-                <a16:creationId xmlns:a16="http://schemas.microsoft.com/office/drawing/2014/main" id="{849976D0-42FC-4C88-BF8E-3D3D400C1FD6}"/>
-              </a:ext>
-            </a:extLst>
-          </p:cNvPr>
-          <p:cNvSpPr/>
-          <p:nvPr/>
-        </p:nvSpPr>
-        <p:spPr>
-          <a:xfrm>
-            <a:off x="8124911" y="5742117"/>
-            <a:ext cx="2510146" cy="523220"/>
-          </a:xfrm>
-          <a:prstGeom prst="rect">
-            <a:avLst/>
-          </a:prstGeom>
-        </p:spPr>
-        <p:txBody>
-          <a:bodyPr wrap="square">
-            <a:spAutoFit/>
-          </a:bodyPr>
-          <a:lstStyle/>
-          <a:p>
-            <a:pPr algn="ctr"/>
-            <a:r>
-              <a:rPr lang="de-DE" sz="1400" dirty="0"/>
-              <a:t>Auto-</a:t>
-            </a:r>
-            <a:r>
-              <a:rPr lang="de-DE" sz="1400" dirty="0" err="1"/>
-              <a:t>Completion</a:t>
-            </a:r>
-            <a:r>
-              <a:rPr lang="de-DE" sz="1400" dirty="0"/>
-              <a:t> mit bereit bestehenden Tags</a:t>
-            </a:r>
-          </a:p>
-        </p:txBody>
-      </p:sp>
     </p:spTree>
     <p:extLst>
       <p:ext uri="{BB962C8B-B14F-4D97-AF65-F5344CB8AC3E}">
-        <p14:creationId xmlns:p14="http://schemas.microsoft.com/office/powerpoint/2010/main" val="2649982653"/>
+        <p14:creationId xmlns:p14="http://schemas.microsoft.com/office/powerpoint/2010/main" val="1829453107"/>
       </p:ext>
     </p:extLst>
   </p:cSld>
